--- a/ru_defense_slides.pptx
+++ b/ru_defense_slides.pptx
@@ -5,10 +5,10 @@
     <p:sldMasterId id="2147483648" r:id="rId1"/>
   </p:sldMasterIdLst>
   <p:notesMasterIdLst>
-    <p:notesMasterId r:id="rId21"/>
+    <p:notesMasterId r:id="rId22"/>
   </p:notesMasterIdLst>
   <p:handoutMasterIdLst>
-    <p:handoutMasterId r:id="rId22"/>
+    <p:handoutMasterId r:id="rId23"/>
   </p:handoutMasterIdLst>
   <p:sldIdLst>
     <p:sldId id="258" r:id="rId2"/>
@@ -24,12 +24,13 @@
     <p:sldId id="267" r:id="rId12"/>
     <p:sldId id="275" r:id="rId13"/>
     <p:sldId id="268" r:id="rId14"/>
-    <p:sldId id="270" r:id="rId15"/>
-    <p:sldId id="276" r:id="rId16"/>
-    <p:sldId id="277" r:id="rId17"/>
-    <p:sldId id="278" r:id="rId18"/>
-    <p:sldId id="271" r:id="rId19"/>
-    <p:sldId id="272" r:id="rId20"/>
+    <p:sldId id="279" r:id="rId15"/>
+    <p:sldId id="270" r:id="rId16"/>
+    <p:sldId id="276" r:id="rId17"/>
+    <p:sldId id="277" r:id="rId18"/>
+    <p:sldId id="278" r:id="rId19"/>
+    <p:sldId id="271" r:id="rId20"/>
+    <p:sldId id="272" r:id="rId21"/>
   </p:sldIdLst>
   <p:sldSz cx="9144000" cy="5143500" type="screen16x9"/>
   <p:notesSz cx="6858000" cy="9144000"/>
@@ -263,7 +264,7 @@
           <a:p>
             <a:fld id="{B4ACAF68-BA44-A64D-98FC-2994B8AF7CCA}" type="datetimeFigureOut">
               <a:rPr lang="en-US" smtClean="0"/>
-              <a:t>12/22/21</a:t>
+              <a:t>1/1/22</a:t>
             </a:fld>
             <a:endParaRPr lang="en-US"/>
           </a:p>
@@ -440,7 +441,7 @@
           <a:p>
             <a:fld id="{21E02A63-8238-CF49-95F6-4E73F04318D6}" type="datetimeFigureOut">
               <a:rPr lang="en-US" smtClean="0"/>
-              <a:t>12/22/21</a:t>
+              <a:t>1/1/22</a:t>
             </a:fld>
             <a:endParaRPr lang="en-US"/>
           </a:p>
@@ -751,23 +752,9 @@
           <a:bodyPr/>
           <a:lstStyle/>
           <a:p>
-            <a:pPr marL="171450" indent="-171450">
-              <a:buFontTx/>
-              <a:buChar char="-"/>
-            </a:pPr>
             <a:r>
               <a:rPr lang="en-US" dirty="0"/>
-              <a:t>Prediction essential for information processing and learning in a variety of domains</a:t>
-            </a:r>
-          </a:p>
-          <a:p>
-            <a:pPr marL="171450" indent="-171450">
-              <a:buFontTx/>
-              <a:buChar char="-"/>
-            </a:pPr>
-            <a:r>
-              <a:rPr lang="en-US" dirty="0"/>
-              <a:t>Sometimes explicitly learned, oftentimes not</a:t>
+              <a:t>Hello everyone. Thank you all for attending my dissertation defense. In my dissertation project I have address several issues in L1 and L2 morphophonological prediction. Specifically, the role of language experience factors and the association of morphophonological prediction with non-linguistic visuospatial prediction.</a:t>
             </a:r>
           </a:p>
         </p:txBody>
@@ -787,9 +774,9 @@
           <a:bodyPr/>
           <a:lstStyle/>
           <a:p>
-            <a:fld id="{DE580433-B24C-D44A-BAA0-14F4303C828A}" type="slidenum">
+            <a:fld id="{82FB5D43-6794-0847-9F6F-8A7B2FD27330}" type="slidenum">
               <a:rPr lang="en-US" smtClean="0"/>
-              <a:t>3</a:t>
+              <a:t>1</a:t>
             </a:fld>
             <a:endParaRPr lang="en-US"/>
           </a:p>
@@ -798,7 +785,667 @@
     </p:spTree>
     <p:extLst>
       <p:ext uri="{BB962C8B-B14F-4D97-AF65-F5344CB8AC3E}">
-        <p14:creationId xmlns:p14="http://schemas.microsoft.com/office/powerpoint/2010/main" val="4070085039"/>
+        <p14:creationId xmlns:p14="http://schemas.microsoft.com/office/powerpoint/2010/main" val="2268783175"/>
+      </p:ext>
+    </p:extLst>
+  </p:cSld>
+  <p:clrMapOvr>
+    <a:masterClrMapping/>
+  </p:clrMapOvr>
+</p:notes>
+</file>
+
+<file path=ppt/notesSlides/notesSlide10.xml><?xml version="1.0" encoding="utf-8"?>
+<p:notes xmlns:a="http://schemas.openxmlformats.org/drawingml/2006/main" xmlns:r="http://schemas.openxmlformats.org/officeDocument/2006/relationships" xmlns:p="http://schemas.openxmlformats.org/presentationml/2006/main">
+  <p:cSld>
+    <p:spTree>
+      <p:nvGrpSpPr>
+        <p:cNvPr id="1" name=""/>
+        <p:cNvGrpSpPr/>
+        <p:nvPr/>
+      </p:nvGrpSpPr>
+      <p:grpSpPr>
+        <a:xfrm>
+          <a:off x="0" y="0"/>
+          <a:ext cx="0" cy="0"/>
+          <a:chOff x="0" y="0"/>
+          <a:chExt cx="0" cy="0"/>
+        </a:xfrm>
+      </p:grpSpPr>
+      <p:sp>
+        <p:nvSpPr>
+          <p:cNvPr id="2" name="Slide Image Placeholder 1"/>
+          <p:cNvSpPr>
+            <a:spLocks noGrp="1" noRot="1" noChangeAspect="1"/>
+          </p:cNvSpPr>
+          <p:nvPr>
+            <p:ph type="sldImg"/>
+          </p:nvPr>
+        </p:nvSpPr>
+        <p:spPr/>
+      </p:sp>
+      <p:sp>
+        <p:nvSpPr>
+          <p:cNvPr id="3" name="Notes Placeholder 2"/>
+          <p:cNvSpPr>
+            <a:spLocks noGrp="1"/>
+          </p:cNvSpPr>
+          <p:nvPr>
+            <p:ph type="body" idx="1"/>
+          </p:nvPr>
+        </p:nvSpPr>
+        <p:spPr/>
+        <p:txBody>
+          <a:bodyPr/>
+          <a:lstStyle/>
+          <a:p>
+            <a:r>
+              <a:rPr lang="en-US" dirty="0"/>
+              <a:t>The first two studies in my dissertation…</a:t>
+            </a:r>
+          </a:p>
+        </p:txBody>
+      </p:sp>
+      <p:sp>
+        <p:nvSpPr>
+          <p:cNvPr id="4" name="Slide Number Placeholder 3"/>
+          <p:cNvSpPr>
+            <a:spLocks noGrp="1"/>
+          </p:cNvSpPr>
+          <p:nvPr>
+            <p:ph type="sldNum" sz="quarter" idx="5"/>
+          </p:nvPr>
+        </p:nvSpPr>
+        <p:spPr/>
+        <p:txBody>
+          <a:bodyPr/>
+          <a:lstStyle/>
+          <a:p>
+            <a:fld id="{82FB5D43-6794-0847-9F6F-8A7B2FD27330}" type="slidenum">
+              <a:rPr lang="en-US" smtClean="0"/>
+              <a:t>11</a:t>
+            </a:fld>
+            <a:endParaRPr lang="en-US"/>
+          </a:p>
+        </p:txBody>
+      </p:sp>
+    </p:spTree>
+    <p:extLst>
+      <p:ext uri="{BB962C8B-B14F-4D97-AF65-F5344CB8AC3E}">
+        <p14:creationId xmlns:p14="http://schemas.microsoft.com/office/powerpoint/2010/main" val="3091220031"/>
+      </p:ext>
+    </p:extLst>
+  </p:cSld>
+  <p:clrMapOvr>
+    <a:masterClrMapping/>
+  </p:clrMapOvr>
+</p:notes>
+</file>
+
+<file path=ppt/notesSlides/notesSlide11.xml><?xml version="1.0" encoding="utf-8"?>
+<p:notes xmlns:a="http://schemas.openxmlformats.org/drawingml/2006/main" xmlns:r="http://schemas.openxmlformats.org/officeDocument/2006/relationships" xmlns:p="http://schemas.openxmlformats.org/presentationml/2006/main">
+  <p:cSld>
+    <p:spTree>
+      <p:nvGrpSpPr>
+        <p:cNvPr id="1" name=""/>
+        <p:cNvGrpSpPr/>
+        <p:nvPr/>
+      </p:nvGrpSpPr>
+      <p:grpSpPr>
+        <a:xfrm>
+          <a:off x="0" y="0"/>
+          <a:ext cx="0" cy="0"/>
+          <a:chOff x="0" y="0"/>
+          <a:chExt cx="0" cy="0"/>
+        </a:xfrm>
+      </p:grpSpPr>
+      <p:sp>
+        <p:nvSpPr>
+          <p:cNvPr id="2" name="Slide Image Placeholder 1"/>
+          <p:cNvSpPr>
+            <a:spLocks noGrp="1" noRot="1" noChangeAspect="1"/>
+          </p:cNvSpPr>
+          <p:nvPr>
+            <p:ph type="sldImg"/>
+          </p:nvPr>
+        </p:nvSpPr>
+        <p:spPr/>
+      </p:sp>
+      <p:sp>
+        <p:nvSpPr>
+          <p:cNvPr id="3" name="Notes Placeholder 2"/>
+          <p:cNvSpPr>
+            <a:spLocks noGrp="1"/>
+          </p:cNvSpPr>
+          <p:nvPr>
+            <p:ph type="body" idx="1"/>
+          </p:nvPr>
+        </p:nvSpPr>
+        <p:spPr/>
+        <p:txBody>
+          <a:bodyPr/>
+          <a:lstStyle/>
+          <a:p>
+            <a:r>
+              <a:rPr lang="en-US" dirty="0"/>
+              <a:t>Now, a lot of prediction research in language has examined prediction in language, however, recent neurocognitive research, for instance, indicates that predictive mechanisms may be shared across cognition. I therefore wanted to explore how language prediction relates to prediction in other non-language skills.</a:t>
+            </a:r>
+          </a:p>
+          <a:p>
+            <a:r>
+              <a:rPr lang="en-US" dirty="0"/>
+              <a:t>Other skills in which predictions are generated are…</a:t>
+            </a:r>
+          </a:p>
+        </p:txBody>
+      </p:sp>
+      <p:sp>
+        <p:nvSpPr>
+          <p:cNvPr id="4" name="Slide Number Placeholder 3"/>
+          <p:cNvSpPr>
+            <a:spLocks noGrp="1"/>
+          </p:cNvSpPr>
+          <p:nvPr>
+            <p:ph type="sldNum" sz="quarter" idx="5"/>
+          </p:nvPr>
+        </p:nvSpPr>
+        <p:spPr/>
+        <p:txBody>
+          <a:bodyPr/>
+          <a:lstStyle/>
+          <a:p>
+            <a:fld id="{82FB5D43-6794-0847-9F6F-8A7B2FD27330}" type="slidenum">
+              <a:rPr lang="en-US" smtClean="0"/>
+              <a:t>12</a:t>
+            </a:fld>
+            <a:endParaRPr lang="en-US"/>
+          </a:p>
+        </p:txBody>
+      </p:sp>
+    </p:spTree>
+    <p:extLst>
+      <p:ext uri="{BB962C8B-B14F-4D97-AF65-F5344CB8AC3E}">
+        <p14:creationId xmlns:p14="http://schemas.microsoft.com/office/powerpoint/2010/main" val="2608956757"/>
+      </p:ext>
+    </p:extLst>
+  </p:cSld>
+  <p:clrMapOvr>
+    <a:masterClrMapping/>
+  </p:clrMapOvr>
+</p:notes>
+</file>
+
+<file path=ppt/notesSlides/notesSlide12.xml><?xml version="1.0" encoding="utf-8"?>
+<p:notes xmlns:a="http://schemas.openxmlformats.org/drawingml/2006/main" xmlns:r="http://schemas.openxmlformats.org/officeDocument/2006/relationships" xmlns:p="http://schemas.openxmlformats.org/presentationml/2006/main">
+  <p:cSld>
+    <p:spTree>
+      <p:nvGrpSpPr>
+        <p:cNvPr id="1" name=""/>
+        <p:cNvGrpSpPr/>
+        <p:nvPr/>
+      </p:nvGrpSpPr>
+      <p:grpSpPr>
+        <a:xfrm>
+          <a:off x="0" y="0"/>
+          <a:ext cx="0" cy="0"/>
+          <a:chOff x="0" y="0"/>
+          <a:chExt cx="0" cy="0"/>
+        </a:xfrm>
+      </p:grpSpPr>
+      <p:sp>
+        <p:nvSpPr>
+          <p:cNvPr id="2" name="Slide Image Placeholder 1"/>
+          <p:cNvSpPr>
+            <a:spLocks noGrp="1" noRot="1" noChangeAspect="1"/>
+          </p:cNvSpPr>
+          <p:nvPr>
+            <p:ph type="sldImg"/>
+          </p:nvPr>
+        </p:nvSpPr>
+        <p:spPr/>
+      </p:sp>
+      <p:sp>
+        <p:nvSpPr>
+          <p:cNvPr id="3" name="Notes Placeholder 2"/>
+          <p:cNvSpPr>
+            <a:spLocks noGrp="1"/>
+          </p:cNvSpPr>
+          <p:nvPr>
+            <p:ph type="body" idx="1"/>
+          </p:nvPr>
+        </p:nvSpPr>
+        <p:spPr/>
+        <p:txBody>
+          <a:bodyPr/>
+          <a:lstStyle/>
+          <a:p>
+            <a:r>
+              <a:rPr lang="en-US" dirty="0"/>
+              <a:t>To avoid possible confounding effects of modality, I decided to investigate prediction in spoken word recognition and (aural modality) and in visuospatial prediction (visual modality).</a:t>
+            </a:r>
+          </a:p>
+          <a:p>
+            <a:r>
+              <a:rPr lang="en-US" dirty="0"/>
+              <a:t>Previous research between these two fields has revealed that language and visuospatial processing may be associated in several ways…</a:t>
+            </a:r>
+          </a:p>
+        </p:txBody>
+      </p:sp>
+      <p:sp>
+        <p:nvSpPr>
+          <p:cNvPr id="4" name="Slide Number Placeholder 3"/>
+          <p:cNvSpPr>
+            <a:spLocks noGrp="1"/>
+          </p:cNvSpPr>
+          <p:nvPr>
+            <p:ph type="sldNum" sz="quarter" idx="5"/>
+          </p:nvPr>
+        </p:nvSpPr>
+        <p:spPr/>
+        <p:txBody>
+          <a:bodyPr/>
+          <a:lstStyle/>
+          <a:p>
+            <a:fld id="{82FB5D43-6794-0847-9F6F-8A7B2FD27330}" type="slidenum">
+              <a:rPr lang="en-US" smtClean="0"/>
+              <a:t>13</a:t>
+            </a:fld>
+            <a:endParaRPr lang="en-US"/>
+          </a:p>
+        </p:txBody>
+      </p:sp>
+    </p:spTree>
+    <p:extLst>
+      <p:ext uri="{BB962C8B-B14F-4D97-AF65-F5344CB8AC3E}">
+        <p14:creationId xmlns:p14="http://schemas.microsoft.com/office/powerpoint/2010/main" val="826751088"/>
+      </p:ext>
+    </p:extLst>
+  </p:cSld>
+  <p:clrMapOvr>
+    <a:masterClrMapping/>
+  </p:clrMapOvr>
+</p:notes>
+</file>
+
+<file path=ppt/notesSlides/notesSlide13.xml><?xml version="1.0" encoding="utf-8"?>
+<p:notes xmlns:a="http://schemas.openxmlformats.org/drawingml/2006/main" xmlns:r="http://schemas.openxmlformats.org/officeDocument/2006/relationships" xmlns:p="http://schemas.openxmlformats.org/presentationml/2006/main">
+  <p:cSld>
+    <p:spTree>
+      <p:nvGrpSpPr>
+        <p:cNvPr id="1" name=""/>
+        <p:cNvGrpSpPr/>
+        <p:nvPr/>
+      </p:nvGrpSpPr>
+      <p:grpSpPr>
+        <a:xfrm>
+          <a:off x="0" y="0"/>
+          <a:ext cx="0" cy="0"/>
+          <a:chOff x="0" y="0"/>
+          <a:chExt cx="0" cy="0"/>
+        </a:xfrm>
+      </p:grpSpPr>
+      <p:sp>
+        <p:nvSpPr>
+          <p:cNvPr id="2" name="Slide Image Placeholder 1"/>
+          <p:cNvSpPr>
+            <a:spLocks noGrp="1" noRot="1" noChangeAspect="1"/>
+          </p:cNvSpPr>
+          <p:nvPr>
+            <p:ph type="sldImg"/>
+          </p:nvPr>
+        </p:nvSpPr>
+        <p:spPr/>
+      </p:sp>
+      <p:sp>
+        <p:nvSpPr>
+          <p:cNvPr id="3" name="Notes Placeholder 2"/>
+          <p:cNvSpPr>
+            <a:spLocks noGrp="1"/>
+          </p:cNvSpPr>
+          <p:nvPr>
+            <p:ph type="body" idx="1"/>
+          </p:nvPr>
+        </p:nvSpPr>
+        <p:spPr/>
+        <p:txBody>
+          <a:bodyPr/>
+          <a:lstStyle/>
+          <a:p>
+            <a:r>
+              <a:rPr lang="en-US" dirty="0"/>
+              <a:t>A group of 30 monolingual speakers of Spanish completed the same eye-tracking task as before to measure their ability in language prediction and a time/movement anticipation task to measure their ability to make trajectory predictions based on speed and distance information…</a:t>
+            </a:r>
+          </a:p>
+        </p:txBody>
+      </p:sp>
+      <p:sp>
+        <p:nvSpPr>
+          <p:cNvPr id="4" name="Slide Number Placeholder 3"/>
+          <p:cNvSpPr>
+            <a:spLocks noGrp="1"/>
+          </p:cNvSpPr>
+          <p:nvPr>
+            <p:ph type="sldNum" sz="quarter" idx="5"/>
+          </p:nvPr>
+        </p:nvSpPr>
+        <p:spPr/>
+        <p:txBody>
+          <a:bodyPr/>
+          <a:lstStyle/>
+          <a:p>
+            <a:fld id="{82FB5D43-6794-0847-9F6F-8A7B2FD27330}" type="slidenum">
+              <a:rPr lang="en-US" smtClean="0"/>
+              <a:t>14</a:t>
+            </a:fld>
+            <a:endParaRPr lang="en-US"/>
+          </a:p>
+        </p:txBody>
+      </p:sp>
+    </p:spTree>
+    <p:extLst>
+      <p:ext uri="{BB962C8B-B14F-4D97-AF65-F5344CB8AC3E}">
+        <p14:creationId xmlns:p14="http://schemas.microsoft.com/office/powerpoint/2010/main" val="3401142359"/>
+      </p:ext>
+    </p:extLst>
+  </p:cSld>
+  <p:clrMapOvr>
+    <a:masterClrMapping/>
+  </p:clrMapOvr>
+</p:notes>
+</file>
+
+<file path=ppt/notesSlides/notesSlide14.xml><?xml version="1.0" encoding="utf-8"?>
+<p:notes xmlns:a="http://schemas.openxmlformats.org/drawingml/2006/main" xmlns:r="http://schemas.openxmlformats.org/officeDocument/2006/relationships" xmlns:p="http://schemas.openxmlformats.org/presentationml/2006/main">
+  <p:cSld>
+    <p:spTree>
+      <p:nvGrpSpPr>
+        <p:cNvPr id="1" name=""/>
+        <p:cNvGrpSpPr/>
+        <p:nvPr/>
+      </p:nvGrpSpPr>
+      <p:grpSpPr>
+        <a:xfrm>
+          <a:off x="0" y="0"/>
+          <a:ext cx="0" cy="0"/>
+          <a:chOff x="0" y="0"/>
+          <a:chExt cx="0" cy="0"/>
+        </a:xfrm>
+      </p:grpSpPr>
+      <p:sp>
+        <p:nvSpPr>
+          <p:cNvPr id="2" name="Slide Image Placeholder 1"/>
+          <p:cNvSpPr>
+            <a:spLocks noGrp="1" noRot="1" noChangeAspect="1"/>
+          </p:cNvSpPr>
+          <p:nvPr>
+            <p:ph type="sldImg"/>
+          </p:nvPr>
+        </p:nvSpPr>
+        <p:spPr/>
+      </p:sp>
+      <p:sp>
+        <p:nvSpPr>
+          <p:cNvPr id="3" name="Notes Placeholder 2"/>
+          <p:cNvSpPr>
+            <a:spLocks noGrp="1"/>
+          </p:cNvSpPr>
+          <p:nvPr>
+            <p:ph type="body" idx="1"/>
+          </p:nvPr>
+        </p:nvSpPr>
+        <p:spPr/>
+        <p:txBody>
+          <a:bodyPr/>
+          <a:lstStyle/>
+          <a:p>
+            <a:endParaRPr lang="en-US" dirty="0"/>
+          </a:p>
+        </p:txBody>
+      </p:sp>
+      <p:sp>
+        <p:nvSpPr>
+          <p:cNvPr id="4" name="Slide Number Placeholder 3"/>
+          <p:cNvSpPr>
+            <a:spLocks noGrp="1"/>
+          </p:cNvSpPr>
+          <p:nvPr>
+            <p:ph type="sldNum" sz="quarter" idx="5"/>
+          </p:nvPr>
+        </p:nvSpPr>
+        <p:spPr/>
+        <p:txBody>
+          <a:bodyPr/>
+          <a:lstStyle/>
+          <a:p>
+            <a:fld id="{82FB5D43-6794-0847-9F6F-8A7B2FD27330}" type="slidenum">
+              <a:rPr lang="en-US" smtClean="0"/>
+              <a:t>15</a:t>
+            </a:fld>
+            <a:endParaRPr lang="en-US"/>
+          </a:p>
+        </p:txBody>
+      </p:sp>
+    </p:spTree>
+    <p:extLst>
+      <p:ext uri="{BB962C8B-B14F-4D97-AF65-F5344CB8AC3E}">
+        <p14:creationId xmlns:p14="http://schemas.microsoft.com/office/powerpoint/2010/main" val="1136467131"/>
+      </p:ext>
+    </p:extLst>
+  </p:cSld>
+  <p:clrMapOvr>
+    <a:masterClrMapping/>
+  </p:clrMapOvr>
+</p:notes>
+</file>
+
+<file path=ppt/notesSlides/notesSlide15.xml><?xml version="1.0" encoding="utf-8"?>
+<p:notes xmlns:a="http://schemas.openxmlformats.org/drawingml/2006/main" xmlns:r="http://schemas.openxmlformats.org/officeDocument/2006/relationships" xmlns:p="http://schemas.openxmlformats.org/presentationml/2006/main">
+  <p:cSld>
+    <p:spTree>
+      <p:nvGrpSpPr>
+        <p:cNvPr id="1" name=""/>
+        <p:cNvGrpSpPr/>
+        <p:nvPr/>
+      </p:nvGrpSpPr>
+      <p:grpSpPr>
+        <a:xfrm>
+          <a:off x="0" y="0"/>
+          <a:ext cx="0" cy="0"/>
+          <a:chOff x="0" y="0"/>
+          <a:chExt cx="0" cy="0"/>
+        </a:xfrm>
+      </p:grpSpPr>
+      <p:sp>
+        <p:nvSpPr>
+          <p:cNvPr id="2" name="Slide Image Placeholder 1"/>
+          <p:cNvSpPr>
+            <a:spLocks noGrp="1" noRot="1" noChangeAspect="1"/>
+          </p:cNvSpPr>
+          <p:nvPr>
+            <p:ph type="sldImg"/>
+          </p:nvPr>
+        </p:nvSpPr>
+        <p:spPr/>
+      </p:sp>
+      <p:sp>
+        <p:nvSpPr>
+          <p:cNvPr id="3" name="Notes Placeholder 2"/>
+          <p:cNvSpPr>
+            <a:spLocks noGrp="1"/>
+          </p:cNvSpPr>
+          <p:nvPr>
+            <p:ph type="body" idx="1"/>
+          </p:nvPr>
+        </p:nvSpPr>
+        <p:spPr/>
+        <p:txBody>
+          <a:bodyPr/>
+          <a:lstStyle/>
+          <a:p>
+            <a:r>
+              <a:rPr lang="en-US" sz="1200" kern="1200" dirty="0">
+                <a:solidFill>
+                  <a:schemeClr val="tx1"/>
+                </a:solidFill>
+                <a:effectLst/>
+                <a:latin typeface="+mn-lt"/>
+                <a:ea typeface="+mn-ea"/>
+                <a:cs typeface="+mn-cs"/>
+              </a:rPr>
+              <a:t>domain-general models for prediction, in which transfer across domains is possible if the domains share common features (Thorndike &amp; Woodworth, 1901) and cognitive elements (Anderson, 1990). However, the finding does not completely support domain-general accounts arguing that the information shared needs to be both perceptual and conceptual (</a:t>
+            </a:r>
+            <a:r>
+              <a:rPr lang="en-US" sz="1200" kern="1200" dirty="0" err="1">
+                <a:solidFill>
+                  <a:schemeClr val="tx1"/>
+                </a:solidFill>
+                <a:effectLst/>
+                <a:latin typeface="+mn-lt"/>
+                <a:ea typeface="+mn-ea"/>
+                <a:cs typeface="+mn-cs"/>
+              </a:rPr>
+              <a:t>Singley</a:t>
+            </a:r>
+            <a:r>
+              <a:rPr lang="en-US" sz="1200" kern="1200" dirty="0">
+                <a:solidFill>
+                  <a:schemeClr val="tx1"/>
+                </a:solidFill>
+                <a:effectLst/>
+                <a:latin typeface="+mn-lt"/>
+                <a:ea typeface="+mn-ea"/>
+                <a:cs typeface="+mn-cs"/>
+              </a:rPr>
+              <a:t> &amp; Anderson, 1989).</a:t>
+            </a:r>
+            <a:r>
+              <a:rPr lang="en-US" dirty="0">
+                <a:effectLst/>
+              </a:rPr>
+              <a:t> </a:t>
+            </a:r>
+            <a:endParaRPr lang="en-US" dirty="0"/>
+          </a:p>
+        </p:txBody>
+      </p:sp>
+      <p:sp>
+        <p:nvSpPr>
+          <p:cNvPr id="4" name="Slide Number Placeholder 3"/>
+          <p:cNvSpPr>
+            <a:spLocks noGrp="1"/>
+          </p:cNvSpPr>
+          <p:nvPr>
+            <p:ph type="sldNum" sz="quarter" idx="5"/>
+          </p:nvPr>
+        </p:nvSpPr>
+        <p:spPr/>
+        <p:txBody>
+          <a:bodyPr/>
+          <a:lstStyle/>
+          <a:p>
+            <a:fld id="{82FB5D43-6794-0847-9F6F-8A7B2FD27330}" type="slidenum">
+              <a:rPr lang="en-US" smtClean="0"/>
+              <a:t>16</a:t>
+            </a:fld>
+            <a:endParaRPr lang="en-US"/>
+          </a:p>
+        </p:txBody>
+      </p:sp>
+    </p:spTree>
+    <p:extLst>
+      <p:ext uri="{BB962C8B-B14F-4D97-AF65-F5344CB8AC3E}">
+        <p14:creationId xmlns:p14="http://schemas.microsoft.com/office/powerpoint/2010/main" val="626990475"/>
+      </p:ext>
+    </p:extLst>
+  </p:cSld>
+  <p:clrMapOvr>
+    <a:masterClrMapping/>
+  </p:clrMapOvr>
+</p:notes>
+</file>
+
+<file path=ppt/notesSlides/notesSlide16.xml><?xml version="1.0" encoding="utf-8"?>
+<p:notes xmlns:a="http://schemas.openxmlformats.org/drawingml/2006/main" xmlns:r="http://schemas.openxmlformats.org/officeDocument/2006/relationships" xmlns:p="http://schemas.openxmlformats.org/presentationml/2006/main">
+  <p:cSld>
+    <p:spTree>
+      <p:nvGrpSpPr>
+        <p:cNvPr id="1" name=""/>
+        <p:cNvGrpSpPr/>
+        <p:nvPr/>
+      </p:nvGrpSpPr>
+      <p:grpSpPr>
+        <a:xfrm>
+          <a:off x="0" y="0"/>
+          <a:ext cx="0" cy="0"/>
+          <a:chOff x="0" y="0"/>
+          <a:chExt cx="0" cy="0"/>
+        </a:xfrm>
+      </p:grpSpPr>
+      <p:sp>
+        <p:nvSpPr>
+          <p:cNvPr id="2" name="Slide Image Placeholder 1"/>
+          <p:cNvSpPr>
+            <a:spLocks noGrp="1" noRot="1" noChangeAspect="1"/>
+          </p:cNvSpPr>
+          <p:nvPr>
+            <p:ph type="sldImg"/>
+          </p:nvPr>
+        </p:nvSpPr>
+        <p:spPr/>
+      </p:sp>
+      <p:sp>
+        <p:nvSpPr>
+          <p:cNvPr id="3" name="Notes Placeholder 2"/>
+          <p:cNvSpPr>
+            <a:spLocks noGrp="1"/>
+          </p:cNvSpPr>
+          <p:nvPr>
+            <p:ph type="body" idx="1"/>
+          </p:nvPr>
+        </p:nvSpPr>
+        <p:spPr/>
+        <p:txBody>
+          <a:bodyPr/>
+          <a:lstStyle/>
+          <a:p>
+            <a:r>
+              <a:rPr lang="en-US" dirty="0"/>
+              <a:t>Acknowledgments</a:t>
+            </a:r>
+          </a:p>
+          <a:p>
+            <a:endParaRPr lang="en-US" dirty="0"/>
+          </a:p>
+        </p:txBody>
+      </p:sp>
+      <p:sp>
+        <p:nvSpPr>
+          <p:cNvPr id="4" name="Slide Number Placeholder 3"/>
+          <p:cNvSpPr>
+            <a:spLocks noGrp="1"/>
+          </p:cNvSpPr>
+          <p:nvPr>
+            <p:ph type="sldNum" sz="quarter" idx="5"/>
+          </p:nvPr>
+        </p:nvSpPr>
+        <p:spPr/>
+        <p:txBody>
+          <a:bodyPr/>
+          <a:lstStyle/>
+          <a:p>
+            <a:fld id="{82FB5D43-6794-0847-9F6F-8A7B2FD27330}" type="slidenum">
+              <a:rPr lang="en-US" smtClean="0"/>
+              <a:t>20</a:t>
+            </a:fld>
+            <a:endParaRPr lang="en-US"/>
+          </a:p>
+        </p:txBody>
+      </p:sp>
+    </p:spTree>
+    <p:extLst>
+      <p:ext uri="{BB962C8B-B14F-4D97-AF65-F5344CB8AC3E}">
+        <p14:creationId xmlns:p14="http://schemas.microsoft.com/office/powerpoint/2010/main" val="4236015570"/>
       </p:ext>
     </p:extLst>
   </p:cSld>
@@ -852,23 +1499,27 @@
           <a:bodyPr/>
           <a:lstStyle/>
           <a:p>
-            <a:pPr marL="171450" indent="-171450">
-              <a:buFontTx/>
-              <a:buChar char="-"/>
-            </a:pPr>
             <a:r>
               <a:rPr lang="en-US" dirty="0"/>
-              <a:t>Prediction essential for information processing and learning in a variety of domains</a:t>
-            </a:r>
-          </a:p>
-          <a:p>
-            <a:pPr marL="171450" indent="-171450">
-              <a:buFontTx/>
-              <a:buChar char="-"/>
-            </a:pPr>
+              <a:t>To study these two points I have conducted three experiments. Thus, my dissertation consists of four chapters. The first chapter summarizes the whole project and discusses the general findings, and illustrates pedagogical implications as well.</a:t>
+            </a:r>
+          </a:p>
+          <a:p>
             <a:r>
               <a:rPr lang="en-US" dirty="0"/>
-              <a:t>Sometimes explicitly learned, oftentimes not</a:t>
+              <a:t>The other three chapters are the three experiments. The first experiment addressed second language or L2 experience factors, namely, proficiency and use.</a:t>
+            </a:r>
+          </a:p>
+          <a:p>
+            <a:r>
+              <a:rPr lang="en-US" dirty="0"/>
+              <a:t>The second experiment addressed the combination of these L2 experience factors with L1 cross-linguistic effects.</a:t>
+            </a:r>
+          </a:p>
+          <a:p>
+            <a:r>
+              <a:rPr lang="en-US" dirty="0"/>
+              <a:t>The last experiment focused on the relationship between language and non-language prediction.</a:t>
             </a:r>
           </a:p>
         </p:txBody>
@@ -888,9 +1539,9 @@
           <a:bodyPr/>
           <a:lstStyle/>
           <a:p>
-            <a:fld id="{DE580433-B24C-D44A-BAA0-14F4303C828A}" type="slidenum">
+            <a:fld id="{82FB5D43-6794-0847-9F6F-8A7B2FD27330}" type="slidenum">
               <a:rPr lang="en-US" smtClean="0"/>
-              <a:t>4</a:t>
+              <a:t>2</a:t>
             </a:fld>
             <a:endParaRPr lang="en-US"/>
           </a:p>
@@ -899,7 +1550,7 @@
     </p:spTree>
     <p:extLst>
       <p:ext uri="{BB962C8B-B14F-4D97-AF65-F5344CB8AC3E}">
-        <p14:creationId xmlns:p14="http://schemas.microsoft.com/office/powerpoint/2010/main" val="3426277510"/>
+        <p14:creationId xmlns:p14="http://schemas.microsoft.com/office/powerpoint/2010/main" val="3794148595"/>
       </p:ext>
     </p:extLst>
   </p:cSld>
@@ -953,49 +1604,44 @@
           <a:bodyPr/>
           <a:lstStyle/>
           <a:p>
-            <a:r>
-              <a:rPr lang="en-US" sz="1200" kern="1200" dirty="0">
-                <a:solidFill>
-                  <a:schemeClr val="tx1"/>
-                </a:solidFill>
-                <a:effectLst/>
-                <a:latin typeface="+mn-lt"/>
-                <a:ea typeface="+mn-ea"/>
-                <a:cs typeface="+mn-cs"/>
-              </a:rPr>
-              <a:t>domain-general models for prediction, in which transfer across domains is possible if the domains share common features (Thorndike &amp; Woodworth, 1901) and cognitive elements (Anderson, 1990). However, the finding does not completely support domain-general accounts arguing that the information shared needs to be both perceptual and conceptual (</a:t>
-            </a:r>
-            <a:r>
-              <a:rPr lang="en-US" sz="1200" kern="1200" dirty="0" err="1">
-                <a:solidFill>
-                  <a:schemeClr val="tx1"/>
-                </a:solidFill>
-                <a:effectLst/>
-                <a:latin typeface="+mn-lt"/>
-                <a:ea typeface="+mn-ea"/>
-                <a:cs typeface="+mn-cs"/>
-              </a:rPr>
-              <a:t>Singley</a:t>
-            </a:r>
-            <a:r>
-              <a:rPr lang="en-US" sz="1200" kern="1200" dirty="0">
-                <a:solidFill>
-                  <a:schemeClr val="tx1"/>
-                </a:solidFill>
-                <a:effectLst/>
-                <a:latin typeface="+mn-lt"/>
-                <a:ea typeface="+mn-ea"/>
-                <a:cs typeface="+mn-cs"/>
-              </a:rPr>
-              <a:t> &amp; Anderson, 1989).</a:t>
-            </a:r>
-            <a:r>
-              <a:rPr lang="en-US" dirty="0">
-                <a:effectLst/>
-              </a:rPr>
-              <a:t> </a:t>
-            </a:r>
-            <a:endParaRPr lang="en-US" dirty="0"/>
+            <a:pPr marL="0" indent="0">
+              <a:buFontTx/>
+              <a:buNone/>
+            </a:pPr>
+            <a:r>
+              <a:rPr lang="en-US" dirty="0"/>
+              <a:t>But, why prediction?</a:t>
+            </a:r>
+          </a:p>
+          <a:p>
+            <a:pPr marL="171450" indent="-171450">
+              <a:buFontTx/>
+              <a:buChar char="-"/>
+            </a:pPr>
+            <a:r>
+              <a:rPr lang="en-US" dirty="0"/>
+              <a:t>Prediction essential for information processing and learning in a variety of domains</a:t>
+            </a:r>
+          </a:p>
+          <a:p>
+            <a:pPr marL="171450" indent="-171450">
+              <a:buFontTx/>
+              <a:buChar char="-"/>
+            </a:pPr>
+            <a:r>
+              <a:rPr lang="en-US" dirty="0"/>
+              <a:t>Sometimes explicitly learned, oftentimes not</a:t>
+            </a:r>
+          </a:p>
+          <a:p>
+            <a:pPr marL="0" indent="0">
+              <a:buFontTx/>
+              <a:buNone/>
+            </a:pPr>
+            <a:r>
+              <a:rPr lang="en-US" dirty="0"/>
+              <a:t>I wanted to explore the factors that condition how we learn implicitly associations that will enable us to make predictions.</a:t>
+            </a:r>
           </a:p>
         </p:txBody>
       </p:sp>
@@ -1014,9 +1660,9 @@
           <a:bodyPr/>
           <a:lstStyle/>
           <a:p>
-            <a:fld id="{82FB5D43-6794-0847-9F6F-8A7B2FD27330}" type="slidenum">
+            <a:fld id="{DE580433-B24C-D44A-BAA0-14F4303C828A}" type="slidenum">
               <a:rPr lang="en-US" smtClean="0"/>
-              <a:t>14</a:t>
+              <a:t>3</a:t>
             </a:fld>
             <a:endParaRPr lang="en-US"/>
           </a:p>
@@ -1025,7 +1671,7 @@
     </p:spTree>
     <p:extLst>
       <p:ext uri="{BB962C8B-B14F-4D97-AF65-F5344CB8AC3E}">
-        <p14:creationId xmlns:p14="http://schemas.microsoft.com/office/powerpoint/2010/main" val="1136467131"/>
+        <p14:creationId xmlns:p14="http://schemas.microsoft.com/office/powerpoint/2010/main" val="4070085039"/>
       </p:ext>
     </p:extLst>
   </p:cSld>
@@ -1079,49 +1725,34 @@
           <a:bodyPr/>
           <a:lstStyle/>
           <a:p>
-            <a:r>
-              <a:rPr lang="en-US" sz="1200" kern="1200" dirty="0">
-                <a:solidFill>
-                  <a:schemeClr val="tx1"/>
-                </a:solidFill>
-                <a:effectLst/>
-                <a:latin typeface="+mn-lt"/>
-                <a:ea typeface="+mn-ea"/>
-                <a:cs typeface="+mn-cs"/>
-              </a:rPr>
-              <a:t>domain-general models for prediction, in which transfer across domains is possible if the domains share common features (Thorndike &amp; Woodworth, 1901) and cognitive elements (Anderson, 1990). However, the finding does not completely support domain-general accounts arguing that the information shared needs to be both perceptual and conceptual (</a:t>
-            </a:r>
-            <a:r>
-              <a:rPr lang="en-US" sz="1200" kern="1200" dirty="0" err="1">
-                <a:solidFill>
-                  <a:schemeClr val="tx1"/>
-                </a:solidFill>
-                <a:effectLst/>
-                <a:latin typeface="+mn-lt"/>
-                <a:ea typeface="+mn-ea"/>
-                <a:cs typeface="+mn-cs"/>
-              </a:rPr>
-              <a:t>Singley</a:t>
-            </a:r>
-            <a:r>
-              <a:rPr lang="en-US" sz="1200" kern="1200" dirty="0">
-                <a:solidFill>
-                  <a:schemeClr val="tx1"/>
-                </a:solidFill>
-                <a:effectLst/>
-                <a:latin typeface="+mn-lt"/>
-                <a:ea typeface="+mn-ea"/>
-                <a:cs typeface="+mn-cs"/>
-              </a:rPr>
-              <a:t> &amp; Anderson, 1989).</a:t>
-            </a:r>
-            <a:r>
-              <a:rPr lang="en-US" dirty="0">
-                <a:effectLst/>
-              </a:rPr>
-              <a:t> </a:t>
-            </a:r>
-            <a:endParaRPr lang="en-US" dirty="0"/>
+            <a:pPr marL="0" indent="0">
+              <a:buFontTx/>
+              <a:buNone/>
+            </a:pPr>
+            <a:r>
+              <a:rPr lang="en-US" dirty="0"/>
+              <a:t>In language, one of those associations we learn implicitly is the association between a phonological cue, or a language sound, and a morphological outcome, or a part of a word.</a:t>
+            </a:r>
+          </a:p>
+          <a:p>
+            <a:pPr marL="0" indent="0">
+              <a:buFontTx/>
+              <a:buNone/>
+            </a:pPr>
+            <a:r>
+              <a:rPr lang="en-US" dirty="0"/>
+              <a:t>In this case, the phonological cue…</a:t>
+            </a:r>
+          </a:p>
+          <a:p>
+            <a:pPr marL="0" indent="0">
+              <a:buFontTx/>
+              <a:buNone/>
+            </a:pPr>
+            <a:r>
+              <a:rPr lang="en-US" dirty="0"/>
+              <a:t>The morphological outcome…</a:t>
+            </a:r>
           </a:p>
         </p:txBody>
       </p:sp>
@@ -1140,9 +1771,9 @@
           <a:bodyPr/>
           <a:lstStyle/>
           <a:p>
-            <a:fld id="{82FB5D43-6794-0847-9F6F-8A7B2FD27330}" type="slidenum">
+            <a:fld id="{DE580433-B24C-D44A-BAA0-14F4303C828A}" type="slidenum">
               <a:rPr lang="en-US" smtClean="0"/>
-              <a:t>15</a:t>
+              <a:t>4</a:t>
             </a:fld>
             <a:endParaRPr lang="en-US"/>
           </a:p>
@@ -1151,7 +1782,7 @@
     </p:spTree>
     <p:extLst>
       <p:ext uri="{BB962C8B-B14F-4D97-AF65-F5344CB8AC3E}">
-        <p14:creationId xmlns:p14="http://schemas.microsoft.com/office/powerpoint/2010/main" val="626990475"/>
+        <p14:creationId xmlns:p14="http://schemas.microsoft.com/office/powerpoint/2010/main" val="3426277510"/>
       </p:ext>
     </p:extLst>
   </p:cSld>
@@ -1207,8 +1838,11 @@
           <a:p>
             <a:r>
               <a:rPr lang="en-US" dirty="0"/>
-              <a:t>Acknowledgments</a:t>
-            </a:r>
+              <a:t>In an L2, some factors conditioning the acquisition of this association have been examined.</a:t>
+            </a:r>
+          </a:p>
+          <a:p>
+            <a:endParaRPr lang="en-US" dirty="0"/>
           </a:p>
           <a:p>
             <a:endParaRPr lang="en-US" dirty="0"/>
@@ -1232,7 +1866,7 @@
           <a:p>
             <a:fld id="{82FB5D43-6794-0847-9F6F-8A7B2FD27330}" type="slidenum">
               <a:rPr lang="en-US" smtClean="0"/>
-              <a:t>19</a:t>
+              <a:t>5</a:t>
             </a:fld>
             <a:endParaRPr lang="en-US"/>
           </a:p>
@@ -1241,7 +1875,397 @@
     </p:spTree>
     <p:extLst>
       <p:ext uri="{BB962C8B-B14F-4D97-AF65-F5344CB8AC3E}">
-        <p14:creationId xmlns:p14="http://schemas.microsoft.com/office/powerpoint/2010/main" val="4236015570"/>
+        <p14:creationId xmlns:p14="http://schemas.microsoft.com/office/powerpoint/2010/main" val="3978419412"/>
+      </p:ext>
+    </p:extLst>
+  </p:cSld>
+  <p:clrMapOvr>
+    <a:masterClrMapping/>
+  </p:clrMapOvr>
+</p:notes>
+</file>
+
+<file path=ppt/notesSlides/notesSlide6.xml><?xml version="1.0" encoding="utf-8"?>
+<p:notes xmlns:a="http://schemas.openxmlformats.org/drawingml/2006/main" xmlns:r="http://schemas.openxmlformats.org/officeDocument/2006/relationships" xmlns:p="http://schemas.openxmlformats.org/presentationml/2006/main">
+  <p:cSld>
+    <p:spTree>
+      <p:nvGrpSpPr>
+        <p:cNvPr id="1" name=""/>
+        <p:cNvGrpSpPr/>
+        <p:nvPr/>
+      </p:nvGrpSpPr>
+      <p:grpSpPr>
+        <a:xfrm>
+          <a:off x="0" y="0"/>
+          <a:ext cx="0" cy="0"/>
+          <a:chOff x="0" y="0"/>
+          <a:chExt cx="0" cy="0"/>
+        </a:xfrm>
+      </p:grpSpPr>
+      <p:sp>
+        <p:nvSpPr>
+          <p:cNvPr id="2" name="Slide Image Placeholder 1"/>
+          <p:cNvSpPr>
+            <a:spLocks noGrp="1" noRot="1" noChangeAspect="1"/>
+          </p:cNvSpPr>
+          <p:nvPr>
+            <p:ph type="sldImg"/>
+          </p:nvPr>
+        </p:nvSpPr>
+        <p:spPr/>
+      </p:sp>
+      <p:sp>
+        <p:nvSpPr>
+          <p:cNvPr id="3" name="Notes Placeholder 2"/>
+          <p:cNvSpPr>
+            <a:spLocks noGrp="1"/>
+          </p:cNvSpPr>
+          <p:nvPr>
+            <p:ph type="body" idx="1"/>
+          </p:nvPr>
+        </p:nvSpPr>
+        <p:spPr/>
+        <p:txBody>
+          <a:bodyPr/>
+          <a:lstStyle/>
+          <a:p>
+            <a:r>
+              <a:rPr lang="en-US" dirty="0"/>
+              <a:t>65 English bilinguals completed a sociolinguistic background questionnaire, a language use survey, a proficiency test and an eye-tracking task. Their results were compared to those of a control group of 30 Spanish speakers.</a:t>
+            </a:r>
+          </a:p>
+          <a:p>
+            <a:r>
+              <a:rPr lang="en-US" dirty="0"/>
+              <a:t>In the eye-tracking task…</a:t>
+            </a:r>
+          </a:p>
+          <a:p>
+            <a:r>
+              <a:rPr lang="en-US" dirty="0"/>
+              <a:t>The data were analyzed with a Growth Curve Analysis, which is a modelling technique that allows to see the relationship between different variables over time.</a:t>
+            </a:r>
+          </a:p>
+        </p:txBody>
+      </p:sp>
+      <p:sp>
+        <p:nvSpPr>
+          <p:cNvPr id="4" name="Slide Number Placeholder 3"/>
+          <p:cNvSpPr>
+            <a:spLocks noGrp="1"/>
+          </p:cNvSpPr>
+          <p:nvPr>
+            <p:ph type="sldNum" sz="quarter" idx="5"/>
+          </p:nvPr>
+        </p:nvSpPr>
+        <p:spPr/>
+        <p:txBody>
+          <a:bodyPr/>
+          <a:lstStyle/>
+          <a:p>
+            <a:fld id="{82FB5D43-6794-0847-9F6F-8A7B2FD27330}" type="slidenum">
+              <a:rPr lang="en-US" smtClean="0"/>
+              <a:t>6</a:t>
+            </a:fld>
+            <a:endParaRPr lang="en-US"/>
+          </a:p>
+        </p:txBody>
+      </p:sp>
+    </p:spTree>
+    <p:extLst>
+      <p:ext uri="{BB962C8B-B14F-4D97-AF65-F5344CB8AC3E}">
+        <p14:creationId xmlns:p14="http://schemas.microsoft.com/office/powerpoint/2010/main" val="624438791"/>
+      </p:ext>
+    </p:extLst>
+  </p:cSld>
+  <p:clrMapOvr>
+    <a:masterClrMapping/>
+  </p:clrMapOvr>
+</p:notes>
+</file>
+
+<file path=ppt/notesSlides/notesSlide7.xml><?xml version="1.0" encoding="utf-8"?>
+<p:notes xmlns:a="http://schemas.openxmlformats.org/drawingml/2006/main" xmlns:r="http://schemas.openxmlformats.org/officeDocument/2006/relationships" xmlns:p="http://schemas.openxmlformats.org/presentationml/2006/main">
+  <p:cSld>
+    <p:spTree>
+      <p:nvGrpSpPr>
+        <p:cNvPr id="1" name=""/>
+        <p:cNvGrpSpPr/>
+        <p:nvPr/>
+      </p:nvGrpSpPr>
+      <p:grpSpPr>
+        <a:xfrm>
+          <a:off x="0" y="0"/>
+          <a:ext cx="0" cy="0"/>
+          <a:chOff x="0" y="0"/>
+          <a:chExt cx="0" cy="0"/>
+        </a:xfrm>
+      </p:grpSpPr>
+      <p:sp>
+        <p:nvSpPr>
+          <p:cNvPr id="2" name="Slide Image Placeholder 1"/>
+          <p:cNvSpPr>
+            <a:spLocks noGrp="1" noRot="1" noChangeAspect="1"/>
+          </p:cNvSpPr>
+          <p:nvPr>
+            <p:ph type="sldImg"/>
+          </p:nvPr>
+        </p:nvSpPr>
+        <p:spPr/>
+      </p:sp>
+      <p:sp>
+        <p:nvSpPr>
+          <p:cNvPr id="3" name="Notes Placeholder 2"/>
+          <p:cNvSpPr>
+            <a:spLocks noGrp="1"/>
+          </p:cNvSpPr>
+          <p:nvPr>
+            <p:ph type="body" idx="1"/>
+          </p:nvPr>
+        </p:nvSpPr>
+        <p:spPr/>
+        <p:txBody>
+          <a:bodyPr/>
+          <a:lstStyle/>
+          <a:p>
+            <a:r>
+              <a:rPr lang="en-US" dirty="0"/>
+              <a:t>In this first graph, we can see the pattern of fixations before exploring relationships.</a:t>
+            </a:r>
+          </a:p>
+          <a:p>
+            <a:r>
+              <a:rPr lang="en-US" dirty="0"/>
+              <a:t>On the horizontal axis…</a:t>
+            </a:r>
+          </a:p>
+          <a:p>
+            <a:r>
+              <a:rPr lang="en-US" dirty="0"/>
+              <a:t> </a:t>
+            </a:r>
+          </a:p>
+        </p:txBody>
+      </p:sp>
+      <p:sp>
+        <p:nvSpPr>
+          <p:cNvPr id="4" name="Slide Number Placeholder 3"/>
+          <p:cNvSpPr>
+            <a:spLocks noGrp="1"/>
+          </p:cNvSpPr>
+          <p:nvPr>
+            <p:ph type="sldNum" sz="quarter" idx="5"/>
+          </p:nvPr>
+        </p:nvSpPr>
+        <p:spPr/>
+        <p:txBody>
+          <a:bodyPr/>
+          <a:lstStyle/>
+          <a:p>
+            <a:fld id="{82FB5D43-6794-0847-9F6F-8A7B2FD27330}" type="slidenum">
+              <a:rPr lang="en-US" smtClean="0"/>
+              <a:t>7</a:t>
+            </a:fld>
+            <a:endParaRPr lang="en-US"/>
+          </a:p>
+        </p:txBody>
+      </p:sp>
+    </p:spTree>
+    <p:extLst>
+      <p:ext uri="{BB962C8B-B14F-4D97-AF65-F5344CB8AC3E}">
+        <p14:creationId xmlns:p14="http://schemas.microsoft.com/office/powerpoint/2010/main" val="2036778904"/>
+      </p:ext>
+    </p:extLst>
+  </p:cSld>
+  <p:clrMapOvr>
+    <a:masterClrMapping/>
+  </p:clrMapOvr>
+</p:notes>
+</file>
+
+<file path=ppt/notesSlides/notesSlide8.xml><?xml version="1.0" encoding="utf-8"?>
+<p:notes xmlns:a="http://schemas.openxmlformats.org/drawingml/2006/main" xmlns:r="http://schemas.openxmlformats.org/officeDocument/2006/relationships" xmlns:p="http://schemas.openxmlformats.org/presentationml/2006/main">
+  <p:cSld>
+    <p:spTree>
+      <p:nvGrpSpPr>
+        <p:cNvPr id="1" name=""/>
+        <p:cNvGrpSpPr/>
+        <p:nvPr/>
+      </p:nvGrpSpPr>
+      <p:grpSpPr>
+        <a:xfrm>
+          <a:off x="0" y="0"/>
+          <a:ext cx="0" cy="0"/>
+          <a:chOff x="0" y="0"/>
+          <a:chExt cx="0" cy="0"/>
+        </a:xfrm>
+      </p:grpSpPr>
+      <p:sp>
+        <p:nvSpPr>
+          <p:cNvPr id="2" name="Slide Image Placeholder 1"/>
+          <p:cNvSpPr>
+            <a:spLocks noGrp="1" noRot="1" noChangeAspect="1"/>
+          </p:cNvSpPr>
+          <p:nvPr>
+            <p:ph type="sldImg"/>
+          </p:nvPr>
+        </p:nvSpPr>
+        <p:spPr/>
+      </p:sp>
+      <p:sp>
+        <p:nvSpPr>
+          <p:cNvPr id="3" name="Notes Placeholder 2"/>
+          <p:cNvSpPr>
+            <a:spLocks noGrp="1"/>
+          </p:cNvSpPr>
+          <p:nvPr>
+            <p:ph type="body" idx="1"/>
+          </p:nvPr>
+        </p:nvSpPr>
+        <p:spPr/>
+        <p:txBody>
+          <a:bodyPr/>
+          <a:lstStyle/>
+          <a:p>
+            <a:r>
+              <a:rPr lang="en-US" dirty="0"/>
+              <a:t>After exploring the effects of L2 experience and determining L2 proficiency and L2 use effects are distinct, I wanted to see whether this difference would hold for different L2 populations and how they may interact with the first language or L1 background of the learners.</a:t>
+            </a:r>
+          </a:p>
+          <a:p>
+            <a:r>
+              <a:rPr lang="en-US" dirty="0"/>
+              <a:t>Previous research on L1 transfer…</a:t>
+            </a:r>
+          </a:p>
+          <a:p>
+            <a:endParaRPr lang="en-US" dirty="0"/>
+          </a:p>
+          <a:p>
+            <a:endParaRPr lang="en-US" dirty="0"/>
+          </a:p>
+        </p:txBody>
+      </p:sp>
+      <p:sp>
+        <p:nvSpPr>
+          <p:cNvPr id="4" name="Slide Number Placeholder 3"/>
+          <p:cNvSpPr>
+            <a:spLocks noGrp="1"/>
+          </p:cNvSpPr>
+          <p:nvPr>
+            <p:ph type="sldNum" sz="quarter" idx="5"/>
+          </p:nvPr>
+        </p:nvSpPr>
+        <p:spPr/>
+        <p:txBody>
+          <a:bodyPr/>
+          <a:lstStyle/>
+          <a:p>
+            <a:fld id="{82FB5D43-6794-0847-9F6F-8A7B2FD27330}" type="slidenum">
+              <a:rPr lang="en-US" smtClean="0"/>
+              <a:t>9</a:t>
+            </a:fld>
+            <a:endParaRPr lang="en-US"/>
+          </a:p>
+        </p:txBody>
+      </p:sp>
+    </p:spTree>
+    <p:extLst>
+      <p:ext uri="{BB962C8B-B14F-4D97-AF65-F5344CB8AC3E}">
+        <p14:creationId xmlns:p14="http://schemas.microsoft.com/office/powerpoint/2010/main" val="154335001"/>
+      </p:ext>
+    </p:extLst>
+  </p:cSld>
+  <p:clrMapOvr>
+    <a:masterClrMapping/>
+  </p:clrMapOvr>
+</p:notes>
+</file>
+
+<file path=ppt/notesSlides/notesSlide9.xml><?xml version="1.0" encoding="utf-8"?>
+<p:notes xmlns:a="http://schemas.openxmlformats.org/drawingml/2006/main" xmlns:r="http://schemas.openxmlformats.org/officeDocument/2006/relationships" xmlns:p="http://schemas.openxmlformats.org/presentationml/2006/main">
+  <p:cSld>
+    <p:spTree>
+      <p:nvGrpSpPr>
+        <p:cNvPr id="1" name=""/>
+        <p:cNvGrpSpPr/>
+        <p:nvPr/>
+      </p:nvGrpSpPr>
+      <p:grpSpPr>
+        <a:xfrm>
+          <a:off x="0" y="0"/>
+          <a:ext cx="0" cy="0"/>
+          <a:chOff x="0" y="0"/>
+          <a:chExt cx="0" cy="0"/>
+        </a:xfrm>
+      </p:grpSpPr>
+      <p:sp>
+        <p:nvSpPr>
+          <p:cNvPr id="2" name="Slide Image Placeholder 1"/>
+          <p:cNvSpPr>
+            <a:spLocks noGrp="1" noRot="1" noChangeAspect="1"/>
+          </p:cNvSpPr>
+          <p:nvPr>
+            <p:ph type="sldImg"/>
+          </p:nvPr>
+        </p:nvSpPr>
+        <p:spPr/>
+      </p:sp>
+      <p:sp>
+        <p:nvSpPr>
+          <p:cNvPr id="3" name="Notes Placeholder 2"/>
+          <p:cNvSpPr>
+            <a:spLocks noGrp="1"/>
+          </p:cNvSpPr>
+          <p:nvPr>
+            <p:ph type="body" idx="1"/>
+          </p:nvPr>
+        </p:nvSpPr>
+        <p:spPr/>
+        <p:txBody>
+          <a:bodyPr/>
+          <a:lstStyle/>
+          <a:p>
+            <a:r>
+              <a:rPr lang="en-US" dirty="0"/>
+              <a:t>I collected data for an additional group of Mandarin Chinese native speakers and compared them to the English and the Spanish speakers.</a:t>
+            </a:r>
+          </a:p>
+          <a:p>
+            <a:endParaRPr lang="en-US" dirty="0"/>
+          </a:p>
+          <a:p>
+            <a:endParaRPr lang="en-US" dirty="0"/>
+          </a:p>
+        </p:txBody>
+      </p:sp>
+      <p:sp>
+        <p:nvSpPr>
+          <p:cNvPr id="4" name="Slide Number Placeholder 3"/>
+          <p:cNvSpPr>
+            <a:spLocks noGrp="1"/>
+          </p:cNvSpPr>
+          <p:nvPr>
+            <p:ph type="sldNum" sz="quarter" idx="5"/>
+          </p:nvPr>
+        </p:nvSpPr>
+        <p:spPr/>
+        <p:txBody>
+          <a:bodyPr/>
+          <a:lstStyle/>
+          <a:p>
+            <a:fld id="{82FB5D43-6794-0847-9F6F-8A7B2FD27330}" type="slidenum">
+              <a:rPr lang="en-US" smtClean="0"/>
+              <a:t>10</a:t>
+            </a:fld>
+            <a:endParaRPr lang="en-US"/>
+          </a:p>
+        </p:txBody>
+      </p:sp>
+    </p:spTree>
+    <p:extLst>
+      <p:ext uri="{BB962C8B-B14F-4D97-AF65-F5344CB8AC3E}">
+        <p14:creationId xmlns:p14="http://schemas.microsoft.com/office/powerpoint/2010/main" val="3534766996"/>
       </p:ext>
     </p:extLst>
   </p:cSld>
@@ -3392,14 +4416,14 @@
           </a:ln>
           <a:extLst>
             <a:ext uri="{909E8E84-426E-40dd-AFC4-6F175D3DCCD1}">
-              <a14:hiddenFill xmlns:a14="http://schemas.microsoft.com/office/drawing/2010/main" xmlns="">
+              <a14:hiddenFill xmlns="" xmlns:a14="http://schemas.microsoft.com/office/drawing/2010/main">
                 <a:solidFill>
                   <a:srgbClr val="FFFFFF"/>
                 </a:solidFill>
               </a14:hiddenFill>
             </a:ext>
             <a:ext uri="{91240B29-F687-4f45-9708-019B960494DF}">
-              <a14:hiddenLine xmlns:a14="http://schemas.microsoft.com/office/drawing/2010/main" xmlns="" w="9525">
+              <a14:hiddenLine xmlns="" xmlns:a14="http://schemas.microsoft.com/office/drawing/2010/main" w="9525">
                 <a:solidFill>
                   <a:srgbClr val="000000"/>
                 </a:solidFill>
@@ -3409,7 +4433,7 @@
               </a14:hiddenLine>
             </a:ext>
             <a:ext uri="{FAA26D3D-D897-4be2-8F04-BA451C77F1D7}">
-              <ma14:placeholderFlag xmlns:ma14="http://schemas.microsoft.com/office/mac/drawingml/2011/main" xmlns="" val="1"/>
+              <ma14:placeholderFlag xmlns="" xmlns:ma14="http://schemas.microsoft.com/office/mac/drawingml/2011/main" val="1"/>
             </a:ext>
           </a:extLst>
         </p:spPr>
@@ -3454,14 +4478,14 @@
           </a:ln>
           <a:extLst>
             <a:ext uri="{909E8E84-426E-40dd-AFC4-6F175D3DCCD1}">
-              <a14:hiddenFill xmlns:a14="http://schemas.microsoft.com/office/drawing/2010/main" xmlns="">
+              <a14:hiddenFill xmlns="" xmlns:a14="http://schemas.microsoft.com/office/drawing/2010/main">
                 <a:solidFill>
                   <a:srgbClr val="FFFFFF"/>
                 </a:solidFill>
               </a14:hiddenFill>
             </a:ext>
             <a:ext uri="{91240B29-F687-4f45-9708-019B960494DF}">
-              <a14:hiddenLine xmlns:a14="http://schemas.microsoft.com/office/drawing/2010/main" xmlns="" w="9525">
+              <a14:hiddenLine xmlns="" xmlns:a14="http://schemas.microsoft.com/office/drawing/2010/main" w="9525">
                 <a:solidFill>
                   <a:srgbClr val="000000"/>
                 </a:solidFill>
@@ -3471,7 +4495,7 @@
               </a14:hiddenLine>
             </a:ext>
             <a:ext uri="{FAA26D3D-D897-4be2-8F04-BA451C77F1D7}">
-              <ma14:placeholderFlag xmlns:ma14="http://schemas.microsoft.com/office/mac/drawingml/2011/main" xmlns="" val="1"/>
+              <ma14:placeholderFlag xmlns="" xmlns:ma14="http://schemas.microsoft.com/office/mac/drawingml/2011/main" val="1"/>
             </a:ext>
           </a:extLst>
         </p:spPr>
@@ -4317,7 +5341,7 @@
           </p:nvPr>
         </p:nvPicPr>
         <p:blipFill rotWithShape="1">
-          <a:blip r:embed="rId2">
+          <a:blip r:embed="rId3">
             <a:extLst>
               <a:ext uri="{28A0092B-C50C-407E-A947-70E740481C1C}">
                 <a14:useLocalDpi xmlns:a14="http://schemas.microsoft.com/office/drawing/2010/main" val="0"/>
@@ -4483,7 +5507,7 @@
           <p:nvPr/>
         </p:nvPicPr>
         <p:blipFill rotWithShape="1">
-          <a:blip r:embed="rId2">
+          <a:blip r:embed="rId3">
             <a:extLst>
               <a:ext uri="{28A0092B-C50C-407E-A947-70E740481C1C}">
                 <a14:useLocalDpi xmlns:a14="http://schemas.microsoft.com/office/drawing/2010/main" val="0"/>
@@ -4507,14 +5531,14 @@
           </a:ln>
           <a:extLst>
             <a:ext uri="{909E8E84-426E-40dd-AFC4-6F175D3DCCD1}">
-              <a14:hiddenFill xmlns:a14="http://schemas.microsoft.com/office/drawing/2010/main" xmlns="">
+              <a14:hiddenFill xmlns="" xmlns:a14="http://schemas.microsoft.com/office/drawing/2010/main">
                 <a:solidFill>
                   <a:srgbClr val="FFFFFF"/>
                 </a:solidFill>
               </a14:hiddenFill>
             </a:ext>
             <a:ext uri="{91240B29-F687-4f45-9708-019B960494DF}">
-              <a14:hiddenLine xmlns:a14="http://schemas.microsoft.com/office/drawing/2010/main" xmlns="" w="9525">
+              <a14:hiddenLine xmlns="" xmlns:a14="http://schemas.microsoft.com/office/drawing/2010/main" w="9525">
                 <a:solidFill>
                   <a:srgbClr val="000000"/>
                 </a:solidFill>
@@ -4524,7 +5548,7 @@
               </a14:hiddenLine>
             </a:ext>
             <a:ext uri="{FAA26D3D-D897-4be2-8F04-BA451C77F1D7}">
-              <ma14:placeholderFlag xmlns:ma14="http://schemas.microsoft.com/office/mac/drawingml/2011/main" xmlns="" val="1"/>
+              <ma14:placeholderFlag xmlns="" xmlns:ma14="http://schemas.microsoft.com/office/mac/drawingml/2011/main" val="1"/>
             </a:ext>
           </a:extLst>
         </p:spPr>
@@ -4668,37 +5692,49 @@
               <a:rPr lang="en-US" dirty="0">
                 <a:latin typeface="Seravek" panose="020B0503040000020004" pitchFamily="34" charset="0"/>
               </a:rPr>
-              <a:t>Usage-based models (Bates &amp; </a:t>
-            </a:r>
-            <a:r>
-              <a:rPr lang="en-US" dirty="0" err="1">
+              <a:t>Usage-based models </a:t>
+            </a:r>
+            <a:r>
+              <a:rPr lang="en-US" sz="1000" dirty="0">
+                <a:latin typeface="Seravek" panose="020B0503040000020004" pitchFamily="34" charset="0"/>
+              </a:rPr>
+              <a:t>(Bates &amp; </a:t>
+            </a:r>
+            <a:r>
+              <a:rPr lang="en-US" sz="1000" dirty="0" err="1">
                 <a:latin typeface="Seravek" panose="020B0503040000020004" pitchFamily="34" charset="0"/>
               </a:rPr>
               <a:t>MacWhinney</a:t>
             </a:r>
             <a:r>
+              <a:rPr lang="en-US" sz="1000" dirty="0">
+                <a:latin typeface="Seravek" panose="020B0503040000020004" pitchFamily="34" charset="0"/>
+              </a:rPr>
+              <a:t>, 1982; Ellis, 2006)</a:t>
+            </a:r>
+          </a:p>
+          <a:p>
+            <a:pPr lvl="1"/>
+            <a:r>
               <a:rPr lang="en-US" dirty="0">
                 <a:latin typeface="Seravek" panose="020B0503040000020004" pitchFamily="34" charset="0"/>
               </a:rPr>
-              <a:t>, 1982; Ellis, 2006)</a:t>
-            </a:r>
-          </a:p>
-          <a:p>
-            <a:pPr lvl="1"/>
-            <a:r>
-              <a:rPr lang="en-US" dirty="0">
-                <a:latin typeface="Seravek" panose="020B0503040000020004" pitchFamily="34" charset="0"/>
-              </a:rPr>
-              <a:t>Consequences in the brain models (Del </a:t>
-            </a:r>
-            <a:r>
-              <a:rPr lang="en-US" dirty="0" err="1">
+              <a:t>Consequences in the brain models </a:t>
+            </a:r>
+            <a:r>
+              <a:rPr lang="en-US" sz="1000" dirty="0">
+                <a:latin typeface="Seravek" panose="020B0503040000020004" pitchFamily="34" charset="0"/>
+              </a:rPr>
+              <a:t>(Del </a:t>
+            </a:r>
+            <a:r>
+              <a:rPr lang="en-US" sz="1000" dirty="0" err="1">
                 <a:latin typeface="Seravek" panose="020B0503040000020004" pitchFamily="34" charset="0"/>
               </a:rPr>
               <a:t>Maschio</a:t>
             </a:r>
             <a:r>
-              <a:rPr lang="en-US" dirty="0">
+              <a:rPr lang="en-US" sz="1000" dirty="0">
                 <a:latin typeface="Seravek" panose="020B0503040000020004" pitchFamily="34" charset="0"/>
               </a:rPr>
               <a:t> et al., 2020)</a:t>
@@ -4724,16 +5760,22 @@
               <a:rPr lang="en-US" dirty="0">
                 <a:latin typeface="Seravek" panose="020B0503040000020004" pitchFamily="34" charset="0"/>
               </a:rPr>
-              <a:t>Cross-linguistic transfer models (Bates &amp; </a:t>
-            </a:r>
-            <a:r>
-              <a:rPr lang="en-US" dirty="0" err="1">
+              <a:t>Cross-linguistic transfer models </a:t>
+            </a:r>
+            <a:r>
+              <a:rPr lang="en-US" sz="1000" dirty="0">
+                <a:latin typeface="Seravek" panose="020B0503040000020004" pitchFamily="34" charset="0"/>
+              </a:rPr>
+              <a:t>(Bates &amp; </a:t>
+            </a:r>
+            <a:r>
+              <a:rPr lang="en-US" sz="1000" dirty="0" err="1">
                 <a:latin typeface="Seravek" panose="020B0503040000020004" pitchFamily="34" charset="0"/>
               </a:rPr>
               <a:t>MacWhinney</a:t>
             </a:r>
             <a:r>
-              <a:rPr lang="en-US" dirty="0">
+              <a:rPr lang="en-US" sz="1000" dirty="0">
                 <a:latin typeface="Seravek" panose="020B0503040000020004" pitchFamily="34" charset="0"/>
               </a:rPr>
               <a:t>, 1982; Schwartz &amp; Sprouse, 1994)</a:t>
@@ -4750,60 +5792,72 @@
               <a:rPr lang="en-US" sz="2000" dirty="0">
                 <a:latin typeface="Seravek" panose="020B0503040000020004" pitchFamily="34" charset="0"/>
               </a:rPr>
-              <a:t>Lexical models of spoken word recognition (</a:t>
-            </a:r>
-            <a:r>
-              <a:rPr lang="en-US" sz="2000" dirty="0" err="1">
+              <a:t>Lexical models of spoken word recognition </a:t>
+            </a:r>
+            <a:r>
+              <a:rPr lang="en-US" sz="1000" dirty="0">
+                <a:latin typeface="Seravek" panose="020B0503040000020004" pitchFamily="34" charset="0"/>
+              </a:rPr>
+              <a:t>(</a:t>
+            </a:r>
+            <a:r>
+              <a:rPr lang="en-US" sz="1000" dirty="0" err="1">
                 <a:latin typeface="Seravek" panose="020B0503040000020004" pitchFamily="34" charset="0"/>
               </a:rPr>
               <a:t>Hopp</a:t>
             </a:r>
             <a:r>
+              <a:rPr lang="en-US" sz="1000" dirty="0">
+                <a:latin typeface="Seravek" panose="020B0503040000020004" pitchFamily="34" charset="0"/>
+              </a:rPr>
+              <a:t>, 2015; Patterson et al., 2017; </a:t>
+            </a:r>
+            <a:r>
+              <a:rPr lang="en-US" sz="1000" dirty="0" err="1">
+                <a:latin typeface="Seravek" panose="020B0503040000020004" pitchFamily="34" charset="0"/>
+              </a:rPr>
+              <a:t>Kaan</a:t>
+            </a:r>
+            <a:r>
+              <a:rPr lang="en-US" sz="1000" dirty="0">
+                <a:latin typeface="Seravek" panose="020B0503040000020004" pitchFamily="34" charset="0"/>
+              </a:rPr>
+              <a:t>, 2014)</a:t>
+            </a:r>
+          </a:p>
+          <a:p>
+            <a:r>
               <a:rPr lang="en-US" sz="2000" dirty="0">
                 <a:latin typeface="Seravek" panose="020B0503040000020004" pitchFamily="34" charset="0"/>
               </a:rPr>
-              <a:t>, 2015; Patterson et al., 2017; </a:t>
-            </a:r>
-            <a:r>
-              <a:rPr lang="en-US" sz="2000" dirty="0" err="1">
+              <a:t>Utility of prediction </a:t>
+            </a:r>
+            <a:r>
+              <a:rPr lang="en-US" sz="1000" dirty="0">
+                <a:latin typeface="Seravek" panose="020B0503040000020004" pitchFamily="34" charset="0"/>
+              </a:rPr>
+              <a:t>(</a:t>
+            </a:r>
+            <a:r>
+              <a:rPr lang="en-US" sz="1000" dirty="0" err="1">
                 <a:latin typeface="Seravek" panose="020B0503040000020004" pitchFamily="34" charset="0"/>
               </a:rPr>
               <a:t>Kaan</a:t>
             </a:r>
             <a:r>
-              <a:rPr lang="en-US" sz="2000" dirty="0">
-                <a:latin typeface="Seravek" panose="020B0503040000020004" pitchFamily="34" charset="0"/>
-              </a:rPr>
-              <a:t>, 2014)</a:t>
-            </a:r>
-          </a:p>
-          <a:p>
-            <a:r>
-              <a:rPr lang="en-US" sz="2000" dirty="0">
-                <a:latin typeface="Seravek" panose="020B0503040000020004" pitchFamily="34" charset="0"/>
-              </a:rPr>
-              <a:t>Utility of prediction (</a:t>
-            </a:r>
-            <a:r>
-              <a:rPr lang="en-US" sz="2000" dirty="0" err="1">
-                <a:latin typeface="Seravek" panose="020B0503040000020004" pitchFamily="34" charset="0"/>
-              </a:rPr>
-              <a:t>Kaan</a:t>
-            </a:r>
-            <a:r>
-              <a:rPr lang="en-US" sz="2000" dirty="0">
+              <a:rPr lang="en-US" sz="1000" dirty="0">
                 <a:latin typeface="Seravek" panose="020B0503040000020004" pitchFamily="34" charset="0"/>
               </a:rPr>
               <a:t> &amp; </a:t>
             </a:r>
             <a:r>
-              <a:rPr lang="en-US" sz="2000" dirty="0" err="1">
+              <a:rPr lang="en-US" sz="1000" dirty="0" err="1">
                 <a:latin typeface="Seravek" panose="020B0503040000020004" pitchFamily="34" charset="0"/>
               </a:rPr>
               <a:t>Grüter</a:t>
             </a:r>
             <a:r>
-              <a:rPr lang="en-US" sz="2000" dirty="0">
+              <a:rPr lang="en-US" sz="1000" dirty="0">
                 <a:latin typeface="Seravek" panose="020B0503040000020004" pitchFamily="34" charset="0"/>
               </a:rPr>
               <a:t>, 2021; Kuperberg &amp; Jaeger, 2016 )</a:t>
@@ -5283,29 +6337,35 @@
               <a:rPr lang="en-US" dirty="0">
                 <a:latin typeface="Seravek" panose="020B0503040000020004" pitchFamily="34" charset="0"/>
               </a:rPr>
-              <a:t>Domain-specific models of learning (</a:t>
-            </a:r>
-            <a:r>
-              <a:rPr lang="en-US" dirty="0"/>
+              <a:t>Domain-specific models of learning </a:t>
+            </a:r>
+            <a:r>
+              <a:rPr lang="en-US" sz="1000" dirty="0">
+                <a:latin typeface="Seravek" panose="020B0503040000020004" pitchFamily="34" charset="0"/>
+              </a:rPr>
+              <a:t>(</a:t>
+            </a:r>
+            <a:r>
+              <a:rPr lang="en-US" sz="1000" dirty="0"/>
               <a:t>Ericsson &amp; </a:t>
             </a:r>
             <a:r>
-              <a:rPr lang="en-US" dirty="0" err="1"/>
+              <a:rPr lang="en-US" sz="1000" dirty="0" err="1"/>
               <a:t>Charness</a:t>
             </a:r>
             <a:r>
-              <a:rPr lang="en-US" dirty="0"/>
+              <a:rPr lang="en-US" sz="1000" dirty="0"/>
               <a:t>, 1994; </a:t>
             </a:r>
             <a:r>
-              <a:rPr lang="en-US" dirty="0" err="1"/>
+              <a:rPr lang="en-US" sz="1000" dirty="0" err="1"/>
               <a:t>Gobet</a:t>
             </a:r>
             <a:r>
-              <a:rPr lang="en-US" dirty="0"/>
+              <a:rPr lang="en-US" sz="1000" dirty="0"/>
               <a:t>, 2015) </a:t>
             </a:r>
-            <a:endParaRPr lang="en-US" dirty="0">
+            <a:endParaRPr lang="en-US" sz="1000" dirty="0">
               <a:latin typeface="Seravek" panose="020B0503040000020004" pitchFamily="34" charset="0"/>
             </a:endParaRPr>
           </a:p>
@@ -5317,7 +6377,7 @@
               <a:t>Domain-general models of learning </a:t>
             </a:r>
             <a:r>
-              <a:rPr lang="en-US" dirty="0"/>
+              <a:rPr lang="en-US" sz="1000" dirty="0"/>
               <a:t>(Anderson, 1990; Thorndike &amp; Woodworth, 1901)</a:t>
             </a:r>
           </a:p>
@@ -5338,21 +6398,42 @@
               <a:rPr lang="en-US" dirty="0">
                 <a:latin typeface="Seravek" panose="020B0503040000020004" pitchFamily="34" charset="0"/>
               </a:rPr>
-              <a:t>Sports (e.g., Bishop et al., 2013; </a:t>
-            </a:r>
-            <a:r>
-              <a:rPr lang="en-US" dirty="0" err="1"/>
+              <a:t>Sports </a:t>
+            </a:r>
+            <a:r>
+              <a:rPr lang="en-US" sz="1000" dirty="0">
+                <a:latin typeface="Seravek" panose="020B0503040000020004" pitchFamily="34" charset="0"/>
+              </a:rPr>
+              <a:t>(e.g., Bishop et al., 2013; </a:t>
+            </a:r>
+            <a:r>
+              <a:rPr lang="en-US" sz="1000" dirty="0" err="1"/>
               <a:t>Wimshurst</a:t>
             </a:r>
             <a:r>
-              <a:rPr lang="en-US" dirty="0"/>
+              <a:rPr lang="en-US" sz="1000" dirty="0"/>
               <a:t> et al., 2016</a:t>
             </a:r>
             <a:r>
+              <a:rPr lang="en-US" sz="1000" dirty="0">
+                <a:latin typeface="Seravek" panose="020B0503040000020004" pitchFamily="34" charset="0"/>
+              </a:rPr>
+              <a:t>)</a:t>
+            </a:r>
+          </a:p>
+          <a:p>
+            <a:pPr lvl="1"/>
+            <a:r>
               <a:rPr lang="en-US" dirty="0">
                 <a:latin typeface="Seravek" panose="020B0503040000020004" pitchFamily="34" charset="0"/>
               </a:rPr>
-              <a:t>)</a:t>
+              <a:t>Driving </a:t>
+            </a:r>
+            <a:r>
+              <a:rPr lang="en-US" sz="1000" dirty="0">
+                <a:latin typeface="Seravek" panose="020B0503040000020004" pitchFamily="34" charset="0"/>
+              </a:rPr>
+              <a:t>(e.g., Morando et al., 2016; Yamani et al., 2018)</a:t>
             </a:r>
           </a:p>
           <a:p>
@@ -5361,18 +6442,15 @@
               <a:rPr lang="en-US" dirty="0">
                 <a:latin typeface="Seravek" panose="020B0503040000020004" pitchFamily="34" charset="0"/>
               </a:rPr>
-              <a:t>Driving (e.g., Morando et al., 2016; Yamani et al., 2018)</a:t>
-            </a:r>
-          </a:p>
-          <a:p>
-            <a:pPr lvl="1"/>
-            <a:r>
-              <a:rPr lang="en-US" dirty="0">
-                <a:latin typeface="Seravek" panose="020B0503040000020004" pitchFamily="34" charset="0"/>
-              </a:rPr>
-              <a:t>Music (e.g., Huron, 2016)</a:t>
-            </a:r>
-            <a:endParaRPr lang="en-US" dirty="0"/>
+              <a:t>Music </a:t>
+            </a:r>
+            <a:r>
+              <a:rPr lang="en-US" sz="1000" dirty="0">
+                <a:latin typeface="Seravek" panose="020B0503040000020004" pitchFamily="34" charset="0"/>
+              </a:rPr>
+              <a:t>(e.g., Huron, 2016)</a:t>
+            </a:r>
+            <a:endParaRPr lang="en-US" sz="1000" dirty="0"/>
           </a:p>
           <a:p>
             <a:endParaRPr lang="en-US" dirty="0">
@@ -5831,70 +6909,94 @@
               <a:rPr lang="en-US" dirty="0">
                 <a:latin typeface="Seravek" panose="020B0503040000020004" pitchFamily="34" charset="0"/>
               </a:rPr>
-              <a:t>Reading abilities (</a:t>
-            </a:r>
-            <a:r>
-              <a:rPr lang="en-US" dirty="0" err="1">
+              <a:t>Reading abilities </a:t>
+            </a:r>
+            <a:r>
+              <a:rPr lang="en-US" sz="1000" dirty="0">
+                <a:latin typeface="Seravek" panose="020B0503040000020004" pitchFamily="34" charset="0"/>
+              </a:rPr>
+              <a:t>(</a:t>
+            </a:r>
+            <a:r>
+              <a:rPr lang="en-US" sz="1000" dirty="0" err="1">
                 <a:latin typeface="Seravek" panose="020B0503040000020004" pitchFamily="34" charset="0"/>
               </a:rPr>
               <a:t>Helland</a:t>
             </a:r>
             <a:r>
+              <a:rPr lang="en-US" sz="1000" dirty="0">
+                <a:latin typeface="Seravek" panose="020B0503040000020004" pitchFamily="34" charset="0"/>
+              </a:rPr>
+              <a:t> &amp; </a:t>
+            </a:r>
+            <a:r>
+              <a:rPr lang="en-US" sz="1000" dirty="0" err="1">
+                <a:latin typeface="Seravek" panose="020B0503040000020004" pitchFamily="34" charset="0"/>
+              </a:rPr>
+              <a:t>Morken</a:t>
+            </a:r>
+            <a:r>
+              <a:rPr lang="en-US" sz="1000" dirty="0">
+                <a:latin typeface="Seravek" panose="020B0503040000020004" pitchFamily="34" charset="0"/>
+              </a:rPr>
+              <a:t>, 2016; Estes &amp; </a:t>
+            </a:r>
+            <a:r>
+              <a:rPr lang="en-US" sz="1000" dirty="0" err="1">
+                <a:latin typeface="Seravek" panose="020B0503040000020004" pitchFamily="34" charset="0"/>
+              </a:rPr>
+              <a:t>Barsalou</a:t>
+            </a:r>
+            <a:r>
+              <a:rPr lang="en-US" sz="1000" dirty="0">
+                <a:latin typeface="Seravek" panose="020B0503040000020004" pitchFamily="34" charset="0"/>
+              </a:rPr>
+              <a:t>, 2018)</a:t>
+            </a:r>
+          </a:p>
+          <a:p>
+            <a:pPr lvl="1"/>
+            <a:r>
               <a:rPr lang="en-US" dirty="0">
                 <a:latin typeface="Seravek" panose="020B0503040000020004" pitchFamily="34" charset="0"/>
               </a:rPr>
-              <a:t> &amp; </a:t>
-            </a:r>
-            <a:r>
-              <a:rPr lang="en-US" dirty="0" err="1">
-                <a:latin typeface="Seravek" panose="020B0503040000020004" pitchFamily="34" charset="0"/>
-              </a:rPr>
-              <a:t>Morken</a:t>
-            </a:r>
+              <a:t>Space organization and expressions to talk about it </a:t>
+            </a:r>
+            <a:r>
+              <a:rPr lang="en-US" sz="1000" dirty="0">
+                <a:latin typeface="Seravek" panose="020B0503040000020004" pitchFamily="34" charset="0"/>
+              </a:rPr>
+              <a:t>(Crawford et al., 2000)</a:t>
+            </a:r>
+          </a:p>
+          <a:p>
+            <a:pPr lvl="1"/>
             <a:r>
               <a:rPr lang="en-US" dirty="0">
                 <a:latin typeface="Seravek" panose="020B0503040000020004" pitchFamily="34" charset="0"/>
               </a:rPr>
-              <a:t>, 2016; Estes &amp; </a:t>
-            </a:r>
-            <a:r>
-              <a:rPr lang="en-US" dirty="0" err="1">
-                <a:latin typeface="Seravek" panose="020B0503040000020004" pitchFamily="34" charset="0"/>
-              </a:rPr>
-              <a:t>Barsalou</a:t>
-            </a:r>
+              <a:t>Deixis as a cue to prediction in adults</a:t>
+            </a:r>
+            <a:r>
+              <a:rPr lang="en-US" sz="1000" dirty="0">
+                <a:latin typeface="Seravek" panose="020B0503040000020004" pitchFamily="34" charset="0"/>
+              </a:rPr>
+              <a:t> (Reuter et al., 2021)</a:t>
+            </a:r>
+          </a:p>
+          <a:p>
+            <a:pPr lvl="1"/>
             <a:r>
               <a:rPr lang="en-US" dirty="0">
                 <a:latin typeface="Seravek" panose="020B0503040000020004" pitchFamily="34" charset="0"/>
               </a:rPr>
-              <a:t>, 2018)</a:t>
-            </a:r>
-          </a:p>
-          <a:p>
-            <a:pPr lvl="1"/>
-            <a:r>
-              <a:rPr lang="en-US" dirty="0">
-                <a:latin typeface="Seravek" panose="020B0503040000020004" pitchFamily="34" charset="0"/>
-              </a:rPr>
-              <a:t>Space organization and expressions to talk about it (Crawford et al., 2000)</a:t>
-            </a:r>
-          </a:p>
-          <a:p>
-            <a:pPr lvl="1"/>
-            <a:r>
-              <a:rPr lang="en-US" dirty="0">
-                <a:latin typeface="Seravek" panose="020B0503040000020004" pitchFamily="34" charset="0"/>
-              </a:rPr>
-              <a:t>Deixis as a cue to prediction in adults (Reuter et al., 2021)</a:t>
-            </a:r>
-          </a:p>
-          <a:p>
-            <a:pPr lvl="1"/>
-            <a:r>
-              <a:rPr lang="en-US" dirty="0">
-                <a:latin typeface="Seravek" panose="020B0503040000020004" pitchFamily="34" charset="0"/>
-              </a:rPr>
-              <a:t>Visuospatial expectations updated faster in children the larger their vocabulary (Reuter et al., 2018)</a:t>
+              <a:t>Visuospatial expectations updated faster in children the larger their vocabulary </a:t>
+            </a:r>
+            <a:r>
+              <a:rPr lang="en-US" sz="1000" dirty="0">
+                <a:latin typeface="Seravek" panose="020B0503040000020004" pitchFamily="34" charset="0"/>
+              </a:rPr>
+              <a:t>(Reuter et al., 2018)</a:t>
             </a:r>
           </a:p>
           <a:p>
@@ -6387,6 +7489,880 @@
           <a:chExt cx="0" cy="0"/>
         </a:xfrm>
       </p:grpSpPr>
+      <p:pic>
+        <p:nvPicPr>
+          <p:cNvPr id="6" name="car_sound.mov" descr="car_sound.mov">
+            <a:hlinkClick r:id="" action="ppaction://media"/>
+            <a:extLst>
+              <a:ext uri="{FF2B5EF4-FFF2-40B4-BE49-F238E27FC236}">
+                <a16:creationId xmlns:a16="http://schemas.microsoft.com/office/drawing/2014/main" id="{F68A586F-65DC-CF48-9A78-1A8B3CC2DCF6}"/>
+              </a:ext>
+            </a:extLst>
+          </p:cNvPr>
+          <p:cNvPicPr>
+            <a:picLocks noGrp="1" noChangeAspect="1"/>
+          </p:cNvPicPr>
+          <p:nvPr>
+            <p:ph idx="1"/>
+            <a:videoFile r:link="rId2"/>
+            <p:extLst>
+              <p:ext uri="{DAA4B4D4-6D71-4841-9C94-3DE7FCFB9230}">
+                <p14:media xmlns:p14="http://schemas.microsoft.com/office/powerpoint/2010/main" r:embed="rId1"/>
+              </p:ext>
+            </p:extLst>
+          </p:nvPr>
+        </p:nvPicPr>
+        <p:blipFill>
+          <a:blip r:embed="rId5"/>
+          <a:stretch>
+            <a:fillRect/>
+          </a:stretch>
+        </p:blipFill>
+        <p:spPr>
+          <a:xfrm>
+            <a:off x="2024063" y="1393825"/>
+            <a:ext cx="5095875" cy="3184525"/>
+          </a:xfrm>
+        </p:spPr>
+      </p:pic>
+      <p:sp>
+        <p:nvSpPr>
+          <p:cNvPr id="5" name="Slide Number Placeholder 3">
+            <a:extLst>
+              <a:ext uri="{FF2B5EF4-FFF2-40B4-BE49-F238E27FC236}">
+                <a16:creationId xmlns:a16="http://schemas.microsoft.com/office/drawing/2014/main" id="{9992ABB3-A67D-5E41-8DF7-D46853F0D1C9}"/>
+              </a:ext>
+            </a:extLst>
+          </p:cNvPr>
+          <p:cNvSpPr txBox="1">
+            <a:spLocks/>
+          </p:cNvSpPr>
+          <p:nvPr/>
+        </p:nvSpPr>
+        <p:spPr>
+          <a:xfrm>
+            <a:off x="8811658" y="4860189"/>
+            <a:ext cx="2133600" cy="357188"/>
+          </a:xfrm>
+          <a:prstGeom prst="rect">
+            <a:avLst/>
+          </a:prstGeom>
+          <a:ln/>
+        </p:spPr>
+        <p:txBody>
+          <a:bodyPr/>
+          <a:lstStyle>
+            <a:defPPr>
+              <a:defRPr lang="en-US"/>
+            </a:defPPr>
+            <a:lvl1pPr algn="l" rtl="0" fontAlgn="base">
+              <a:spcBef>
+                <a:spcPct val="0"/>
+              </a:spcBef>
+              <a:spcAft>
+                <a:spcPct val="0"/>
+              </a:spcAft>
+              <a:defRPr sz="2400" kern="1200">
+                <a:solidFill>
+                  <a:schemeClr val="tx1"/>
+                </a:solidFill>
+                <a:latin typeface="Arial" charset="0"/>
+                <a:ea typeface="ヒラギノ角ゴ Pro W3" charset="0"/>
+                <a:cs typeface="ヒラギノ角ゴ Pro W3" charset="0"/>
+              </a:defRPr>
+            </a:lvl1pPr>
+            <a:lvl2pPr marL="457200" algn="l" rtl="0" fontAlgn="base">
+              <a:spcBef>
+                <a:spcPct val="0"/>
+              </a:spcBef>
+              <a:spcAft>
+                <a:spcPct val="0"/>
+              </a:spcAft>
+              <a:defRPr sz="2400" kern="1200">
+                <a:solidFill>
+                  <a:schemeClr val="tx1"/>
+                </a:solidFill>
+                <a:latin typeface="Arial" charset="0"/>
+                <a:ea typeface="ヒラギノ角ゴ Pro W3" charset="0"/>
+                <a:cs typeface="ヒラギノ角ゴ Pro W3" charset="0"/>
+              </a:defRPr>
+            </a:lvl2pPr>
+            <a:lvl3pPr marL="914400" algn="l" rtl="0" fontAlgn="base">
+              <a:spcBef>
+                <a:spcPct val="0"/>
+              </a:spcBef>
+              <a:spcAft>
+                <a:spcPct val="0"/>
+              </a:spcAft>
+              <a:defRPr sz="2400" kern="1200">
+                <a:solidFill>
+                  <a:schemeClr val="tx1"/>
+                </a:solidFill>
+                <a:latin typeface="Arial" charset="0"/>
+                <a:ea typeface="ヒラギノ角ゴ Pro W3" charset="0"/>
+                <a:cs typeface="ヒラギノ角ゴ Pro W3" charset="0"/>
+              </a:defRPr>
+            </a:lvl3pPr>
+            <a:lvl4pPr marL="1371600" algn="l" rtl="0" fontAlgn="base">
+              <a:spcBef>
+                <a:spcPct val="0"/>
+              </a:spcBef>
+              <a:spcAft>
+                <a:spcPct val="0"/>
+              </a:spcAft>
+              <a:defRPr sz="2400" kern="1200">
+                <a:solidFill>
+                  <a:schemeClr val="tx1"/>
+                </a:solidFill>
+                <a:latin typeface="Arial" charset="0"/>
+                <a:ea typeface="ヒラギノ角ゴ Pro W3" charset="0"/>
+                <a:cs typeface="ヒラギノ角ゴ Pro W3" charset="0"/>
+              </a:defRPr>
+            </a:lvl4pPr>
+            <a:lvl5pPr marL="1828800" algn="l" rtl="0" fontAlgn="base">
+              <a:spcBef>
+                <a:spcPct val="0"/>
+              </a:spcBef>
+              <a:spcAft>
+                <a:spcPct val="0"/>
+              </a:spcAft>
+              <a:defRPr sz="2400" kern="1200">
+                <a:solidFill>
+                  <a:schemeClr val="tx1"/>
+                </a:solidFill>
+                <a:latin typeface="Arial" charset="0"/>
+                <a:ea typeface="ヒラギノ角ゴ Pro W3" charset="0"/>
+                <a:cs typeface="ヒラギノ角ゴ Pro W3" charset="0"/>
+              </a:defRPr>
+            </a:lvl5pPr>
+            <a:lvl6pPr marL="2286000" algn="l" defTabSz="457200" rtl="0" eaLnBrk="1" latinLnBrk="0" hangingPunct="1">
+              <a:defRPr sz="2400" kern="1200">
+                <a:solidFill>
+                  <a:schemeClr val="tx1"/>
+                </a:solidFill>
+                <a:latin typeface="Arial" charset="0"/>
+                <a:ea typeface="ヒラギノ角ゴ Pro W3" charset="0"/>
+                <a:cs typeface="ヒラギノ角ゴ Pro W3" charset="0"/>
+              </a:defRPr>
+            </a:lvl6pPr>
+            <a:lvl7pPr marL="2743200" algn="l" defTabSz="457200" rtl="0" eaLnBrk="1" latinLnBrk="0" hangingPunct="1">
+              <a:defRPr sz="2400" kern="1200">
+                <a:solidFill>
+                  <a:schemeClr val="tx1"/>
+                </a:solidFill>
+                <a:latin typeface="Arial" charset="0"/>
+                <a:ea typeface="ヒラギノ角ゴ Pro W3" charset="0"/>
+                <a:cs typeface="ヒラギノ角ゴ Pro W3" charset="0"/>
+              </a:defRPr>
+            </a:lvl7pPr>
+            <a:lvl8pPr marL="3200400" algn="l" defTabSz="457200" rtl="0" eaLnBrk="1" latinLnBrk="0" hangingPunct="1">
+              <a:defRPr sz="2400" kern="1200">
+                <a:solidFill>
+                  <a:schemeClr val="tx1"/>
+                </a:solidFill>
+                <a:latin typeface="Arial" charset="0"/>
+                <a:ea typeface="ヒラギノ角ゴ Pro W3" charset="0"/>
+                <a:cs typeface="ヒラギノ角ゴ Pro W3" charset="0"/>
+              </a:defRPr>
+            </a:lvl8pPr>
+            <a:lvl9pPr marL="3657600" algn="l" defTabSz="457200" rtl="0" eaLnBrk="1" latinLnBrk="0" hangingPunct="1">
+              <a:defRPr sz="2400" kern="1200">
+                <a:solidFill>
+                  <a:schemeClr val="tx1"/>
+                </a:solidFill>
+                <a:latin typeface="Arial" charset="0"/>
+                <a:ea typeface="ヒラギノ角ゴ Pro W3" charset="0"/>
+                <a:cs typeface="ヒラギノ角ゴ Pro W3" charset="0"/>
+              </a:defRPr>
+            </a:lvl9pPr>
+          </a:lstStyle>
+          <a:p>
+            <a:pPr>
+              <a:defRPr/>
+            </a:pPr>
+            <a:fld id="{45488343-B159-074D-B355-B61FD1A20D53}" type="slidenum">
+              <a:rPr lang="en-US" sz="1200" smtClean="0"/>
+              <a:pPr>
+                <a:defRPr/>
+              </a:pPr>
+              <a:t>14</a:t>
+            </a:fld>
+            <a:endParaRPr lang="en-US" sz="1200" dirty="0"/>
+          </a:p>
+        </p:txBody>
+      </p:sp>
+      <p:pic>
+        <p:nvPicPr>
+          <p:cNvPr id="7" name="car_sound.mov" descr="car_sound.mov">
+            <a:hlinkClick r:id="" action="ppaction://media"/>
+            <a:extLst>
+              <a:ext uri="{FF2B5EF4-FFF2-40B4-BE49-F238E27FC236}">
+                <a16:creationId xmlns:a16="http://schemas.microsoft.com/office/drawing/2014/main" id="{A8F8C32C-63C1-5F4D-9CA1-6D0C4979524D}"/>
+              </a:ext>
+            </a:extLst>
+          </p:cNvPr>
+          <p:cNvPicPr>
+            <a:picLocks noChangeAspect="1"/>
+          </p:cNvPicPr>
+          <p:nvPr>
+            <a:videoFile r:link="rId2"/>
+            <p:extLst>
+              <p:ext uri="{DAA4B4D4-6D71-4841-9C94-3DE7FCFB9230}">
+                <p14:media xmlns:p14="http://schemas.microsoft.com/office/powerpoint/2010/main" r:embed="rId1"/>
+              </p:ext>
+            </p:extLst>
+          </p:nvPr>
+        </p:nvPicPr>
+        <p:blipFill>
+          <a:blip r:embed="rId5"/>
+          <a:stretch>
+            <a:fillRect/>
+          </a:stretch>
+        </p:blipFill>
+        <p:spPr bwMode="auto">
+          <a:xfrm>
+            <a:off x="2024063" y="694064"/>
+            <a:ext cx="5633870" cy="3520730"/>
+          </a:xfrm>
+          <a:prstGeom prst="rect">
+            <a:avLst/>
+          </a:prstGeom>
+          <a:noFill/>
+          <a:ln>
+            <a:noFill/>
+          </a:ln>
+          <a:extLst>
+            <a:ext uri="{909E8E84-426E-40dd-AFC4-6F175D3DCCD1}">
+              <a14:hiddenFill xmlns="" xmlns:a14="http://schemas.microsoft.com/office/drawing/2010/main">
+                <a:solidFill>
+                  <a:srgbClr val="FFFFFF"/>
+                </a:solidFill>
+              </a14:hiddenFill>
+            </a:ext>
+            <a:ext uri="{91240B29-F687-4f45-9708-019B960494DF}">
+              <a14:hiddenLine xmlns="" xmlns:a14="http://schemas.microsoft.com/office/drawing/2010/main" w="9525">
+                <a:solidFill>
+                  <a:srgbClr val="000000"/>
+                </a:solidFill>
+                <a:miter lim="800000"/>
+                <a:headEnd/>
+                <a:tailEnd/>
+              </a14:hiddenLine>
+            </a:ext>
+            <a:ext uri="{FAA26D3D-D897-4be2-8F04-BA451C77F1D7}">
+              <ma14:placeholderFlag xmlns="" xmlns:ma14="http://schemas.microsoft.com/office/mac/drawingml/2011/main" val="1"/>
+            </a:ext>
+          </a:extLst>
+        </p:spPr>
+      </p:pic>
+      <p:pic>
+        <p:nvPicPr>
+          <p:cNvPr id="8" name="car_sound.mov" descr="car_sound.mov">
+            <a:hlinkClick r:id="" action="ppaction://media"/>
+            <a:extLst>
+              <a:ext uri="{FF2B5EF4-FFF2-40B4-BE49-F238E27FC236}">
+                <a16:creationId xmlns:a16="http://schemas.microsoft.com/office/drawing/2014/main" id="{3F1AEFF6-705C-5C41-9920-68F333F1EB69}"/>
+              </a:ext>
+            </a:extLst>
+          </p:cNvPr>
+          <p:cNvPicPr>
+            <a:picLocks noChangeAspect="1"/>
+          </p:cNvPicPr>
+          <p:nvPr>
+            <a:videoFile r:link="rId2"/>
+            <p:extLst>
+              <p:ext uri="{DAA4B4D4-6D71-4841-9C94-3DE7FCFB9230}">
+                <p14:media xmlns:p14="http://schemas.microsoft.com/office/powerpoint/2010/main" r:embed="rId1"/>
+              </p:ext>
+            </p:extLst>
+          </p:nvPr>
+        </p:nvPicPr>
+        <p:blipFill>
+          <a:blip r:embed="rId5"/>
+          <a:stretch>
+            <a:fillRect/>
+          </a:stretch>
+        </p:blipFill>
+        <p:spPr bwMode="auto">
+          <a:xfrm>
+            <a:off x="1726606" y="672029"/>
+            <a:ext cx="6258359" cy="3910987"/>
+          </a:xfrm>
+          <a:prstGeom prst="rect">
+            <a:avLst/>
+          </a:prstGeom>
+          <a:noFill/>
+          <a:ln>
+            <a:noFill/>
+          </a:ln>
+          <a:extLst>
+            <a:ext uri="{909E8E84-426E-40dd-AFC4-6F175D3DCCD1}">
+              <a14:hiddenFill xmlns="" xmlns:a14="http://schemas.microsoft.com/office/drawing/2010/main">
+                <a:solidFill>
+                  <a:srgbClr val="FFFFFF"/>
+                </a:solidFill>
+              </a14:hiddenFill>
+            </a:ext>
+            <a:ext uri="{91240B29-F687-4f45-9708-019B960494DF}">
+              <a14:hiddenLine xmlns="" xmlns:a14="http://schemas.microsoft.com/office/drawing/2010/main" w="9525">
+                <a:solidFill>
+                  <a:srgbClr val="000000"/>
+                </a:solidFill>
+                <a:miter lim="800000"/>
+                <a:headEnd/>
+                <a:tailEnd/>
+              </a14:hiddenLine>
+            </a:ext>
+            <a:ext uri="{FAA26D3D-D897-4be2-8F04-BA451C77F1D7}">
+              <ma14:placeholderFlag xmlns="" xmlns:ma14="http://schemas.microsoft.com/office/mac/drawingml/2011/main" val="1"/>
+            </a:ext>
+          </a:extLst>
+        </p:spPr>
+      </p:pic>
+      <p:pic>
+        <p:nvPicPr>
+          <p:cNvPr id="9" name="car_sound.mov" descr="car_sound.mov">
+            <a:hlinkClick r:id="" action="ppaction://media"/>
+            <a:extLst>
+              <a:ext uri="{FF2B5EF4-FFF2-40B4-BE49-F238E27FC236}">
+                <a16:creationId xmlns:a16="http://schemas.microsoft.com/office/drawing/2014/main" id="{2BA75A7B-72A0-FA41-842B-4541EEC0E21A}"/>
+              </a:ext>
+            </a:extLst>
+          </p:cNvPr>
+          <p:cNvPicPr>
+            <a:picLocks noChangeAspect="1"/>
+          </p:cNvPicPr>
+          <p:nvPr>
+            <a:videoFile r:link="rId2"/>
+            <p:extLst>
+              <p:ext uri="{DAA4B4D4-6D71-4841-9C94-3DE7FCFB9230}">
+                <p14:media xmlns:p14="http://schemas.microsoft.com/office/powerpoint/2010/main" r:embed="rId1"/>
+              </p:ext>
+            </p:extLst>
+          </p:nvPr>
+        </p:nvPicPr>
+        <p:blipFill>
+          <a:blip r:embed="rId5"/>
+          <a:stretch>
+            <a:fillRect/>
+          </a:stretch>
+        </p:blipFill>
+        <p:spPr bwMode="auto">
+          <a:xfrm>
+            <a:off x="1649488" y="683045"/>
+            <a:ext cx="6258359" cy="3910987"/>
+          </a:xfrm>
+          <a:prstGeom prst="rect">
+            <a:avLst/>
+          </a:prstGeom>
+          <a:noFill/>
+          <a:ln>
+            <a:noFill/>
+          </a:ln>
+          <a:extLst>
+            <a:ext uri="{909E8E84-426E-40dd-AFC4-6F175D3DCCD1}">
+              <a14:hiddenFill xmlns="" xmlns:a14="http://schemas.microsoft.com/office/drawing/2010/main">
+                <a:solidFill>
+                  <a:srgbClr val="FFFFFF"/>
+                </a:solidFill>
+              </a14:hiddenFill>
+            </a:ext>
+            <a:ext uri="{91240B29-F687-4f45-9708-019B960494DF}">
+              <a14:hiddenLine xmlns="" xmlns:a14="http://schemas.microsoft.com/office/drawing/2010/main" w="9525">
+                <a:solidFill>
+                  <a:srgbClr val="000000"/>
+                </a:solidFill>
+                <a:miter lim="800000"/>
+                <a:headEnd/>
+                <a:tailEnd/>
+              </a14:hiddenLine>
+            </a:ext>
+            <a:ext uri="{FAA26D3D-D897-4be2-8F04-BA451C77F1D7}">
+              <ma14:placeholderFlag xmlns="" xmlns:ma14="http://schemas.microsoft.com/office/mac/drawingml/2011/main" val="1"/>
+            </a:ext>
+          </a:extLst>
+        </p:spPr>
+      </p:pic>
+    </p:spTree>
+    <p:extLst>
+      <p:ext uri="{BB962C8B-B14F-4D97-AF65-F5344CB8AC3E}">
+        <p14:creationId xmlns:p14="http://schemas.microsoft.com/office/powerpoint/2010/main" val="3112740485"/>
+      </p:ext>
+    </p:extLst>
+  </p:cSld>
+  <p:clrMapOvr>
+    <a:masterClrMapping/>
+  </p:clrMapOvr>
+  <p:timing>
+    <p:tnLst>
+      <p:par>
+        <p:cTn id="1" dur="indefinite" restart="never" nodeType="tmRoot">
+          <p:childTnLst>
+            <p:seq concurrent="1" nextAc="seek">
+              <p:cTn id="2" dur="indefinite" nodeType="mainSeq">
+                <p:childTnLst>
+                  <p:par>
+                    <p:cTn id="3" fill="hold">
+                      <p:stCondLst>
+                        <p:cond delay="indefinite"/>
+                      </p:stCondLst>
+                      <p:childTnLst>
+                        <p:par>
+                          <p:cTn id="4" fill="hold">
+                            <p:stCondLst>
+                              <p:cond delay="0"/>
+                            </p:stCondLst>
+                            <p:childTnLst>
+                              <p:par>
+                                <p:cTn id="5" presetID="1" presetClass="mediacall" presetSubtype="0" fill="hold" nodeType="clickEffect">
+                                  <p:stCondLst>
+                                    <p:cond delay="0"/>
+                                  </p:stCondLst>
+                                  <p:childTnLst>
+                                    <p:cmd type="call" cmd="playFrom(0.0)">
+                                      <p:cBhvr>
+                                        <p:cTn id="6" dur="4838" fill="hold"/>
+                                        <p:tgtEl>
+                                          <p:spTgt spid="6"/>
+                                        </p:tgtEl>
+                                      </p:cBhvr>
+                                    </p:cmd>
+                                  </p:childTnLst>
+                                </p:cTn>
+                              </p:par>
+                            </p:childTnLst>
+                          </p:cTn>
+                        </p:par>
+                      </p:childTnLst>
+                    </p:cTn>
+                  </p:par>
+                  <p:par>
+                    <p:cTn id="7" fill="hold">
+                      <p:stCondLst>
+                        <p:cond delay="indefinite"/>
+                      </p:stCondLst>
+                      <p:childTnLst>
+                        <p:par>
+                          <p:cTn id="8" fill="hold">
+                            <p:stCondLst>
+                              <p:cond delay="0"/>
+                            </p:stCondLst>
+                            <p:childTnLst>
+                              <p:par>
+                                <p:cTn id="9" presetID="1" presetClass="mediacall" presetSubtype="0" fill="hold" nodeType="clickEffect">
+                                  <p:stCondLst>
+                                    <p:cond delay="0"/>
+                                  </p:stCondLst>
+                                  <p:childTnLst>
+                                    <p:cmd type="call" cmd="playFrom(0.0)">
+                                      <p:cBhvr>
+                                        <p:cTn id="10" dur="4838" fill="hold"/>
+                                        <p:tgtEl>
+                                          <p:spTgt spid="7"/>
+                                        </p:tgtEl>
+                                      </p:cBhvr>
+                                    </p:cmd>
+                                  </p:childTnLst>
+                                </p:cTn>
+                              </p:par>
+                            </p:childTnLst>
+                          </p:cTn>
+                        </p:par>
+                      </p:childTnLst>
+                    </p:cTn>
+                  </p:par>
+                  <p:par>
+                    <p:cTn id="11" fill="hold">
+                      <p:stCondLst>
+                        <p:cond delay="indefinite"/>
+                      </p:stCondLst>
+                      <p:childTnLst>
+                        <p:par>
+                          <p:cTn id="12" fill="hold">
+                            <p:stCondLst>
+                              <p:cond delay="0"/>
+                            </p:stCondLst>
+                            <p:childTnLst>
+                              <p:par>
+                                <p:cTn id="13" presetID="1" presetClass="mediacall" presetSubtype="0" fill="hold" nodeType="clickEffect">
+                                  <p:stCondLst>
+                                    <p:cond delay="0"/>
+                                  </p:stCondLst>
+                                  <p:childTnLst>
+                                    <p:cmd type="call" cmd="playFrom(0.0)">
+                                      <p:cBhvr>
+                                        <p:cTn id="14" dur="4838" fill="hold"/>
+                                        <p:tgtEl>
+                                          <p:spTgt spid="8"/>
+                                        </p:tgtEl>
+                                      </p:cBhvr>
+                                    </p:cmd>
+                                  </p:childTnLst>
+                                </p:cTn>
+                              </p:par>
+                            </p:childTnLst>
+                          </p:cTn>
+                        </p:par>
+                      </p:childTnLst>
+                    </p:cTn>
+                  </p:par>
+                  <p:par>
+                    <p:cTn id="15" fill="hold">
+                      <p:stCondLst>
+                        <p:cond delay="indefinite"/>
+                      </p:stCondLst>
+                      <p:childTnLst>
+                        <p:par>
+                          <p:cTn id="16" fill="hold">
+                            <p:stCondLst>
+                              <p:cond delay="0"/>
+                            </p:stCondLst>
+                            <p:childTnLst>
+                              <p:par>
+                                <p:cTn id="17" presetID="1" presetClass="mediacall" presetSubtype="0" fill="hold" nodeType="clickEffect">
+                                  <p:stCondLst>
+                                    <p:cond delay="0"/>
+                                  </p:stCondLst>
+                                  <p:childTnLst>
+                                    <p:cmd type="call" cmd="playFrom(0.0)">
+                                      <p:cBhvr>
+                                        <p:cTn id="18" dur="4838" fill="hold"/>
+                                        <p:tgtEl>
+                                          <p:spTgt spid="9"/>
+                                        </p:tgtEl>
+                                      </p:cBhvr>
+                                    </p:cmd>
+                                  </p:childTnLst>
+                                </p:cTn>
+                              </p:par>
+                            </p:childTnLst>
+                          </p:cTn>
+                        </p:par>
+                      </p:childTnLst>
+                    </p:cTn>
+                  </p:par>
+                </p:childTnLst>
+              </p:cTn>
+              <p:prevCondLst>
+                <p:cond evt="onPrev" delay="0">
+                  <p:tgtEl>
+                    <p:sldTgt/>
+                  </p:tgtEl>
+                </p:cond>
+              </p:prevCondLst>
+              <p:nextCondLst>
+                <p:cond evt="onNext" delay="0">
+                  <p:tgtEl>
+                    <p:sldTgt/>
+                  </p:tgtEl>
+                </p:cond>
+              </p:nextCondLst>
+            </p:seq>
+            <p:video>
+              <p:cMediaNode vol="80000">
+                <p:cTn id="19" fill="hold" display="0">
+                  <p:stCondLst>
+                    <p:cond delay="indefinite"/>
+                  </p:stCondLst>
+                </p:cTn>
+                <p:tgtEl>
+                  <p:spTgt spid="6"/>
+                </p:tgtEl>
+              </p:cMediaNode>
+            </p:video>
+            <p:seq concurrent="1" nextAc="seek">
+              <p:cTn id="20" restart="whenNotActive" fill="hold" evtFilter="cancelBubble" nodeType="interactiveSeq">
+                <p:stCondLst>
+                  <p:cond evt="onClick" delay="0">
+                    <p:tgtEl>
+                      <p:spTgt spid="6"/>
+                    </p:tgtEl>
+                  </p:cond>
+                </p:stCondLst>
+                <p:endSync evt="end" delay="0">
+                  <p:rtn val="all"/>
+                </p:endSync>
+                <p:childTnLst>
+                  <p:par>
+                    <p:cTn id="21" fill="hold">
+                      <p:stCondLst>
+                        <p:cond delay="0"/>
+                      </p:stCondLst>
+                      <p:childTnLst>
+                        <p:par>
+                          <p:cTn id="22" fill="hold">
+                            <p:stCondLst>
+                              <p:cond delay="0"/>
+                            </p:stCondLst>
+                            <p:childTnLst>
+                              <p:par>
+                                <p:cTn id="23" presetID="2" presetClass="mediacall" presetSubtype="0" fill="hold" nodeType="clickEffect">
+                                  <p:stCondLst>
+                                    <p:cond delay="0"/>
+                                  </p:stCondLst>
+                                  <p:childTnLst>
+                                    <p:cmd type="call" cmd="togglePause">
+                                      <p:cBhvr>
+                                        <p:cTn id="24" dur="1" fill="hold"/>
+                                        <p:tgtEl>
+                                          <p:spTgt spid="6"/>
+                                        </p:tgtEl>
+                                      </p:cBhvr>
+                                    </p:cmd>
+                                  </p:childTnLst>
+                                </p:cTn>
+                              </p:par>
+                            </p:childTnLst>
+                          </p:cTn>
+                        </p:par>
+                      </p:childTnLst>
+                    </p:cTn>
+                  </p:par>
+                </p:childTnLst>
+              </p:cTn>
+              <p:nextCondLst>
+                <p:cond evt="onClick" delay="0">
+                  <p:tgtEl>
+                    <p:spTgt spid="6"/>
+                  </p:tgtEl>
+                </p:cond>
+              </p:nextCondLst>
+            </p:seq>
+            <p:seq concurrent="1" nextAc="seek">
+              <p:cTn id="25" restart="whenNotActive" fill="hold" evtFilter="cancelBubble" nodeType="interactiveSeq">
+                <p:stCondLst>
+                  <p:cond evt="onClick" delay="0">
+                    <p:tgtEl>
+                      <p:spTgt spid="7"/>
+                    </p:tgtEl>
+                  </p:cond>
+                </p:stCondLst>
+                <p:endSync evt="end" delay="0">
+                  <p:rtn val="all"/>
+                </p:endSync>
+                <p:childTnLst>
+                  <p:par>
+                    <p:cTn id="26" fill="hold">
+                      <p:stCondLst>
+                        <p:cond delay="0"/>
+                      </p:stCondLst>
+                      <p:childTnLst>
+                        <p:par>
+                          <p:cTn id="27" fill="hold">
+                            <p:stCondLst>
+                              <p:cond delay="0"/>
+                            </p:stCondLst>
+                            <p:childTnLst>
+                              <p:par>
+                                <p:cTn id="28" presetID="2" presetClass="mediacall" presetSubtype="0" fill="hold" nodeType="clickEffect">
+                                  <p:stCondLst>
+                                    <p:cond delay="0"/>
+                                  </p:stCondLst>
+                                  <p:childTnLst>
+                                    <p:cmd type="call" cmd="togglePause">
+                                      <p:cBhvr>
+                                        <p:cTn id="29" dur="1" fill="hold"/>
+                                        <p:tgtEl>
+                                          <p:spTgt spid="7"/>
+                                        </p:tgtEl>
+                                      </p:cBhvr>
+                                    </p:cmd>
+                                  </p:childTnLst>
+                                </p:cTn>
+                              </p:par>
+                            </p:childTnLst>
+                          </p:cTn>
+                        </p:par>
+                      </p:childTnLst>
+                    </p:cTn>
+                  </p:par>
+                </p:childTnLst>
+              </p:cTn>
+              <p:nextCondLst>
+                <p:cond evt="onClick" delay="0">
+                  <p:tgtEl>
+                    <p:spTgt spid="7"/>
+                  </p:tgtEl>
+                </p:cond>
+              </p:nextCondLst>
+            </p:seq>
+            <p:video>
+              <p:cMediaNode vol="80000">
+                <p:cTn id="30" fill="hold" display="0">
+                  <p:stCondLst>
+                    <p:cond delay="indefinite"/>
+                  </p:stCondLst>
+                </p:cTn>
+                <p:tgtEl>
+                  <p:spTgt spid="7"/>
+                </p:tgtEl>
+              </p:cMediaNode>
+            </p:video>
+            <p:seq concurrent="1" nextAc="seek">
+              <p:cTn id="31" restart="whenNotActive" fill="hold" evtFilter="cancelBubble" nodeType="interactiveSeq">
+                <p:stCondLst>
+                  <p:cond evt="onClick" delay="0">
+                    <p:tgtEl>
+                      <p:spTgt spid="8"/>
+                    </p:tgtEl>
+                  </p:cond>
+                </p:stCondLst>
+                <p:endSync evt="end" delay="0">
+                  <p:rtn val="all"/>
+                </p:endSync>
+                <p:childTnLst>
+                  <p:par>
+                    <p:cTn id="32" fill="hold">
+                      <p:stCondLst>
+                        <p:cond delay="0"/>
+                      </p:stCondLst>
+                      <p:childTnLst>
+                        <p:par>
+                          <p:cTn id="33" fill="hold">
+                            <p:stCondLst>
+                              <p:cond delay="0"/>
+                            </p:stCondLst>
+                            <p:childTnLst>
+                              <p:par>
+                                <p:cTn id="34" presetID="2" presetClass="mediacall" presetSubtype="0" fill="hold" nodeType="clickEffect">
+                                  <p:stCondLst>
+                                    <p:cond delay="0"/>
+                                  </p:stCondLst>
+                                  <p:childTnLst>
+                                    <p:cmd type="call" cmd="togglePause">
+                                      <p:cBhvr>
+                                        <p:cTn id="35" dur="1" fill="hold"/>
+                                        <p:tgtEl>
+                                          <p:spTgt spid="8"/>
+                                        </p:tgtEl>
+                                      </p:cBhvr>
+                                    </p:cmd>
+                                  </p:childTnLst>
+                                </p:cTn>
+                              </p:par>
+                            </p:childTnLst>
+                          </p:cTn>
+                        </p:par>
+                      </p:childTnLst>
+                    </p:cTn>
+                  </p:par>
+                </p:childTnLst>
+              </p:cTn>
+              <p:nextCondLst>
+                <p:cond evt="onClick" delay="0">
+                  <p:tgtEl>
+                    <p:spTgt spid="8"/>
+                  </p:tgtEl>
+                </p:cond>
+              </p:nextCondLst>
+            </p:seq>
+            <p:video>
+              <p:cMediaNode vol="80000">
+                <p:cTn id="36" fill="hold" display="0">
+                  <p:stCondLst>
+                    <p:cond delay="indefinite"/>
+                  </p:stCondLst>
+                </p:cTn>
+                <p:tgtEl>
+                  <p:spTgt spid="8"/>
+                </p:tgtEl>
+              </p:cMediaNode>
+            </p:video>
+            <p:seq concurrent="1" nextAc="seek">
+              <p:cTn id="37" restart="whenNotActive" fill="hold" evtFilter="cancelBubble" nodeType="interactiveSeq">
+                <p:stCondLst>
+                  <p:cond evt="onClick" delay="0">
+                    <p:tgtEl>
+                      <p:spTgt spid="9"/>
+                    </p:tgtEl>
+                  </p:cond>
+                </p:stCondLst>
+                <p:endSync evt="end" delay="0">
+                  <p:rtn val="all"/>
+                </p:endSync>
+                <p:childTnLst>
+                  <p:par>
+                    <p:cTn id="38" fill="hold">
+                      <p:stCondLst>
+                        <p:cond delay="0"/>
+                      </p:stCondLst>
+                      <p:childTnLst>
+                        <p:par>
+                          <p:cTn id="39" fill="hold">
+                            <p:stCondLst>
+                              <p:cond delay="0"/>
+                            </p:stCondLst>
+                            <p:childTnLst>
+                              <p:par>
+                                <p:cTn id="40" presetID="2" presetClass="mediacall" presetSubtype="0" fill="hold" nodeType="clickEffect">
+                                  <p:stCondLst>
+                                    <p:cond delay="0"/>
+                                  </p:stCondLst>
+                                  <p:childTnLst>
+                                    <p:cmd type="call" cmd="togglePause">
+                                      <p:cBhvr>
+                                        <p:cTn id="41" dur="1" fill="hold"/>
+                                        <p:tgtEl>
+                                          <p:spTgt spid="9"/>
+                                        </p:tgtEl>
+                                      </p:cBhvr>
+                                    </p:cmd>
+                                  </p:childTnLst>
+                                </p:cTn>
+                              </p:par>
+                            </p:childTnLst>
+                          </p:cTn>
+                        </p:par>
+                      </p:childTnLst>
+                    </p:cTn>
+                  </p:par>
+                </p:childTnLst>
+              </p:cTn>
+              <p:nextCondLst>
+                <p:cond evt="onClick" delay="0">
+                  <p:tgtEl>
+                    <p:spTgt spid="9"/>
+                  </p:tgtEl>
+                </p:cond>
+              </p:nextCondLst>
+            </p:seq>
+            <p:video>
+              <p:cMediaNode vol="80000">
+                <p:cTn id="42" fill="hold" display="0">
+                  <p:stCondLst>
+                    <p:cond delay="indefinite"/>
+                  </p:stCondLst>
+                </p:cTn>
+                <p:tgtEl>
+                  <p:spTgt spid="9"/>
+                </p:tgtEl>
+              </p:cMediaNode>
+            </p:video>
+          </p:childTnLst>
+        </p:cTn>
+      </p:par>
+    </p:tnLst>
+  </p:timing>
+</p:sld>
+</file>
+
+<file path=ppt/slides/slide15.xml><?xml version="1.0" encoding="utf-8"?>
+<p:sld xmlns:a="http://schemas.openxmlformats.org/drawingml/2006/main" xmlns:r="http://schemas.openxmlformats.org/officeDocument/2006/relationships" xmlns:p="http://schemas.openxmlformats.org/presentationml/2006/main">
+  <p:cSld>
+    <p:spTree>
+      <p:nvGrpSpPr>
+        <p:cNvPr id="1" name=""/>
+        <p:cNvGrpSpPr/>
+        <p:nvPr/>
+      </p:nvGrpSpPr>
+      <p:grpSpPr>
+        <a:xfrm>
+          <a:off x="0" y="0"/>
+          <a:ext cx="0" cy="0"/>
+          <a:chOff x="0" y="0"/>
+          <a:chExt cx="0" cy="0"/>
+        </a:xfrm>
+      </p:grpSpPr>
       <p:sp>
         <p:nvSpPr>
           <p:cNvPr id="2" name="Title 1">
@@ -6546,7 +8522,7 @@
             <a:fld id="{5122D036-2D90-4845-9DDB-063D61752557}" type="slidenum">
               <a:rPr lang="en-US" smtClean="0"/>
               <a:pPr/>
-              <a:t>14</a:t>
+              <a:t>15</a:t>
             </a:fld>
             <a:endParaRPr lang="en-US"/>
           </a:p>
@@ -6617,7 +8593,7 @@
           <a:p>
             <a:r>
               <a:rPr lang="en-US" sz="1200" dirty="0"/>
-              <a:t>14</a:t>
+              <a:t>15</a:t>
             </a:r>
           </a:p>
         </p:txBody>
@@ -6626,287 +8602,6 @@
     <p:extLst>
       <p:ext uri="{BB962C8B-B14F-4D97-AF65-F5344CB8AC3E}">
         <p14:creationId xmlns:p14="http://schemas.microsoft.com/office/powerpoint/2010/main" val="2250902804"/>
-      </p:ext>
-    </p:extLst>
-  </p:cSld>
-  <p:clrMapOvr>
-    <a:masterClrMapping/>
-  </p:clrMapOvr>
-</p:sld>
-</file>
-
-<file path=ppt/slides/slide15.xml><?xml version="1.0" encoding="utf-8"?>
-<p:sld xmlns:a="http://schemas.openxmlformats.org/drawingml/2006/main" xmlns:r="http://schemas.openxmlformats.org/officeDocument/2006/relationships" xmlns:p="http://schemas.openxmlformats.org/presentationml/2006/main">
-  <p:cSld>
-    <p:spTree>
-      <p:nvGrpSpPr>
-        <p:cNvPr id="1" name=""/>
-        <p:cNvGrpSpPr/>
-        <p:nvPr/>
-      </p:nvGrpSpPr>
-      <p:grpSpPr>
-        <a:xfrm>
-          <a:off x="0" y="0"/>
-          <a:ext cx="0" cy="0"/>
-          <a:chOff x="0" y="0"/>
-          <a:chExt cx="0" cy="0"/>
-        </a:xfrm>
-      </p:grpSpPr>
-      <p:sp>
-        <p:nvSpPr>
-          <p:cNvPr id="2" name="Title 1">
-            <a:extLst>
-              <a:ext uri="{FF2B5EF4-FFF2-40B4-BE49-F238E27FC236}">
-                <a16:creationId xmlns:a16="http://schemas.microsoft.com/office/drawing/2014/main" id="{1F818089-4161-DA45-9BD8-9B189D675DD4}"/>
-              </a:ext>
-            </a:extLst>
-          </p:cNvPr>
-          <p:cNvSpPr>
-            <a:spLocks noGrp="1"/>
-          </p:cNvSpPr>
-          <p:nvPr>
-            <p:ph type="title"/>
-          </p:nvPr>
-        </p:nvSpPr>
-        <p:spPr/>
-        <p:txBody>
-          <a:bodyPr/>
-          <a:lstStyle/>
-          <a:p>
-            <a:r>
-              <a:rPr lang="en-US" dirty="0">
-                <a:latin typeface="Seravek" panose="020B0503040000020004" pitchFamily="34" charset="0"/>
-              </a:rPr>
-              <a:t>Discussion</a:t>
-            </a:r>
-          </a:p>
-        </p:txBody>
-      </p:sp>
-      <p:sp>
-        <p:nvSpPr>
-          <p:cNvPr id="4" name="Slide Number Placeholder 3">
-            <a:extLst>
-              <a:ext uri="{FF2B5EF4-FFF2-40B4-BE49-F238E27FC236}">
-                <a16:creationId xmlns:a16="http://schemas.microsoft.com/office/drawing/2014/main" id="{51AF1423-19E1-D345-AF6A-E8178564A8B0}"/>
-              </a:ext>
-            </a:extLst>
-          </p:cNvPr>
-          <p:cNvSpPr>
-            <a:spLocks noGrp="1"/>
-          </p:cNvSpPr>
-          <p:nvPr>
-            <p:ph type="sldNum" sz="quarter" idx="12"/>
-          </p:nvPr>
-        </p:nvSpPr>
-        <p:spPr>
-          <a:xfrm>
-            <a:off x="8610600" y="6356350"/>
-            <a:ext cx="2743200" cy="365125"/>
-          </a:xfrm>
-          <a:prstGeom prst="rect">
-            <a:avLst/>
-          </a:prstGeom>
-        </p:spPr>
-        <p:txBody>
-          <a:bodyPr vert="horz" lIns="91440" tIns="45720" rIns="91440" bIns="45720" rtlCol="0" anchor="ctr"/>
-          <a:lstStyle>
-            <a:defPPr>
-              <a:defRPr lang="en-US"/>
-            </a:defPPr>
-            <a:lvl1pPr marL="0" algn="r" defTabSz="914400" rtl="0" eaLnBrk="1" latinLnBrk="0" hangingPunct="1">
-              <a:defRPr sz="1200" kern="1200">
-                <a:solidFill>
-                  <a:schemeClr val="tx1">
-                    <a:tint val="75000"/>
-                  </a:schemeClr>
-                </a:solidFill>
-                <a:latin typeface="+mn-lt"/>
-                <a:ea typeface="+mn-ea"/>
-                <a:cs typeface="+mn-cs"/>
-              </a:defRPr>
-            </a:lvl1pPr>
-            <a:lvl2pPr marL="457200" algn="l" defTabSz="914400" rtl="0" eaLnBrk="1" latinLnBrk="0" hangingPunct="1">
-              <a:defRPr sz="1800" kern="1200">
-                <a:solidFill>
-                  <a:schemeClr val="tx1"/>
-                </a:solidFill>
-                <a:latin typeface="+mn-lt"/>
-                <a:ea typeface="+mn-ea"/>
-                <a:cs typeface="+mn-cs"/>
-              </a:defRPr>
-            </a:lvl2pPr>
-            <a:lvl3pPr marL="914400" algn="l" defTabSz="914400" rtl="0" eaLnBrk="1" latinLnBrk="0" hangingPunct="1">
-              <a:defRPr sz="1800" kern="1200">
-                <a:solidFill>
-                  <a:schemeClr val="tx1"/>
-                </a:solidFill>
-                <a:latin typeface="+mn-lt"/>
-                <a:ea typeface="+mn-ea"/>
-                <a:cs typeface="+mn-cs"/>
-              </a:defRPr>
-            </a:lvl3pPr>
-            <a:lvl4pPr marL="1371600" algn="l" defTabSz="914400" rtl="0" eaLnBrk="1" latinLnBrk="0" hangingPunct="1">
-              <a:defRPr sz="1800" kern="1200">
-                <a:solidFill>
-                  <a:schemeClr val="tx1"/>
-                </a:solidFill>
-                <a:latin typeface="+mn-lt"/>
-                <a:ea typeface="+mn-ea"/>
-                <a:cs typeface="+mn-cs"/>
-              </a:defRPr>
-            </a:lvl4pPr>
-            <a:lvl5pPr marL="1828800" algn="l" defTabSz="914400" rtl="0" eaLnBrk="1" latinLnBrk="0" hangingPunct="1">
-              <a:defRPr sz="1800" kern="1200">
-                <a:solidFill>
-                  <a:schemeClr val="tx1"/>
-                </a:solidFill>
-                <a:latin typeface="+mn-lt"/>
-                <a:ea typeface="+mn-ea"/>
-                <a:cs typeface="+mn-cs"/>
-              </a:defRPr>
-            </a:lvl5pPr>
-            <a:lvl6pPr marL="2286000" algn="l" defTabSz="914400" rtl="0" eaLnBrk="1" latinLnBrk="0" hangingPunct="1">
-              <a:defRPr sz="1800" kern="1200">
-                <a:solidFill>
-                  <a:schemeClr val="tx1"/>
-                </a:solidFill>
-                <a:latin typeface="+mn-lt"/>
-                <a:ea typeface="+mn-ea"/>
-                <a:cs typeface="+mn-cs"/>
-              </a:defRPr>
-            </a:lvl6pPr>
-            <a:lvl7pPr marL="2743200" algn="l" defTabSz="914400" rtl="0" eaLnBrk="1" latinLnBrk="0" hangingPunct="1">
-              <a:defRPr sz="1800" kern="1200">
-                <a:solidFill>
-                  <a:schemeClr val="tx1"/>
-                </a:solidFill>
-                <a:latin typeface="+mn-lt"/>
-                <a:ea typeface="+mn-ea"/>
-                <a:cs typeface="+mn-cs"/>
-              </a:defRPr>
-            </a:lvl7pPr>
-            <a:lvl8pPr marL="3200400" algn="l" defTabSz="914400" rtl="0" eaLnBrk="1" latinLnBrk="0" hangingPunct="1">
-              <a:defRPr sz="1800" kern="1200">
-                <a:solidFill>
-                  <a:schemeClr val="tx1"/>
-                </a:solidFill>
-                <a:latin typeface="+mn-lt"/>
-                <a:ea typeface="+mn-ea"/>
-                <a:cs typeface="+mn-cs"/>
-              </a:defRPr>
-            </a:lvl8pPr>
-            <a:lvl9pPr marL="3657600" algn="l" defTabSz="914400" rtl="0" eaLnBrk="1" latinLnBrk="0" hangingPunct="1">
-              <a:defRPr sz="1800" kern="1200">
-                <a:solidFill>
-                  <a:schemeClr val="tx1"/>
-                </a:solidFill>
-                <a:latin typeface="+mn-lt"/>
-                <a:ea typeface="+mn-ea"/>
-                <a:cs typeface="+mn-cs"/>
-              </a:defRPr>
-            </a:lvl9pPr>
-          </a:lstStyle>
-          <a:p>
-            <a:fld id="{5122D036-2D90-4845-9DDB-063D61752557}" type="slidenum">
-              <a:rPr lang="en-US" smtClean="0"/>
-              <a:pPr/>
-              <a:t>15</a:t>
-            </a:fld>
-            <a:endParaRPr lang="en-US"/>
-          </a:p>
-        </p:txBody>
-      </p:sp>
-      <p:sp>
-        <p:nvSpPr>
-          <p:cNvPr id="6" name="Content Placeholder 5">
-            <a:extLst>
-              <a:ext uri="{FF2B5EF4-FFF2-40B4-BE49-F238E27FC236}">
-                <a16:creationId xmlns:a16="http://schemas.microsoft.com/office/drawing/2014/main" id="{BCD06A5F-98A0-974E-816A-06BEFD5C34F9}"/>
-              </a:ext>
-            </a:extLst>
-          </p:cNvPr>
-          <p:cNvSpPr>
-            <a:spLocks noGrp="1"/>
-          </p:cNvSpPr>
-          <p:nvPr>
-            <p:ph idx="1"/>
-          </p:nvPr>
-        </p:nvSpPr>
-        <p:spPr/>
-        <p:txBody>
-          <a:bodyPr/>
-          <a:lstStyle/>
-          <a:p>
-            <a:r>
-              <a:rPr lang="en-US" dirty="0">
-                <a:latin typeface="Seravek" panose="020B0503040000020004" pitchFamily="34" charset="0"/>
-              </a:rPr>
-              <a:t>Domain-general models of learning</a:t>
-            </a:r>
-          </a:p>
-          <a:p>
-            <a:r>
-              <a:rPr lang="en-US" dirty="0">
-                <a:latin typeface="Seravek" panose="020B0503040000020004" pitchFamily="34" charset="0"/>
-              </a:rPr>
-              <a:t>Neural reuse theories (Asano et al., 2021)</a:t>
-            </a:r>
-          </a:p>
-          <a:p>
-            <a:r>
-              <a:rPr lang="en-US" dirty="0" err="1">
-                <a:latin typeface="Seravek" panose="020B0503040000020004" pitchFamily="34" charset="0"/>
-              </a:rPr>
-              <a:t>Neuroemergentist</a:t>
-            </a:r>
-            <a:r>
-              <a:rPr lang="en-US" dirty="0">
-                <a:latin typeface="Seravek" panose="020B0503040000020004" pitchFamily="34" charset="0"/>
-              </a:rPr>
-              <a:t> approach (Hernández et al., 2019)</a:t>
-            </a:r>
-          </a:p>
-        </p:txBody>
-      </p:sp>
-      <p:sp>
-        <p:nvSpPr>
-          <p:cNvPr id="5" name="TextBox 4">
-            <a:extLst>
-              <a:ext uri="{FF2B5EF4-FFF2-40B4-BE49-F238E27FC236}">
-                <a16:creationId xmlns:a16="http://schemas.microsoft.com/office/drawing/2014/main" id="{3E98DCD4-FB2A-C241-A29D-5EA4941BF174}"/>
-              </a:ext>
-            </a:extLst>
-          </p:cNvPr>
-          <p:cNvSpPr txBox="1"/>
-          <p:nvPr/>
-        </p:nvSpPr>
-        <p:spPr>
-          <a:xfrm>
-            <a:off x="8802478" y="4869456"/>
-            <a:ext cx="354584" cy="276999"/>
-          </a:xfrm>
-          <a:prstGeom prst="rect">
-            <a:avLst/>
-          </a:prstGeom>
-          <a:noFill/>
-        </p:spPr>
-        <p:txBody>
-          <a:bodyPr wrap="none" rtlCol="0">
-            <a:spAutoFit/>
-          </a:bodyPr>
-          <a:lstStyle/>
-          <a:p>
-            <a:r>
-              <a:rPr lang="en-US" sz="1200" dirty="0"/>
-              <a:t>15</a:t>
-            </a:r>
-          </a:p>
-        </p:txBody>
-      </p:sp>
-    </p:spTree>
-    <p:extLst>
-      <p:ext uri="{BB962C8B-B14F-4D97-AF65-F5344CB8AC3E}">
-        <p14:creationId xmlns:p14="http://schemas.microsoft.com/office/powerpoint/2010/main" val="3780761458"/>
       </p:ext>
     </p:extLst>
   </p:cSld>
@@ -6938,7 +8633,7 @@
           <p:cNvPr id="2" name="Title 1">
             <a:extLst>
               <a:ext uri="{FF2B5EF4-FFF2-40B4-BE49-F238E27FC236}">
-                <a16:creationId xmlns:a16="http://schemas.microsoft.com/office/drawing/2014/main" id="{DE5C8408-25ED-1442-88C7-3328A89462F2}"/>
+                <a16:creationId xmlns:a16="http://schemas.microsoft.com/office/drawing/2014/main" id="{1F818089-4161-DA45-9BD8-9B189D675DD4}"/>
               </a:ext>
             </a:extLst>
           </p:cNvPr>
@@ -6958,17 +8653,17 @@
               <a:rPr lang="en-US" dirty="0">
                 <a:latin typeface="Seravek" panose="020B0503040000020004" pitchFamily="34" charset="0"/>
               </a:rPr>
-              <a:t>Future research</a:t>
+              <a:t>Discussion</a:t>
             </a:r>
           </a:p>
         </p:txBody>
       </p:sp>
       <p:sp>
         <p:nvSpPr>
-          <p:cNvPr id="3" name="Content Placeholder 2">
+          <p:cNvPr id="4" name="Slide Number Placeholder 3">
             <a:extLst>
               <a:ext uri="{FF2B5EF4-FFF2-40B4-BE49-F238E27FC236}">
-                <a16:creationId xmlns:a16="http://schemas.microsoft.com/office/drawing/2014/main" id="{89D91846-3344-B14B-A17F-4E8C7A9CFE0F}"/>
+                <a16:creationId xmlns:a16="http://schemas.microsoft.com/office/drawing/2014/main" id="{51AF1423-19E1-D345-AF6A-E8178564A8B0}"/>
               </a:ext>
             </a:extLst>
           </p:cNvPr>
@@ -6976,6 +8671,140 @@
             <a:spLocks noGrp="1"/>
           </p:cNvSpPr>
           <p:nvPr>
+            <p:ph type="sldNum" sz="quarter" idx="12"/>
+          </p:nvPr>
+        </p:nvSpPr>
+        <p:spPr>
+          <a:xfrm>
+            <a:off x="8610600" y="6356350"/>
+            <a:ext cx="2743200" cy="365125"/>
+          </a:xfrm>
+          <a:prstGeom prst="rect">
+            <a:avLst/>
+          </a:prstGeom>
+        </p:spPr>
+        <p:txBody>
+          <a:bodyPr vert="horz" lIns="91440" tIns="45720" rIns="91440" bIns="45720" rtlCol="0" anchor="ctr"/>
+          <a:lstStyle>
+            <a:defPPr>
+              <a:defRPr lang="en-US"/>
+            </a:defPPr>
+            <a:lvl1pPr marL="0" algn="r" defTabSz="914400" rtl="0" eaLnBrk="1" latinLnBrk="0" hangingPunct="1">
+              <a:defRPr sz="1200" kern="1200">
+                <a:solidFill>
+                  <a:schemeClr val="tx1">
+                    <a:tint val="75000"/>
+                  </a:schemeClr>
+                </a:solidFill>
+                <a:latin typeface="+mn-lt"/>
+                <a:ea typeface="+mn-ea"/>
+                <a:cs typeface="+mn-cs"/>
+              </a:defRPr>
+            </a:lvl1pPr>
+            <a:lvl2pPr marL="457200" algn="l" defTabSz="914400" rtl="0" eaLnBrk="1" latinLnBrk="0" hangingPunct="1">
+              <a:defRPr sz="1800" kern="1200">
+                <a:solidFill>
+                  <a:schemeClr val="tx1"/>
+                </a:solidFill>
+                <a:latin typeface="+mn-lt"/>
+                <a:ea typeface="+mn-ea"/>
+                <a:cs typeface="+mn-cs"/>
+              </a:defRPr>
+            </a:lvl2pPr>
+            <a:lvl3pPr marL="914400" algn="l" defTabSz="914400" rtl="0" eaLnBrk="1" latinLnBrk="0" hangingPunct="1">
+              <a:defRPr sz="1800" kern="1200">
+                <a:solidFill>
+                  <a:schemeClr val="tx1"/>
+                </a:solidFill>
+                <a:latin typeface="+mn-lt"/>
+                <a:ea typeface="+mn-ea"/>
+                <a:cs typeface="+mn-cs"/>
+              </a:defRPr>
+            </a:lvl3pPr>
+            <a:lvl4pPr marL="1371600" algn="l" defTabSz="914400" rtl="0" eaLnBrk="1" latinLnBrk="0" hangingPunct="1">
+              <a:defRPr sz="1800" kern="1200">
+                <a:solidFill>
+                  <a:schemeClr val="tx1"/>
+                </a:solidFill>
+                <a:latin typeface="+mn-lt"/>
+                <a:ea typeface="+mn-ea"/>
+                <a:cs typeface="+mn-cs"/>
+              </a:defRPr>
+            </a:lvl4pPr>
+            <a:lvl5pPr marL="1828800" algn="l" defTabSz="914400" rtl="0" eaLnBrk="1" latinLnBrk="0" hangingPunct="1">
+              <a:defRPr sz="1800" kern="1200">
+                <a:solidFill>
+                  <a:schemeClr val="tx1"/>
+                </a:solidFill>
+                <a:latin typeface="+mn-lt"/>
+                <a:ea typeface="+mn-ea"/>
+                <a:cs typeface="+mn-cs"/>
+              </a:defRPr>
+            </a:lvl5pPr>
+            <a:lvl6pPr marL="2286000" algn="l" defTabSz="914400" rtl="0" eaLnBrk="1" latinLnBrk="0" hangingPunct="1">
+              <a:defRPr sz="1800" kern="1200">
+                <a:solidFill>
+                  <a:schemeClr val="tx1"/>
+                </a:solidFill>
+                <a:latin typeface="+mn-lt"/>
+                <a:ea typeface="+mn-ea"/>
+                <a:cs typeface="+mn-cs"/>
+              </a:defRPr>
+            </a:lvl6pPr>
+            <a:lvl7pPr marL="2743200" algn="l" defTabSz="914400" rtl="0" eaLnBrk="1" latinLnBrk="0" hangingPunct="1">
+              <a:defRPr sz="1800" kern="1200">
+                <a:solidFill>
+                  <a:schemeClr val="tx1"/>
+                </a:solidFill>
+                <a:latin typeface="+mn-lt"/>
+                <a:ea typeface="+mn-ea"/>
+                <a:cs typeface="+mn-cs"/>
+              </a:defRPr>
+            </a:lvl7pPr>
+            <a:lvl8pPr marL="3200400" algn="l" defTabSz="914400" rtl="0" eaLnBrk="1" latinLnBrk="0" hangingPunct="1">
+              <a:defRPr sz="1800" kern="1200">
+                <a:solidFill>
+                  <a:schemeClr val="tx1"/>
+                </a:solidFill>
+                <a:latin typeface="+mn-lt"/>
+                <a:ea typeface="+mn-ea"/>
+                <a:cs typeface="+mn-cs"/>
+              </a:defRPr>
+            </a:lvl8pPr>
+            <a:lvl9pPr marL="3657600" algn="l" defTabSz="914400" rtl="0" eaLnBrk="1" latinLnBrk="0" hangingPunct="1">
+              <a:defRPr sz="1800" kern="1200">
+                <a:solidFill>
+                  <a:schemeClr val="tx1"/>
+                </a:solidFill>
+                <a:latin typeface="+mn-lt"/>
+                <a:ea typeface="+mn-ea"/>
+                <a:cs typeface="+mn-cs"/>
+              </a:defRPr>
+            </a:lvl9pPr>
+          </a:lstStyle>
+          <a:p>
+            <a:fld id="{5122D036-2D90-4845-9DDB-063D61752557}" type="slidenum">
+              <a:rPr lang="en-US" smtClean="0"/>
+              <a:pPr/>
+              <a:t>16</a:t>
+            </a:fld>
+            <a:endParaRPr lang="en-US"/>
+          </a:p>
+        </p:txBody>
+      </p:sp>
+      <p:sp>
+        <p:nvSpPr>
+          <p:cNvPr id="6" name="Content Placeholder 5">
+            <a:extLst>
+              <a:ext uri="{FF2B5EF4-FFF2-40B4-BE49-F238E27FC236}">
+                <a16:creationId xmlns:a16="http://schemas.microsoft.com/office/drawing/2014/main" id="{BCD06A5F-98A0-974E-816A-06BEFD5C34F9}"/>
+              </a:ext>
+            </a:extLst>
+          </p:cNvPr>
+          <p:cNvSpPr>
+            <a:spLocks noGrp="1"/>
+          </p:cNvSpPr>
+          <p:nvPr>
             <p:ph idx="1"/>
           </p:nvPr>
         </p:nvSpPr>
@@ -6988,7 +8817,7 @@
               <a:rPr lang="en-US" dirty="0">
                 <a:latin typeface="Seravek" panose="020B0503040000020004" pitchFamily="34" charset="0"/>
               </a:rPr>
-              <a:t>Association between language and music prediction</a:t>
+              <a:t>Domain-general models of learning</a:t>
             </a:r>
           </a:p>
           <a:p>
@@ -6996,189 +8825,76 @@
               <a:rPr lang="en-US" dirty="0">
                 <a:latin typeface="Seravek" panose="020B0503040000020004" pitchFamily="34" charset="0"/>
               </a:rPr>
-              <a:t>Association between language and non-language prediction in bilinguals</a:t>
-            </a:r>
-          </a:p>
-          <a:p>
+              <a:t>Neural reuse theories </a:t>
+            </a:r>
+            <a:r>
+              <a:rPr lang="en-US" sz="1000" dirty="0">
+                <a:latin typeface="Seravek" panose="020B0503040000020004" pitchFamily="34" charset="0"/>
+              </a:rPr>
+              <a:t>(Asano et al., 2021)</a:t>
+            </a:r>
+          </a:p>
+          <a:p>
+            <a:r>
+              <a:rPr lang="en-US" dirty="0" err="1">
+                <a:latin typeface="Seravek" panose="020B0503040000020004" pitchFamily="34" charset="0"/>
+              </a:rPr>
+              <a:t>Neuroemergentist</a:t>
+            </a:r>
             <a:r>
               <a:rPr lang="en-US" dirty="0">
                 <a:latin typeface="Seravek" panose="020B0503040000020004" pitchFamily="34" charset="0"/>
               </a:rPr>
-              <a:t>Facilitation of learning of new prediction associations</a:t>
+              <a:t> approach </a:t>
+            </a:r>
+            <a:r>
+              <a:rPr lang="en-US" sz="1000" dirty="0">
+                <a:latin typeface="Seravek" panose="020B0503040000020004" pitchFamily="34" charset="0"/>
+              </a:rPr>
+              <a:t>(Hernández et al., 2019)</a:t>
             </a:r>
           </a:p>
         </p:txBody>
       </p:sp>
       <p:sp>
         <p:nvSpPr>
-          <p:cNvPr id="5" name="Slide Number Placeholder 3">
+          <p:cNvPr id="5" name="TextBox 4">
             <a:extLst>
               <a:ext uri="{FF2B5EF4-FFF2-40B4-BE49-F238E27FC236}">
-                <a16:creationId xmlns:a16="http://schemas.microsoft.com/office/drawing/2014/main" id="{0D112FDB-76C0-C14F-807B-E9C0279BF43A}"/>
+                <a16:creationId xmlns:a16="http://schemas.microsoft.com/office/drawing/2014/main" id="{3E98DCD4-FB2A-C241-A29D-5EA4941BF174}"/>
               </a:ext>
             </a:extLst>
           </p:cNvPr>
-          <p:cNvSpPr txBox="1">
-            <a:spLocks/>
-          </p:cNvSpPr>
+          <p:cNvSpPr txBox="1"/>
           <p:nvPr/>
         </p:nvSpPr>
         <p:spPr>
           <a:xfrm>
-            <a:off x="8778607" y="4838156"/>
-            <a:ext cx="354376" cy="357188"/>
+            <a:off x="8802478" y="4869456"/>
+            <a:ext cx="354584" cy="276999"/>
           </a:xfrm>
           <a:prstGeom prst="rect">
             <a:avLst/>
           </a:prstGeom>
-          <a:ln/>
+          <a:noFill/>
         </p:spPr>
         <p:txBody>
-          <a:bodyPr/>
-          <a:lstStyle>
-            <a:defPPr>
-              <a:defRPr lang="en-US"/>
-            </a:defPPr>
-            <a:lvl1pPr algn="l" rtl="0" fontAlgn="base">
-              <a:spcBef>
-                <a:spcPct val="0"/>
-              </a:spcBef>
-              <a:spcAft>
-                <a:spcPct val="0"/>
-              </a:spcAft>
-              <a:defRPr sz="2400" kern="1200">
-                <a:solidFill>
-                  <a:schemeClr val="tx1"/>
-                </a:solidFill>
-                <a:latin typeface="Arial" charset="0"/>
-                <a:ea typeface="ヒラギノ角ゴ Pro W3" charset="0"/>
-                <a:cs typeface="ヒラギノ角ゴ Pro W3" charset="0"/>
-              </a:defRPr>
-            </a:lvl1pPr>
-            <a:lvl2pPr marL="457200" algn="l" rtl="0" fontAlgn="base">
-              <a:spcBef>
-                <a:spcPct val="0"/>
-              </a:spcBef>
-              <a:spcAft>
-                <a:spcPct val="0"/>
-              </a:spcAft>
-              <a:defRPr sz="2400" kern="1200">
-                <a:solidFill>
-                  <a:schemeClr val="tx1"/>
-                </a:solidFill>
-                <a:latin typeface="Arial" charset="0"/>
-                <a:ea typeface="ヒラギノ角ゴ Pro W3" charset="0"/>
-                <a:cs typeface="ヒラギノ角ゴ Pro W3" charset="0"/>
-              </a:defRPr>
-            </a:lvl2pPr>
-            <a:lvl3pPr marL="914400" algn="l" rtl="0" fontAlgn="base">
-              <a:spcBef>
-                <a:spcPct val="0"/>
-              </a:spcBef>
-              <a:spcAft>
-                <a:spcPct val="0"/>
-              </a:spcAft>
-              <a:defRPr sz="2400" kern="1200">
-                <a:solidFill>
-                  <a:schemeClr val="tx1"/>
-                </a:solidFill>
-                <a:latin typeface="Arial" charset="0"/>
-                <a:ea typeface="ヒラギノ角ゴ Pro W3" charset="0"/>
-                <a:cs typeface="ヒラギノ角ゴ Pro W3" charset="0"/>
-              </a:defRPr>
-            </a:lvl3pPr>
-            <a:lvl4pPr marL="1371600" algn="l" rtl="0" fontAlgn="base">
-              <a:spcBef>
-                <a:spcPct val="0"/>
-              </a:spcBef>
-              <a:spcAft>
-                <a:spcPct val="0"/>
-              </a:spcAft>
-              <a:defRPr sz="2400" kern="1200">
-                <a:solidFill>
-                  <a:schemeClr val="tx1"/>
-                </a:solidFill>
-                <a:latin typeface="Arial" charset="0"/>
-                <a:ea typeface="ヒラギノ角ゴ Pro W3" charset="0"/>
-                <a:cs typeface="ヒラギノ角ゴ Pro W3" charset="0"/>
-              </a:defRPr>
-            </a:lvl4pPr>
-            <a:lvl5pPr marL="1828800" algn="l" rtl="0" fontAlgn="base">
-              <a:spcBef>
-                <a:spcPct val="0"/>
-              </a:spcBef>
-              <a:spcAft>
-                <a:spcPct val="0"/>
-              </a:spcAft>
-              <a:defRPr sz="2400" kern="1200">
-                <a:solidFill>
-                  <a:schemeClr val="tx1"/>
-                </a:solidFill>
-                <a:latin typeface="Arial" charset="0"/>
-                <a:ea typeface="ヒラギノ角ゴ Pro W3" charset="0"/>
-                <a:cs typeface="ヒラギノ角ゴ Pro W3" charset="0"/>
-              </a:defRPr>
-            </a:lvl5pPr>
-            <a:lvl6pPr marL="2286000" algn="l" defTabSz="457200" rtl="0" eaLnBrk="1" latinLnBrk="0" hangingPunct="1">
-              <a:defRPr sz="2400" kern="1200">
-                <a:solidFill>
-                  <a:schemeClr val="tx1"/>
-                </a:solidFill>
-                <a:latin typeface="Arial" charset="0"/>
-                <a:ea typeface="ヒラギノ角ゴ Pro W3" charset="0"/>
-                <a:cs typeface="ヒラギノ角ゴ Pro W3" charset="0"/>
-              </a:defRPr>
-            </a:lvl6pPr>
-            <a:lvl7pPr marL="2743200" algn="l" defTabSz="457200" rtl="0" eaLnBrk="1" latinLnBrk="0" hangingPunct="1">
-              <a:defRPr sz="2400" kern="1200">
-                <a:solidFill>
-                  <a:schemeClr val="tx1"/>
-                </a:solidFill>
-                <a:latin typeface="Arial" charset="0"/>
-                <a:ea typeface="ヒラギノ角ゴ Pro W3" charset="0"/>
-                <a:cs typeface="ヒラギノ角ゴ Pro W3" charset="0"/>
-              </a:defRPr>
-            </a:lvl7pPr>
-            <a:lvl8pPr marL="3200400" algn="l" defTabSz="457200" rtl="0" eaLnBrk="1" latinLnBrk="0" hangingPunct="1">
-              <a:defRPr sz="2400" kern="1200">
-                <a:solidFill>
-                  <a:schemeClr val="tx1"/>
-                </a:solidFill>
-                <a:latin typeface="Arial" charset="0"/>
-                <a:ea typeface="ヒラギノ角ゴ Pro W3" charset="0"/>
-                <a:cs typeface="ヒラギノ角ゴ Pro W3" charset="0"/>
-              </a:defRPr>
-            </a:lvl8pPr>
-            <a:lvl9pPr marL="3657600" algn="l" defTabSz="457200" rtl="0" eaLnBrk="1" latinLnBrk="0" hangingPunct="1">
-              <a:defRPr sz="2400" kern="1200">
-                <a:solidFill>
-                  <a:schemeClr val="tx1"/>
-                </a:solidFill>
-                <a:latin typeface="Arial" charset="0"/>
-                <a:ea typeface="ヒラギノ角ゴ Pro W3" charset="0"/>
-                <a:cs typeface="ヒラギノ角ゴ Pro W3" charset="0"/>
-              </a:defRPr>
-            </a:lvl9pPr>
-          </a:lstStyle>
-          <a:p>
-            <a:pPr>
-              <a:defRPr/>
-            </a:pPr>
-            <a:fld id="{45488343-B159-074D-B355-B61FD1A20D53}" type="slidenum">
-              <a:rPr lang="en-US" sz="1200" smtClean="0"/>
-              <a:pPr>
-                <a:defRPr/>
-              </a:pPr>
+          <a:bodyPr wrap="none" rtlCol="0">
+            <a:spAutoFit/>
+          </a:bodyPr>
+          <a:lstStyle/>
+          <a:p>
+            <a:r>
+              <a:rPr lang="en-US" sz="1200" dirty="0"/>
               <a:t>16</a:t>
-            </a:fld>
-            <a:endParaRPr lang="en-US" sz="1200" dirty="0"/>
+            </a:r>
           </a:p>
         </p:txBody>
       </p:sp>
     </p:spTree>
     <p:extLst>
       <p:ext uri="{BB962C8B-B14F-4D97-AF65-F5344CB8AC3E}">
-        <p14:creationId xmlns:p14="http://schemas.microsoft.com/office/powerpoint/2010/main" val="1952110521"/>
+        <p14:creationId xmlns:p14="http://schemas.microsoft.com/office/powerpoint/2010/main" val="3780761458"/>
       </p:ext>
     </p:extLst>
   </p:cSld>
@@ -7230,7 +8946,7 @@
               <a:rPr lang="en-US" dirty="0">
                 <a:latin typeface="Seravek" panose="020B0503040000020004" pitchFamily="34" charset="0"/>
               </a:rPr>
-              <a:t>Pedagogical implications</a:t>
+              <a:t>Future research</a:t>
             </a:r>
           </a:p>
         </p:txBody>
@@ -7260,7 +8976,7 @@
               <a:rPr lang="en-US" dirty="0">
                 <a:latin typeface="Seravek" panose="020B0503040000020004" pitchFamily="34" charset="0"/>
               </a:rPr>
-              <a:t>Importance of teaching L2 prosody</a:t>
+              <a:t>Association between language and non-language prediction in bilinguals</a:t>
             </a:r>
           </a:p>
           <a:p>
@@ -7268,36 +8984,170 @@
               <a:rPr lang="en-US" dirty="0">
                 <a:latin typeface="Seravek" panose="020B0503040000020004" pitchFamily="34" charset="0"/>
               </a:rPr>
-              <a:t>Expanding real life situations in which L2 learners use the L2</a:t>
+              <a:t>Association between language and music prediction</a:t>
+            </a:r>
+          </a:p>
+          <a:p>
+            <a:r>
+              <a:rPr lang="en-US" dirty="0">
+                <a:latin typeface="Seravek" panose="020B0503040000020004" pitchFamily="34" charset="0"/>
+              </a:rPr>
+              <a:t>Training</a:t>
             </a:r>
           </a:p>
         </p:txBody>
       </p:sp>
       <p:sp>
         <p:nvSpPr>
-          <p:cNvPr id="4" name="Slide Number Placeholder 3">
+          <p:cNvPr id="5" name="Slide Number Placeholder 3">
             <a:extLst>
               <a:ext uri="{FF2B5EF4-FFF2-40B4-BE49-F238E27FC236}">
-                <a16:creationId xmlns:a16="http://schemas.microsoft.com/office/drawing/2014/main" id="{23B165FE-39D6-7F4B-90AD-A7C7BDD459AE}"/>
+                <a16:creationId xmlns:a16="http://schemas.microsoft.com/office/drawing/2014/main" id="{0D112FDB-76C0-C14F-807B-E9C0279BF43A}"/>
               </a:ext>
             </a:extLst>
           </p:cNvPr>
-          <p:cNvSpPr>
-            <a:spLocks noGrp="1"/>
-          </p:cNvSpPr>
-          <p:nvPr>
-            <p:ph type="sldNum" sz="quarter" idx="10"/>
-          </p:nvPr>
+          <p:cNvSpPr txBox="1">
+            <a:spLocks/>
+          </p:cNvSpPr>
+          <p:nvPr/>
         </p:nvSpPr>
         <p:spPr>
           <a:xfrm>
-            <a:off x="8789625" y="4838157"/>
-            <a:ext cx="387427" cy="357188"/>
+            <a:off x="8778607" y="4838156"/>
+            <a:ext cx="354376" cy="357188"/>
           </a:xfrm>
+          <a:prstGeom prst="rect">
+            <a:avLst/>
+          </a:prstGeom>
+          <a:ln/>
         </p:spPr>
         <p:txBody>
           <a:bodyPr/>
-          <a:lstStyle/>
+          <a:lstStyle>
+            <a:defPPr>
+              <a:defRPr lang="en-US"/>
+            </a:defPPr>
+            <a:lvl1pPr algn="l" rtl="0" fontAlgn="base">
+              <a:spcBef>
+                <a:spcPct val="0"/>
+              </a:spcBef>
+              <a:spcAft>
+                <a:spcPct val="0"/>
+              </a:spcAft>
+              <a:defRPr sz="2400" kern="1200">
+                <a:solidFill>
+                  <a:schemeClr val="tx1"/>
+                </a:solidFill>
+                <a:latin typeface="Arial" charset="0"/>
+                <a:ea typeface="ヒラギノ角ゴ Pro W3" charset="0"/>
+                <a:cs typeface="ヒラギノ角ゴ Pro W3" charset="0"/>
+              </a:defRPr>
+            </a:lvl1pPr>
+            <a:lvl2pPr marL="457200" algn="l" rtl="0" fontAlgn="base">
+              <a:spcBef>
+                <a:spcPct val="0"/>
+              </a:spcBef>
+              <a:spcAft>
+                <a:spcPct val="0"/>
+              </a:spcAft>
+              <a:defRPr sz="2400" kern="1200">
+                <a:solidFill>
+                  <a:schemeClr val="tx1"/>
+                </a:solidFill>
+                <a:latin typeface="Arial" charset="0"/>
+                <a:ea typeface="ヒラギノ角ゴ Pro W3" charset="0"/>
+                <a:cs typeface="ヒラギノ角ゴ Pro W3" charset="0"/>
+              </a:defRPr>
+            </a:lvl2pPr>
+            <a:lvl3pPr marL="914400" algn="l" rtl="0" fontAlgn="base">
+              <a:spcBef>
+                <a:spcPct val="0"/>
+              </a:spcBef>
+              <a:spcAft>
+                <a:spcPct val="0"/>
+              </a:spcAft>
+              <a:defRPr sz="2400" kern="1200">
+                <a:solidFill>
+                  <a:schemeClr val="tx1"/>
+                </a:solidFill>
+                <a:latin typeface="Arial" charset="0"/>
+                <a:ea typeface="ヒラギノ角ゴ Pro W3" charset="0"/>
+                <a:cs typeface="ヒラギノ角ゴ Pro W3" charset="0"/>
+              </a:defRPr>
+            </a:lvl3pPr>
+            <a:lvl4pPr marL="1371600" algn="l" rtl="0" fontAlgn="base">
+              <a:spcBef>
+                <a:spcPct val="0"/>
+              </a:spcBef>
+              <a:spcAft>
+                <a:spcPct val="0"/>
+              </a:spcAft>
+              <a:defRPr sz="2400" kern="1200">
+                <a:solidFill>
+                  <a:schemeClr val="tx1"/>
+                </a:solidFill>
+                <a:latin typeface="Arial" charset="0"/>
+                <a:ea typeface="ヒラギノ角ゴ Pro W3" charset="0"/>
+                <a:cs typeface="ヒラギノ角ゴ Pro W3" charset="0"/>
+              </a:defRPr>
+            </a:lvl4pPr>
+            <a:lvl5pPr marL="1828800" algn="l" rtl="0" fontAlgn="base">
+              <a:spcBef>
+                <a:spcPct val="0"/>
+              </a:spcBef>
+              <a:spcAft>
+                <a:spcPct val="0"/>
+              </a:spcAft>
+              <a:defRPr sz="2400" kern="1200">
+                <a:solidFill>
+                  <a:schemeClr val="tx1"/>
+                </a:solidFill>
+                <a:latin typeface="Arial" charset="0"/>
+                <a:ea typeface="ヒラギノ角ゴ Pro W3" charset="0"/>
+                <a:cs typeface="ヒラギノ角ゴ Pro W3" charset="0"/>
+              </a:defRPr>
+            </a:lvl5pPr>
+            <a:lvl6pPr marL="2286000" algn="l" defTabSz="457200" rtl="0" eaLnBrk="1" latinLnBrk="0" hangingPunct="1">
+              <a:defRPr sz="2400" kern="1200">
+                <a:solidFill>
+                  <a:schemeClr val="tx1"/>
+                </a:solidFill>
+                <a:latin typeface="Arial" charset="0"/>
+                <a:ea typeface="ヒラギノ角ゴ Pro W3" charset="0"/>
+                <a:cs typeface="ヒラギノ角ゴ Pro W3" charset="0"/>
+              </a:defRPr>
+            </a:lvl6pPr>
+            <a:lvl7pPr marL="2743200" algn="l" defTabSz="457200" rtl="0" eaLnBrk="1" latinLnBrk="0" hangingPunct="1">
+              <a:defRPr sz="2400" kern="1200">
+                <a:solidFill>
+                  <a:schemeClr val="tx1"/>
+                </a:solidFill>
+                <a:latin typeface="Arial" charset="0"/>
+                <a:ea typeface="ヒラギノ角ゴ Pro W3" charset="0"/>
+                <a:cs typeface="ヒラギノ角ゴ Pro W3" charset="0"/>
+              </a:defRPr>
+            </a:lvl7pPr>
+            <a:lvl8pPr marL="3200400" algn="l" defTabSz="457200" rtl="0" eaLnBrk="1" latinLnBrk="0" hangingPunct="1">
+              <a:defRPr sz="2400" kern="1200">
+                <a:solidFill>
+                  <a:schemeClr val="tx1"/>
+                </a:solidFill>
+                <a:latin typeface="Arial" charset="0"/>
+                <a:ea typeface="ヒラギノ角ゴ Pro W3" charset="0"/>
+                <a:cs typeface="ヒラギノ角ゴ Pro W3" charset="0"/>
+              </a:defRPr>
+            </a:lvl8pPr>
+            <a:lvl9pPr marL="3657600" algn="l" defTabSz="457200" rtl="0" eaLnBrk="1" latinLnBrk="0" hangingPunct="1">
+              <a:defRPr sz="2400" kern="1200">
+                <a:solidFill>
+                  <a:schemeClr val="tx1"/>
+                </a:solidFill>
+                <a:latin typeface="Arial" charset="0"/>
+                <a:ea typeface="ヒラギノ角ゴ Pro W3" charset="0"/>
+                <a:cs typeface="ヒラギノ角ゴ Pro W3" charset="0"/>
+              </a:defRPr>
+            </a:lvl9pPr>
+          </a:lstStyle>
           <a:p>
             <a:pPr>
               <a:defRPr/>
@@ -7309,14 +9159,14 @@
               </a:pPr>
               <a:t>17</a:t>
             </a:fld>
-            <a:endParaRPr lang="en-US" sz="1200"/>
+            <a:endParaRPr lang="en-US" sz="1200" dirty="0"/>
           </a:p>
         </p:txBody>
       </p:sp>
     </p:spTree>
     <p:extLst>
       <p:ext uri="{BB962C8B-B14F-4D97-AF65-F5344CB8AC3E}">
-        <p14:creationId xmlns:p14="http://schemas.microsoft.com/office/powerpoint/2010/main" val="2128061850"/>
+        <p14:creationId xmlns:p14="http://schemas.microsoft.com/office/powerpoint/2010/main" val="1952110521"/>
       </p:ext>
     </p:extLst>
   </p:cSld>
@@ -7348,7 +9198,7 @@
           <p:cNvPr id="2" name="Title 1">
             <a:extLst>
               <a:ext uri="{FF2B5EF4-FFF2-40B4-BE49-F238E27FC236}">
-                <a16:creationId xmlns:a16="http://schemas.microsoft.com/office/drawing/2014/main" id="{CCC59F13-0FE1-B848-AF1E-76CD1950E548}"/>
+                <a16:creationId xmlns:a16="http://schemas.microsoft.com/office/drawing/2014/main" id="{DE5C8408-25ED-1442-88C7-3328A89462F2}"/>
               </a:ext>
             </a:extLst>
           </p:cNvPr>
@@ -7368,7 +9218,7 @@
               <a:rPr lang="en-US" dirty="0">
                 <a:latin typeface="Seravek" panose="020B0503040000020004" pitchFamily="34" charset="0"/>
               </a:rPr>
-              <a:t>Conclusion</a:t>
+              <a:t>Pedagogical implications</a:t>
             </a:r>
           </a:p>
         </p:txBody>
@@ -7378,7 +9228,7 @@
           <p:cNvPr id="3" name="Content Placeholder 2">
             <a:extLst>
               <a:ext uri="{FF2B5EF4-FFF2-40B4-BE49-F238E27FC236}">
-                <a16:creationId xmlns:a16="http://schemas.microsoft.com/office/drawing/2014/main" id="{73662055-F732-8F4C-AE4B-0819FF97C0EE}"/>
+                <a16:creationId xmlns:a16="http://schemas.microsoft.com/office/drawing/2014/main" id="{89D91846-3344-B14B-A17F-4E8C7A9CFE0F}"/>
               </a:ext>
             </a:extLst>
           </p:cNvPr>
@@ -7398,36 +9248,16 @@
               <a:rPr lang="en-US" dirty="0">
                 <a:latin typeface="Seravek" panose="020B0503040000020004" pitchFamily="34" charset="0"/>
               </a:rPr>
-              <a:t>Distinct language experiences shape language processing and prediction differently</a:t>
-            </a:r>
-          </a:p>
-          <a:p>
-            <a:pPr lvl="1"/>
+              <a:t>Importance of teaching L2 prosody</a:t>
+            </a:r>
+          </a:p>
+          <a:p>
             <a:r>
               <a:rPr lang="en-US" dirty="0">
                 <a:latin typeface="Seravek" panose="020B0503040000020004" pitchFamily="34" charset="0"/>
               </a:rPr>
-              <a:t>Need to heed language use more closely</a:t>
-            </a:r>
-          </a:p>
-          <a:p>
-            <a:pPr lvl="1"/>
-            <a:endParaRPr lang="en-US" dirty="0">
-              <a:latin typeface="Seravek" panose="020B0503040000020004" pitchFamily="34" charset="0"/>
-            </a:endParaRPr>
-          </a:p>
-          <a:p>
-            <a:r>
-              <a:rPr lang="en-US" dirty="0">
-                <a:latin typeface="Seravek" panose="020B0503040000020004" pitchFamily="34" charset="0"/>
-              </a:rPr>
-              <a:t>Prediction abilities may share common mechanisms across cognition</a:t>
-            </a:r>
-          </a:p>
-          <a:p>
-            <a:endParaRPr lang="en-US" dirty="0">
-              <a:latin typeface="Seravek" panose="020B0503040000020004" pitchFamily="34" charset="0"/>
-            </a:endParaRPr>
+              <a:t>Expanding real life situations in which L2 learners use the L2</a:t>
+            </a:r>
           </a:p>
         </p:txBody>
       </p:sp>
@@ -7436,7 +9266,7 @@
           <p:cNvPr id="4" name="Slide Number Placeholder 3">
             <a:extLst>
               <a:ext uri="{FF2B5EF4-FFF2-40B4-BE49-F238E27FC236}">
-                <a16:creationId xmlns:a16="http://schemas.microsoft.com/office/drawing/2014/main" id="{993B32B3-3D53-0C48-AD31-B930A2D8ACE8}"/>
+                <a16:creationId xmlns:a16="http://schemas.microsoft.com/office/drawing/2014/main" id="{23B165FE-39D6-7F4B-90AD-A7C7BDD459AE}"/>
               </a:ext>
             </a:extLst>
           </p:cNvPr>
@@ -7444,166 +9274,37 @@
             <a:spLocks noGrp="1"/>
           </p:cNvSpPr>
           <p:nvPr>
-            <p:ph type="sldNum" sz="quarter" idx="12"/>
+            <p:ph type="sldNum" sz="quarter" idx="10"/>
           </p:nvPr>
         </p:nvSpPr>
         <p:spPr>
           <a:xfrm>
-            <a:off x="8610600" y="6356350"/>
-            <a:ext cx="2743200" cy="365125"/>
+            <a:off x="8789625" y="4838157"/>
+            <a:ext cx="387427" cy="357188"/>
           </a:xfrm>
-          <a:prstGeom prst="rect">
-            <a:avLst/>
-          </a:prstGeom>
         </p:spPr>
         <p:txBody>
-          <a:bodyPr vert="horz" lIns="91440" tIns="45720" rIns="91440" bIns="45720" rtlCol="0" anchor="ctr"/>
-          <a:lstStyle>
-            <a:defPPr>
-              <a:defRPr lang="en-US"/>
-            </a:defPPr>
-            <a:lvl1pPr marL="0" algn="r" defTabSz="914400" rtl="0" eaLnBrk="1" latinLnBrk="0" hangingPunct="1">
-              <a:defRPr sz="1200" kern="1200">
-                <a:solidFill>
-                  <a:schemeClr val="tx1">
-                    <a:tint val="75000"/>
-                  </a:schemeClr>
-                </a:solidFill>
-                <a:latin typeface="+mn-lt"/>
-                <a:ea typeface="+mn-ea"/>
-                <a:cs typeface="+mn-cs"/>
-              </a:defRPr>
-            </a:lvl1pPr>
-            <a:lvl2pPr marL="457200" algn="l" defTabSz="914400" rtl="0" eaLnBrk="1" latinLnBrk="0" hangingPunct="1">
-              <a:defRPr sz="1800" kern="1200">
-                <a:solidFill>
-                  <a:schemeClr val="tx1"/>
-                </a:solidFill>
-                <a:latin typeface="+mn-lt"/>
-                <a:ea typeface="+mn-ea"/>
-                <a:cs typeface="+mn-cs"/>
-              </a:defRPr>
-            </a:lvl2pPr>
-            <a:lvl3pPr marL="914400" algn="l" defTabSz="914400" rtl="0" eaLnBrk="1" latinLnBrk="0" hangingPunct="1">
-              <a:defRPr sz="1800" kern="1200">
-                <a:solidFill>
-                  <a:schemeClr val="tx1"/>
-                </a:solidFill>
-                <a:latin typeface="+mn-lt"/>
-                <a:ea typeface="+mn-ea"/>
-                <a:cs typeface="+mn-cs"/>
-              </a:defRPr>
-            </a:lvl3pPr>
-            <a:lvl4pPr marL="1371600" algn="l" defTabSz="914400" rtl="0" eaLnBrk="1" latinLnBrk="0" hangingPunct="1">
-              <a:defRPr sz="1800" kern="1200">
-                <a:solidFill>
-                  <a:schemeClr val="tx1"/>
-                </a:solidFill>
-                <a:latin typeface="+mn-lt"/>
-                <a:ea typeface="+mn-ea"/>
-                <a:cs typeface="+mn-cs"/>
-              </a:defRPr>
-            </a:lvl4pPr>
-            <a:lvl5pPr marL="1828800" algn="l" defTabSz="914400" rtl="0" eaLnBrk="1" latinLnBrk="0" hangingPunct="1">
-              <a:defRPr sz="1800" kern="1200">
-                <a:solidFill>
-                  <a:schemeClr val="tx1"/>
-                </a:solidFill>
-                <a:latin typeface="+mn-lt"/>
-                <a:ea typeface="+mn-ea"/>
-                <a:cs typeface="+mn-cs"/>
-              </a:defRPr>
-            </a:lvl5pPr>
-            <a:lvl6pPr marL="2286000" algn="l" defTabSz="914400" rtl="0" eaLnBrk="1" latinLnBrk="0" hangingPunct="1">
-              <a:defRPr sz="1800" kern="1200">
-                <a:solidFill>
-                  <a:schemeClr val="tx1"/>
-                </a:solidFill>
-                <a:latin typeface="+mn-lt"/>
-                <a:ea typeface="+mn-ea"/>
-                <a:cs typeface="+mn-cs"/>
-              </a:defRPr>
-            </a:lvl6pPr>
-            <a:lvl7pPr marL="2743200" algn="l" defTabSz="914400" rtl="0" eaLnBrk="1" latinLnBrk="0" hangingPunct="1">
-              <a:defRPr sz="1800" kern="1200">
-                <a:solidFill>
-                  <a:schemeClr val="tx1"/>
-                </a:solidFill>
-                <a:latin typeface="+mn-lt"/>
-                <a:ea typeface="+mn-ea"/>
-                <a:cs typeface="+mn-cs"/>
-              </a:defRPr>
-            </a:lvl7pPr>
-            <a:lvl8pPr marL="3200400" algn="l" defTabSz="914400" rtl="0" eaLnBrk="1" latinLnBrk="0" hangingPunct="1">
-              <a:defRPr sz="1800" kern="1200">
-                <a:solidFill>
-                  <a:schemeClr val="tx1"/>
-                </a:solidFill>
-                <a:latin typeface="+mn-lt"/>
-                <a:ea typeface="+mn-ea"/>
-                <a:cs typeface="+mn-cs"/>
-              </a:defRPr>
-            </a:lvl8pPr>
-            <a:lvl9pPr marL="3657600" algn="l" defTabSz="914400" rtl="0" eaLnBrk="1" latinLnBrk="0" hangingPunct="1">
-              <a:defRPr sz="1800" kern="1200">
-                <a:solidFill>
-                  <a:schemeClr val="tx1"/>
-                </a:solidFill>
-                <a:latin typeface="+mn-lt"/>
-                <a:ea typeface="+mn-ea"/>
-                <a:cs typeface="+mn-cs"/>
-              </a:defRPr>
-            </a:lvl9pPr>
-          </a:lstStyle>
-          <a:p>
-            <a:fld id="{5122D036-2D90-4845-9DDB-063D61752557}" type="slidenum">
-              <a:rPr lang="en-US" smtClean="0"/>
-              <a:pPr/>
+          <a:bodyPr/>
+          <a:lstStyle/>
+          <a:p>
+            <a:pPr>
+              <a:defRPr/>
+            </a:pPr>
+            <a:fld id="{45488343-B159-074D-B355-B61FD1A20D53}" type="slidenum">
+              <a:rPr lang="en-US" sz="1200" smtClean="0"/>
+              <a:pPr>
+                <a:defRPr/>
+              </a:pPr>
               <a:t>18</a:t>
             </a:fld>
-            <a:endParaRPr lang="en-US"/>
-          </a:p>
-        </p:txBody>
-      </p:sp>
-      <p:sp>
-        <p:nvSpPr>
-          <p:cNvPr id="5" name="TextBox 4">
-            <a:extLst>
-              <a:ext uri="{FF2B5EF4-FFF2-40B4-BE49-F238E27FC236}">
-                <a16:creationId xmlns:a16="http://schemas.microsoft.com/office/drawing/2014/main" id="{D17628D6-674A-CF4B-B828-A868CB4D548F}"/>
-              </a:ext>
-            </a:extLst>
-          </p:cNvPr>
-          <p:cNvSpPr txBox="1"/>
-          <p:nvPr/>
-        </p:nvSpPr>
-        <p:spPr>
-          <a:xfrm>
-            <a:off x="8802478" y="4869456"/>
-            <a:ext cx="354584" cy="276999"/>
-          </a:xfrm>
-          <a:prstGeom prst="rect">
-            <a:avLst/>
-          </a:prstGeom>
-          <a:noFill/>
-        </p:spPr>
-        <p:txBody>
-          <a:bodyPr wrap="none" rtlCol="0">
-            <a:spAutoFit/>
-          </a:bodyPr>
-          <a:lstStyle/>
-          <a:p>
-            <a:r>
-              <a:rPr lang="en-US" sz="1200" dirty="0"/>
-              <a:t>18</a:t>
-            </a:r>
+            <a:endParaRPr lang="en-US" sz="1200"/>
           </a:p>
         </p:txBody>
       </p:sp>
     </p:spTree>
     <p:extLst>
       <p:ext uri="{BB962C8B-B14F-4D97-AF65-F5344CB8AC3E}">
-        <p14:creationId xmlns:p14="http://schemas.microsoft.com/office/powerpoint/2010/main" val="3789519601"/>
+        <p14:creationId xmlns:p14="http://schemas.microsoft.com/office/powerpoint/2010/main" val="2128061850"/>
       </p:ext>
     </p:extLst>
   </p:cSld>
@@ -7632,10 +9333,10 @@
       </p:grpSpPr>
       <p:sp>
         <p:nvSpPr>
-          <p:cNvPr id="5" name="Title 4">
+          <p:cNvPr id="2" name="Title 1">
             <a:extLst>
               <a:ext uri="{FF2B5EF4-FFF2-40B4-BE49-F238E27FC236}">
-                <a16:creationId xmlns:a16="http://schemas.microsoft.com/office/drawing/2014/main" id="{E916856F-33E1-7542-95DB-10D0784FC92F}"/>
+                <a16:creationId xmlns:a16="http://schemas.microsoft.com/office/drawing/2014/main" id="{CCC59F13-0FE1-B848-AF1E-76CD1950E548}"/>
               </a:ext>
             </a:extLst>
           </p:cNvPr>
@@ -7655,17 +9356,17 @@
               <a:rPr lang="en-US" dirty="0">
                 <a:latin typeface="Seravek" panose="020B0503040000020004" pitchFamily="34" charset="0"/>
               </a:rPr>
-              <a:t>Thank you.</a:t>
+              <a:t>Conclusion</a:t>
             </a:r>
           </a:p>
         </p:txBody>
       </p:sp>
       <p:sp>
         <p:nvSpPr>
-          <p:cNvPr id="6" name="Text Placeholder 5">
+          <p:cNvPr id="3" name="Content Placeholder 2">
             <a:extLst>
               <a:ext uri="{FF2B5EF4-FFF2-40B4-BE49-F238E27FC236}">
-                <a16:creationId xmlns:a16="http://schemas.microsoft.com/office/drawing/2014/main" id="{618B4D38-997C-3B43-BBA4-05BC109EB8DF}"/>
+                <a16:creationId xmlns:a16="http://schemas.microsoft.com/office/drawing/2014/main" id="{73662055-F732-8F4C-AE4B-0819FF97C0EE}"/>
               </a:ext>
             </a:extLst>
           </p:cNvPr>
@@ -7673,7 +9374,7 @@
             <a:spLocks noGrp="1"/>
           </p:cNvSpPr>
           <p:nvPr>
-            <p:ph type="body" idx="1"/>
+            <p:ph idx="1"/>
           </p:nvPr>
         </p:nvSpPr>
         <p:spPr/>
@@ -7681,7 +9382,40 @@
           <a:bodyPr/>
           <a:lstStyle/>
           <a:p>
-            <a:endParaRPr lang="en-US" dirty="0"/>
+            <a:r>
+              <a:rPr lang="en-US" dirty="0">
+                <a:latin typeface="Seravek" panose="020B0503040000020004" pitchFamily="34" charset="0"/>
+              </a:rPr>
+              <a:t>Distinct language experiences shape language processing and prediction differently</a:t>
+            </a:r>
+          </a:p>
+          <a:p>
+            <a:pPr lvl="1"/>
+            <a:r>
+              <a:rPr lang="en-US" dirty="0">
+                <a:latin typeface="Seravek" panose="020B0503040000020004" pitchFamily="34" charset="0"/>
+              </a:rPr>
+              <a:t>Need to heed language use more closely</a:t>
+            </a:r>
+          </a:p>
+          <a:p>
+            <a:pPr lvl="1"/>
+            <a:endParaRPr lang="en-US" dirty="0">
+              <a:latin typeface="Seravek" panose="020B0503040000020004" pitchFamily="34" charset="0"/>
+            </a:endParaRPr>
+          </a:p>
+          <a:p>
+            <a:r>
+              <a:rPr lang="en-US" dirty="0">
+                <a:latin typeface="Seravek" panose="020B0503040000020004" pitchFamily="34" charset="0"/>
+              </a:rPr>
+              <a:t>Prediction abilities may share common mechanisms across cognition</a:t>
+            </a:r>
+          </a:p>
+          <a:p>
+            <a:endParaRPr lang="en-US" dirty="0">
+              <a:latin typeface="Seravek" panose="020B0503040000020004" pitchFamily="34" charset="0"/>
+            </a:endParaRPr>
           </a:p>
         </p:txBody>
       </p:sp>
@@ -7690,7 +9424,7 @@
           <p:cNvPr id="4" name="Slide Number Placeholder 3">
             <a:extLst>
               <a:ext uri="{FF2B5EF4-FFF2-40B4-BE49-F238E27FC236}">
-                <a16:creationId xmlns:a16="http://schemas.microsoft.com/office/drawing/2014/main" id="{62384932-6C58-EF4D-8AB8-22192A27D354}"/>
+                <a16:creationId xmlns:a16="http://schemas.microsoft.com/office/drawing/2014/main" id="{993B32B3-3D53-0C48-AD31-B930A2D8ACE8}"/>
               </a:ext>
             </a:extLst>
           </p:cNvPr>
@@ -7819,10 +9553,45 @@
           </a:p>
         </p:txBody>
       </p:sp>
+      <p:sp>
+        <p:nvSpPr>
+          <p:cNvPr id="5" name="TextBox 4">
+            <a:extLst>
+              <a:ext uri="{FF2B5EF4-FFF2-40B4-BE49-F238E27FC236}">
+                <a16:creationId xmlns:a16="http://schemas.microsoft.com/office/drawing/2014/main" id="{D17628D6-674A-CF4B-B828-A868CB4D548F}"/>
+              </a:ext>
+            </a:extLst>
+          </p:cNvPr>
+          <p:cNvSpPr txBox="1"/>
+          <p:nvPr/>
+        </p:nvSpPr>
+        <p:spPr>
+          <a:xfrm>
+            <a:off x="8802478" y="4869456"/>
+            <a:ext cx="354584" cy="276999"/>
+          </a:xfrm>
+          <a:prstGeom prst="rect">
+            <a:avLst/>
+          </a:prstGeom>
+          <a:noFill/>
+        </p:spPr>
+        <p:txBody>
+          <a:bodyPr wrap="none" rtlCol="0">
+            <a:spAutoFit/>
+          </a:bodyPr>
+          <a:lstStyle/>
+          <a:p>
+            <a:r>
+              <a:rPr lang="en-US" sz="1200" dirty="0"/>
+              <a:t>18</a:t>
+            </a:r>
+          </a:p>
+        </p:txBody>
+      </p:sp>
     </p:spTree>
     <p:extLst>
       <p:ext uri="{BB962C8B-B14F-4D97-AF65-F5344CB8AC3E}">
-        <p14:creationId xmlns:p14="http://schemas.microsoft.com/office/powerpoint/2010/main" val="2299246260"/>
+        <p14:creationId xmlns:p14="http://schemas.microsoft.com/office/powerpoint/2010/main" val="3789519601"/>
       </p:ext>
     </p:extLst>
   </p:cSld>
@@ -8145,6 +9914,225 @@
     <p:extLst>
       <p:ext uri="{BB962C8B-B14F-4D97-AF65-F5344CB8AC3E}">
         <p14:creationId xmlns:p14="http://schemas.microsoft.com/office/powerpoint/2010/main" val="3077106443"/>
+      </p:ext>
+    </p:extLst>
+  </p:cSld>
+  <p:clrMapOvr>
+    <a:masterClrMapping/>
+  </p:clrMapOvr>
+</p:sld>
+</file>
+
+<file path=ppt/slides/slide20.xml><?xml version="1.0" encoding="utf-8"?>
+<p:sld xmlns:a="http://schemas.openxmlformats.org/drawingml/2006/main" xmlns:r="http://schemas.openxmlformats.org/officeDocument/2006/relationships" xmlns:p="http://schemas.openxmlformats.org/presentationml/2006/main">
+  <p:cSld>
+    <p:spTree>
+      <p:nvGrpSpPr>
+        <p:cNvPr id="1" name=""/>
+        <p:cNvGrpSpPr/>
+        <p:nvPr/>
+      </p:nvGrpSpPr>
+      <p:grpSpPr>
+        <a:xfrm>
+          <a:off x="0" y="0"/>
+          <a:ext cx="0" cy="0"/>
+          <a:chOff x="0" y="0"/>
+          <a:chExt cx="0" cy="0"/>
+        </a:xfrm>
+      </p:grpSpPr>
+      <p:sp>
+        <p:nvSpPr>
+          <p:cNvPr id="5" name="Title 4">
+            <a:extLst>
+              <a:ext uri="{FF2B5EF4-FFF2-40B4-BE49-F238E27FC236}">
+                <a16:creationId xmlns:a16="http://schemas.microsoft.com/office/drawing/2014/main" id="{E916856F-33E1-7542-95DB-10D0784FC92F}"/>
+              </a:ext>
+            </a:extLst>
+          </p:cNvPr>
+          <p:cNvSpPr>
+            <a:spLocks noGrp="1"/>
+          </p:cNvSpPr>
+          <p:nvPr>
+            <p:ph type="title"/>
+          </p:nvPr>
+        </p:nvSpPr>
+        <p:spPr/>
+        <p:txBody>
+          <a:bodyPr/>
+          <a:lstStyle/>
+          <a:p>
+            <a:r>
+              <a:rPr lang="en-US" dirty="0">
+                <a:latin typeface="Seravek" panose="020B0503040000020004" pitchFamily="34" charset="0"/>
+              </a:rPr>
+              <a:t>Thank you.</a:t>
+            </a:r>
+          </a:p>
+        </p:txBody>
+      </p:sp>
+      <p:sp>
+        <p:nvSpPr>
+          <p:cNvPr id="6" name="Text Placeholder 5">
+            <a:extLst>
+              <a:ext uri="{FF2B5EF4-FFF2-40B4-BE49-F238E27FC236}">
+                <a16:creationId xmlns:a16="http://schemas.microsoft.com/office/drawing/2014/main" id="{618B4D38-997C-3B43-BBA4-05BC109EB8DF}"/>
+              </a:ext>
+            </a:extLst>
+          </p:cNvPr>
+          <p:cNvSpPr>
+            <a:spLocks noGrp="1"/>
+          </p:cNvSpPr>
+          <p:nvPr>
+            <p:ph type="body" idx="1"/>
+          </p:nvPr>
+        </p:nvSpPr>
+        <p:spPr/>
+        <p:txBody>
+          <a:bodyPr/>
+          <a:lstStyle/>
+          <a:p>
+            <a:endParaRPr lang="en-US" dirty="0"/>
+          </a:p>
+        </p:txBody>
+      </p:sp>
+      <p:sp>
+        <p:nvSpPr>
+          <p:cNvPr id="4" name="Slide Number Placeholder 3">
+            <a:extLst>
+              <a:ext uri="{FF2B5EF4-FFF2-40B4-BE49-F238E27FC236}">
+                <a16:creationId xmlns:a16="http://schemas.microsoft.com/office/drawing/2014/main" id="{62384932-6C58-EF4D-8AB8-22192A27D354}"/>
+              </a:ext>
+            </a:extLst>
+          </p:cNvPr>
+          <p:cNvSpPr>
+            <a:spLocks noGrp="1"/>
+          </p:cNvSpPr>
+          <p:nvPr>
+            <p:ph type="sldNum" sz="quarter" idx="12"/>
+          </p:nvPr>
+        </p:nvSpPr>
+        <p:spPr>
+          <a:xfrm>
+            <a:off x="8610600" y="6356350"/>
+            <a:ext cx="2743200" cy="365125"/>
+          </a:xfrm>
+          <a:prstGeom prst="rect">
+            <a:avLst/>
+          </a:prstGeom>
+        </p:spPr>
+        <p:txBody>
+          <a:bodyPr vert="horz" lIns="91440" tIns="45720" rIns="91440" bIns="45720" rtlCol="0" anchor="ctr"/>
+          <a:lstStyle>
+            <a:defPPr>
+              <a:defRPr lang="en-US"/>
+            </a:defPPr>
+            <a:lvl1pPr marL="0" algn="r" defTabSz="914400" rtl="0" eaLnBrk="1" latinLnBrk="0" hangingPunct="1">
+              <a:defRPr sz="1200" kern="1200">
+                <a:solidFill>
+                  <a:schemeClr val="tx1">
+                    <a:tint val="75000"/>
+                  </a:schemeClr>
+                </a:solidFill>
+                <a:latin typeface="+mn-lt"/>
+                <a:ea typeface="+mn-ea"/>
+                <a:cs typeface="+mn-cs"/>
+              </a:defRPr>
+            </a:lvl1pPr>
+            <a:lvl2pPr marL="457200" algn="l" defTabSz="914400" rtl="0" eaLnBrk="1" latinLnBrk="0" hangingPunct="1">
+              <a:defRPr sz="1800" kern="1200">
+                <a:solidFill>
+                  <a:schemeClr val="tx1"/>
+                </a:solidFill>
+                <a:latin typeface="+mn-lt"/>
+                <a:ea typeface="+mn-ea"/>
+                <a:cs typeface="+mn-cs"/>
+              </a:defRPr>
+            </a:lvl2pPr>
+            <a:lvl3pPr marL="914400" algn="l" defTabSz="914400" rtl="0" eaLnBrk="1" latinLnBrk="0" hangingPunct="1">
+              <a:defRPr sz="1800" kern="1200">
+                <a:solidFill>
+                  <a:schemeClr val="tx1"/>
+                </a:solidFill>
+                <a:latin typeface="+mn-lt"/>
+                <a:ea typeface="+mn-ea"/>
+                <a:cs typeface="+mn-cs"/>
+              </a:defRPr>
+            </a:lvl3pPr>
+            <a:lvl4pPr marL="1371600" algn="l" defTabSz="914400" rtl="0" eaLnBrk="1" latinLnBrk="0" hangingPunct="1">
+              <a:defRPr sz="1800" kern="1200">
+                <a:solidFill>
+                  <a:schemeClr val="tx1"/>
+                </a:solidFill>
+                <a:latin typeface="+mn-lt"/>
+                <a:ea typeface="+mn-ea"/>
+                <a:cs typeface="+mn-cs"/>
+              </a:defRPr>
+            </a:lvl4pPr>
+            <a:lvl5pPr marL="1828800" algn="l" defTabSz="914400" rtl="0" eaLnBrk="1" latinLnBrk="0" hangingPunct="1">
+              <a:defRPr sz="1800" kern="1200">
+                <a:solidFill>
+                  <a:schemeClr val="tx1"/>
+                </a:solidFill>
+                <a:latin typeface="+mn-lt"/>
+                <a:ea typeface="+mn-ea"/>
+                <a:cs typeface="+mn-cs"/>
+              </a:defRPr>
+            </a:lvl5pPr>
+            <a:lvl6pPr marL="2286000" algn="l" defTabSz="914400" rtl="0" eaLnBrk="1" latinLnBrk="0" hangingPunct="1">
+              <a:defRPr sz="1800" kern="1200">
+                <a:solidFill>
+                  <a:schemeClr val="tx1"/>
+                </a:solidFill>
+                <a:latin typeface="+mn-lt"/>
+                <a:ea typeface="+mn-ea"/>
+                <a:cs typeface="+mn-cs"/>
+              </a:defRPr>
+            </a:lvl6pPr>
+            <a:lvl7pPr marL="2743200" algn="l" defTabSz="914400" rtl="0" eaLnBrk="1" latinLnBrk="0" hangingPunct="1">
+              <a:defRPr sz="1800" kern="1200">
+                <a:solidFill>
+                  <a:schemeClr val="tx1"/>
+                </a:solidFill>
+                <a:latin typeface="+mn-lt"/>
+                <a:ea typeface="+mn-ea"/>
+                <a:cs typeface="+mn-cs"/>
+              </a:defRPr>
+            </a:lvl7pPr>
+            <a:lvl8pPr marL="3200400" algn="l" defTabSz="914400" rtl="0" eaLnBrk="1" latinLnBrk="0" hangingPunct="1">
+              <a:defRPr sz="1800" kern="1200">
+                <a:solidFill>
+                  <a:schemeClr val="tx1"/>
+                </a:solidFill>
+                <a:latin typeface="+mn-lt"/>
+                <a:ea typeface="+mn-ea"/>
+                <a:cs typeface="+mn-cs"/>
+              </a:defRPr>
+            </a:lvl8pPr>
+            <a:lvl9pPr marL="3657600" algn="l" defTabSz="914400" rtl="0" eaLnBrk="1" latinLnBrk="0" hangingPunct="1">
+              <a:defRPr sz="1800" kern="1200">
+                <a:solidFill>
+                  <a:schemeClr val="tx1"/>
+                </a:solidFill>
+                <a:latin typeface="+mn-lt"/>
+                <a:ea typeface="+mn-ea"/>
+                <a:cs typeface="+mn-cs"/>
+              </a:defRPr>
+            </a:lvl9pPr>
+          </a:lstStyle>
+          <a:p>
+            <a:fld id="{5122D036-2D90-4845-9DDB-063D61752557}" type="slidenum">
+              <a:rPr lang="en-US" smtClean="0"/>
+              <a:pPr/>
+              <a:t>20</a:t>
+            </a:fld>
+            <a:endParaRPr lang="en-US"/>
+          </a:p>
+        </p:txBody>
+      </p:sp>
+    </p:spTree>
+    <p:extLst>
+      <p:ext uri="{BB962C8B-B14F-4D97-AF65-F5344CB8AC3E}">
+        <p14:creationId xmlns:p14="http://schemas.microsoft.com/office/powerpoint/2010/main" val="2299246260"/>
       </p:ext>
     </p:extLst>
   </p:cSld>
@@ -8607,7 +10595,7 @@
               <a:rPr lang="en-US" dirty="0">
                 <a:latin typeface="Seravek" panose="020B0503040000020004" pitchFamily="34" charset="0"/>
               </a:rPr>
-              <a:t>Mandarin Chinese: tones</a:t>
+              <a:t>Mandarin Chinese: tones (ma)</a:t>
             </a:r>
           </a:p>
         </p:txBody>
@@ -9063,53 +11051,43 @@
               <a:rPr lang="en-US" dirty="0">
                 <a:latin typeface="Seravek" panose="020B0503040000020004" pitchFamily="34" charset="0"/>
               </a:rPr>
-              <a:t> prediction in L2 Swedish and L2 Spanish (e.g., </a:t>
-            </a:r>
-            <a:r>
-              <a:rPr lang="en-US" dirty="0" err="1">
+              <a:t> prediction in L2 Swedish and L2 Spanish </a:t>
+            </a:r>
+            <a:r>
+              <a:rPr lang="en-US" sz="1400" dirty="0">
+                <a:latin typeface="Seravek" panose="020B0503040000020004" pitchFamily="34" charset="0"/>
+              </a:rPr>
+              <a:t>(e.g., </a:t>
+            </a:r>
+            <a:r>
+              <a:rPr lang="en-US" sz="1400" dirty="0" err="1">
                 <a:latin typeface="Seravek" panose="020B0503040000020004" pitchFamily="34" charset="0"/>
               </a:rPr>
               <a:t>Schremm</a:t>
             </a:r>
             <a:r>
-              <a:rPr lang="en-US" dirty="0">
+              <a:rPr lang="en-US" sz="1400" dirty="0">
                 <a:latin typeface="Seravek" panose="020B0503040000020004" pitchFamily="34" charset="0"/>
               </a:rPr>
               <a:t> et al., 2016; </a:t>
             </a:r>
             <a:r>
-              <a:rPr lang="en-US" dirty="0" err="1">
+              <a:rPr lang="en-US" sz="1400" dirty="0" err="1">
                 <a:latin typeface="Seravek" panose="020B0503040000020004" pitchFamily="34" charset="0"/>
               </a:rPr>
               <a:t>Sagarra</a:t>
             </a:r>
             <a:r>
-              <a:rPr lang="en-US" dirty="0">
+              <a:rPr lang="en-US" sz="1400" dirty="0">
                 <a:latin typeface="Seravek" panose="020B0503040000020004" pitchFamily="34" charset="0"/>
               </a:rPr>
               <a:t> &amp; Casillas, 2018) </a:t>
             </a:r>
-          </a:p>
-          <a:p>
             <a:endParaRPr lang="en-US" dirty="0">
               <a:latin typeface="Seravek" panose="020B0503040000020004" pitchFamily="34" charset="0"/>
             </a:endParaRPr>
           </a:p>
           <a:p>
-            <a:r>
-              <a:rPr lang="en-US" u="sng" dirty="0">
-                <a:latin typeface="Seravek" panose="020B0503040000020004" pitchFamily="34" charset="0"/>
-              </a:rPr>
-              <a:t>Anticipatory experience</a:t>
-            </a:r>
-            <a:r>
-              <a:rPr lang="en-US" dirty="0">
-                <a:latin typeface="Seravek" panose="020B0503040000020004" pitchFamily="34" charset="0"/>
-              </a:rPr>
-              <a:t> contributes to faster prediction (Lozano-Argüelles et al., 2020)</a:t>
-            </a:r>
-          </a:p>
-          <a:p>
             <a:endParaRPr lang="en-US" dirty="0">
               <a:latin typeface="Seravek" panose="020B0503040000020004" pitchFamily="34" charset="0"/>
             </a:endParaRPr>
@@ -9119,25 +11097,19 @@
               <a:rPr lang="en-US" u="sng" dirty="0">
                 <a:latin typeface="Seravek" panose="020B0503040000020004" pitchFamily="34" charset="0"/>
               </a:rPr>
-              <a:t>L2 use</a:t>
+              <a:t>Anticipatory experience</a:t>
             </a:r>
             <a:r>
               <a:rPr lang="en-US" dirty="0">
                 <a:latin typeface="Seravek" panose="020B0503040000020004" pitchFamily="34" charset="0"/>
               </a:rPr>
-              <a:t> facilitates phonemic discrimination (e.g., </a:t>
-            </a:r>
-            <a:r>
-              <a:rPr lang="en-US" dirty="0" err="1">
-                <a:latin typeface="Seravek" panose="020B0503040000020004" pitchFamily="34" charset="0"/>
-              </a:rPr>
-              <a:t>Flege</a:t>
-            </a:r>
-            <a:r>
-              <a:rPr lang="en-US" dirty="0">
-                <a:latin typeface="Seravek" panose="020B0503040000020004" pitchFamily="34" charset="0"/>
-              </a:rPr>
-              <a:t> &amp; McKay, 2004; Black et al., 2020)</a:t>
+              <a:t> contributes to faster prediction </a:t>
+            </a:r>
+            <a:r>
+              <a:rPr lang="en-US" sz="1400" dirty="0">
+                <a:latin typeface="Seravek" panose="020B0503040000020004" pitchFamily="34" charset="0"/>
+              </a:rPr>
+              <a:t>(Lozano-Argüelles et al., 2020)</a:t>
             </a:r>
           </a:p>
           <a:p>
@@ -9147,19 +11119,62 @@
           </a:p>
           <a:p>
             <a:r>
+              <a:rPr lang="en-US" u="sng" dirty="0">
+                <a:latin typeface="Seravek" panose="020B0503040000020004" pitchFamily="34" charset="0"/>
+              </a:rPr>
+              <a:t>L2 use</a:t>
+            </a:r>
+            <a:r>
               <a:rPr lang="en-US" dirty="0">
                 <a:latin typeface="Seravek" panose="020B0503040000020004" pitchFamily="34" charset="0"/>
               </a:rPr>
-              <a:t>L2 use more important than L2 proficiency in codeswitching, white matter microstructure and neuroplasticity (Beatty-Martinez et al., 2020; DeLuca et al., 2020; Del </a:t>
-            </a:r>
-            <a:r>
-              <a:rPr lang="en-US" dirty="0" err="1">
+              <a:t> facilitates phonemic discrimination </a:t>
+            </a:r>
+            <a:r>
+              <a:rPr lang="en-US" sz="1400" dirty="0">
+                <a:latin typeface="Seravek" panose="020B0503040000020004" pitchFamily="34" charset="0"/>
+              </a:rPr>
+              <a:t>(e.g., </a:t>
+            </a:r>
+            <a:r>
+              <a:rPr lang="en-US" sz="1400" dirty="0" err="1">
+                <a:latin typeface="Seravek" panose="020B0503040000020004" pitchFamily="34" charset="0"/>
+              </a:rPr>
+              <a:t>Flege</a:t>
+            </a:r>
+            <a:r>
+              <a:rPr lang="en-US" sz="1400" dirty="0">
+                <a:latin typeface="Seravek" panose="020B0503040000020004" pitchFamily="34" charset="0"/>
+              </a:rPr>
+              <a:t> &amp; McKay, 2004; Black et al., 2020)</a:t>
+            </a:r>
+          </a:p>
+          <a:p>
+            <a:endParaRPr lang="en-US" dirty="0">
+              <a:latin typeface="Seravek" panose="020B0503040000020004" pitchFamily="34" charset="0"/>
+            </a:endParaRPr>
+          </a:p>
+          <a:p>
+            <a:r>
+              <a:rPr lang="en-US" dirty="0">
+                <a:latin typeface="Seravek" panose="020B0503040000020004" pitchFamily="34" charset="0"/>
+              </a:rPr>
+              <a:t>L2 use more important than L2 proficiency in codeswitching, white matter microstructure and neuroplasticity </a:t>
+            </a:r>
+            <a:r>
+              <a:rPr lang="en-US" sz="1400" dirty="0">
+                <a:latin typeface="Seravek" panose="020B0503040000020004" pitchFamily="34" charset="0"/>
+              </a:rPr>
+              <a:t>(Beatty-Martinez et al., 2020; DeLuca et al., 2020; Del </a:t>
+            </a:r>
+            <a:r>
+              <a:rPr lang="en-US" sz="1400" dirty="0" err="1">
                 <a:latin typeface="Seravek" panose="020B0503040000020004" pitchFamily="34" charset="0"/>
               </a:rPr>
               <a:t>Maschio</a:t>
             </a:r>
             <a:r>
-              <a:rPr lang="en-US" dirty="0">
+              <a:rPr lang="en-US" sz="1400" dirty="0">
                 <a:latin typeface="Seravek" panose="020B0503040000020004" pitchFamily="34" charset="0"/>
               </a:rPr>
               <a:t> et al., 2020) </a:t>
@@ -9636,7 +11651,7 @@
           </p:nvPr>
         </p:nvPicPr>
         <p:blipFill>
-          <a:blip r:embed="rId2">
+          <a:blip r:embed="rId3">
             <a:extLst>
               <a:ext uri="{28A0092B-C50C-407E-A947-70E740481C1C}">
                 <a14:useLocalDpi xmlns:a14="http://schemas.microsoft.com/office/drawing/2010/main" val="0"/>
@@ -9919,7 +11934,7 @@
           </p:nvPr>
         </p:nvPicPr>
         <p:blipFill>
-          <a:blip r:embed="rId2">
+          <a:blip r:embed="rId3">
             <a:extLst>
               <a:ext uri="{28A0092B-C50C-407E-A947-70E740481C1C}">
                 <a14:useLocalDpi xmlns:a14="http://schemas.microsoft.com/office/drawing/2010/main" val="0"/>
@@ -10309,14 +12324,14 @@
           </a:ln>
           <a:extLst>
             <a:ext uri="{909E8E84-426E-40dd-AFC4-6F175D3DCCD1}">
-              <a14:hiddenFill xmlns:a14="http://schemas.microsoft.com/office/drawing/2010/main" xmlns="">
+              <a14:hiddenFill xmlns="" xmlns:a14="http://schemas.microsoft.com/office/drawing/2010/main">
                 <a:solidFill>
                   <a:srgbClr val="FFFFFF"/>
                 </a:solidFill>
               </a14:hiddenFill>
             </a:ext>
             <a:ext uri="{91240B29-F687-4f45-9708-019B960494DF}">
-              <a14:hiddenLine xmlns:a14="http://schemas.microsoft.com/office/drawing/2010/main" xmlns="" w="9525">
+              <a14:hiddenLine xmlns="" xmlns:a14="http://schemas.microsoft.com/office/drawing/2010/main" w="9525">
                 <a:solidFill>
                   <a:srgbClr val="000000"/>
                 </a:solidFill>
@@ -10326,7 +12341,7 @@
               </a14:hiddenLine>
             </a:ext>
             <a:ext uri="{FAA26D3D-D897-4be2-8F04-BA451C77F1D7}">
-              <ma14:placeholderFlag xmlns:ma14="http://schemas.microsoft.com/office/mac/drawingml/2011/main" xmlns="" val="1"/>
+              <ma14:placeholderFlag xmlns="" xmlns:ma14="http://schemas.microsoft.com/office/mac/drawingml/2011/main" val="1"/>
             </a:ext>
           </a:extLst>
         </p:spPr>
@@ -10359,14 +12374,14 @@
           </a:ln>
           <a:extLst>
             <a:ext uri="{909E8E84-426E-40dd-AFC4-6F175D3DCCD1}">
-              <a14:hiddenFill xmlns:a14="http://schemas.microsoft.com/office/drawing/2010/main" xmlns="">
+              <a14:hiddenFill xmlns="" xmlns:a14="http://schemas.microsoft.com/office/drawing/2010/main">
                 <a:solidFill>
                   <a:srgbClr val="FFFFFF"/>
                 </a:solidFill>
               </a14:hiddenFill>
             </a:ext>
             <a:ext uri="{91240B29-F687-4f45-9708-019B960494DF}">
-              <a14:hiddenLine xmlns:a14="http://schemas.microsoft.com/office/drawing/2010/main" xmlns="" w="9525">
+              <a14:hiddenLine xmlns="" xmlns:a14="http://schemas.microsoft.com/office/drawing/2010/main" w="9525">
                 <a:solidFill>
                   <a:srgbClr val="000000"/>
                 </a:solidFill>
@@ -10376,7 +12391,7 @@
               </a14:hiddenLine>
             </a:ext>
             <a:ext uri="{FAA26D3D-D897-4be2-8F04-BA451C77F1D7}">
-              <ma14:placeholderFlag xmlns:ma14="http://schemas.microsoft.com/office/mac/drawingml/2011/main" xmlns="" val="1"/>
+              <ma14:placeholderFlag xmlns="" xmlns:ma14="http://schemas.microsoft.com/office/mac/drawingml/2011/main" val="1"/>
             </a:ext>
           </a:extLst>
         </p:spPr>
@@ -10668,16 +12683,22 @@
               <a:rPr lang="en-US" sz="1600" dirty="0">
                 <a:latin typeface="Seravek" panose="020B0503040000020004" pitchFamily="34" charset="0"/>
               </a:rPr>
-              <a:t>Similarly sounding words cross-activated, but cross-activation decreases as proficiency increases (</a:t>
-            </a:r>
-            <a:r>
-              <a:rPr lang="en-US" sz="1600" dirty="0" err="1">
+              <a:t>Similarly sounding words cross-activated, but cross-activation decreases as proficiency increases </a:t>
+            </a:r>
+            <a:r>
+              <a:rPr lang="en-US" sz="1000" dirty="0">
+                <a:latin typeface="Seravek" panose="020B0503040000020004" pitchFamily="34" charset="0"/>
+              </a:rPr>
+              <a:t>(</a:t>
+            </a:r>
+            <a:r>
+              <a:rPr lang="en-US" sz="1000" dirty="0" err="1">
                 <a:latin typeface="Seravek" panose="020B0503040000020004" pitchFamily="34" charset="0"/>
               </a:rPr>
               <a:t>Berghoff</a:t>
             </a:r>
             <a:r>
-              <a:rPr lang="en-US" sz="1600" dirty="0">
+              <a:rPr lang="en-US" sz="1000" dirty="0">
                 <a:latin typeface="Seravek" panose="020B0503040000020004" pitchFamily="34" charset="0"/>
               </a:rPr>
               <a:t> et al., 2021)</a:t>
@@ -10693,7 +12714,13 @@
               <a:rPr lang="en-US" sz="1600" dirty="0">
                 <a:latin typeface="Seravek" panose="020B0503040000020004" pitchFamily="34" charset="0"/>
               </a:rPr>
-              <a:t>Spanish-speakers more accurate at identifying stress patterns in L2 English than Korean-speakers (Lee et al., 2019)</a:t>
+              <a:t>Spanish-speakers more accurate at identifying stress patterns in L2 English than Korean-speakers </a:t>
+            </a:r>
+            <a:r>
+              <a:rPr lang="en-US" sz="1000" dirty="0">
+                <a:latin typeface="Seravek" panose="020B0503040000020004" pitchFamily="34" charset="0"/>
+              </a:rPr>
+              <a:t>(Lee et al., 2019)</a:t>
             </a:r>
           </a:p>
           <a:p>
@@ -10706,23 +12733,26 @@
               <a:rPr lang="en-US" sz="1600" dirty="0">
                 <a:latin typeface="Seravek" panose="020B0503040000020004" pitchFamily="34" charset="0"/>
               </a:rPr>
-              <a:t>In L2 nonce tone-number suffix associations, Swedes generate predictions, but Germans do not (</a:t>
-            </a:r>
-            <a:r>
-              <a:rPr lang="en-US" sz="1600" dirty="0" err="1">
+              <a:t>In L2 nonce tone-number suffix associations, Swedes generate predictions, but Germans do not </a:t>
+            </a:r>
+            <a:r>
+              <a:rPr lang="en-US" sz="1000" dirty="0">
+                <a:latin typeface="Seravek" panose="020B0503040000020004" pitchFamily="34" charset="0"/>
+              </a:rPr>
+              <a:t>(</a:t>
+            </a:r>
+            <a:r>
+              <a:rPr lang="en-US" sz="1000" dirty="0" err="1">
                 <a:latin typeface="Seravek" panose="020B0503040000020004" pitchFamily="34" charset="0"/>
               </a:rPr>
               <a:t>Gosselke</a:t>
             </a:r>
             <a:r>
-              <a:rPr lang="en-US" sz="1600" dirty="0">
+              <a:rPr lang="en-US" sz="1000" dirty="0">
                 <a:latin typeface="Seravek" panose="020B0503040000020004" pitchFamily="34" charset="0"/>
               </a:rPr>
               <a:t> Berthelsen et al., 2020, 2021) </a:t>
             </a:r>
-            <a:endParaRPr lang="en-US" dirty="0">
-              <a:latin typeface="Seravek" panose="020B0503040000020004" pitchFamily="34" charset="0"/>
-            </a:endParaRPr>
           </a:p>
           <a:p>
             <a:endParaRPr lang="en-US" dirty="0">

--- a/ru_defense_slides.pptx
+++ b/ru_defense_slides.pptx
@@ -841,8 +841,45 @@
           <a:p>
             <a:r>
               <a:rPr lang="en-US" dirty="0"/>
-              <a:t>The first two studies in my dissertation…</a:t>
-            </a:r>
+              <a:t>I collected data for an additional group of Mandarin Chinese native speakers and compared them to the English and the Spanish speakers.</a:t>
+            </a:r>
+          </a:p>
+          <a:p>
+            <a:endParaRPr lang="en-US" dirty="0"/>
+          </a:p>
+          <a:p>
+            <a:pPr marL="0" marR="0" lvl="0" indent="0" algn="l" defTabSz="457200" rtl="0" eaLnBrk="1" fontAlgn="auto" latinLnBrk="0" hangingPunct="1">
+              <a:lnSpc>
+                <a:spcPct val="100000"/>
+              </a:lnSpc>
+              <a:spcBef>
+                <a:spcPts val="0"/>
+              </a:spcBef>
+              <a:spcAft>
+                <a:spcPts val="0"/>
+              </a:spcAft>
+              <a:buClrTx/>
+              <a:buSzTx/>
+              <a:buFontTx/>
+              <a:buNone/>
+              <a:tabLst/>
+              <a:defRPr/>
+            </a:pPr>
+            <a:r>
+              <a:rPr lang="en-US" sz="1200" kern="1200" dirty="0">
+                <a:solidFill>
+                  <a:schemeClr val="tx1"/>
+                </a:solidFill>
+                <a:effectLst/>
+                <a:latin typeface="+mn-lt"/>
+                <a:ea typeface="+mn-ea"/>
+                <a:cs typeface="+mn-cs"/>
+              </a:rPr>
+              <a:t>I found that all populations generated predictions. Stress, L2 proficiency and L2 use were the primary mediators of prediction in L2 speakers. Oxytones were predicted earlier and more target-like than paroxytones, higher proficiency resulted in more target-like and earlier predictions, and more extensive L2 use contributed to faster predictions. These factors interacted with each other as well as with L1 transfer. Proficiency interacted with stress, such that proficiency resulted in more target-like predictions of oxytone, and with L1, such that its positive effects were particularly relevant in Chinese speakers. L2 use interacted with stress, such that speed of prediction increased especially with L2 use especially in paroxytones, and with L1, such that especially the English speakers benefited from more L2 use. L2 proficiency and L2 use also interacted; at a high level of proficiency, prediction became faster as use was more frequent. L2 proficiency and L2 use were positively and moderately correlated.</a:t>
+            </a:r>
+          </a:p>
+          <a:p>
+            <a:endParaRPr lang="en-US" dirty="0"/>
           </a:p>
         </p:txBody>
       </p:sp>
@@ -863,7 +900,7 @@
           <a:p>
             <a:fld id="{82FB5D43-6794-0847-9F6F-8A7B2FD27330}" type="slidenum">
               <a:rPr lang="en-US" smtClean="0"/>
-              <a:t>11</a:t>
+              <a:t>10</a:t>
             </a:fld>
             <a:endParaRPr lang="en-US"/>
           </a:p>
@@ -872,7 +909,7 @@
     </p:spTree>
     <p:extLst>
       <p:ext uri="{BB962C8B-B14F-4D97-AF65-F5344CB8AC3E}">
-        <p14:creationId xmlns:p14="http://schemas.microsoft.com/office/powerpoint/2010/main" val="3091220031"/>
+        <p14:creationId xmlns:p14="http://schemas.microsoft.com/office/powerpoint/2010/main" val="3534766996"/>
       </p:ext>
     </p:extLst>
   </p:cSld>
@@ -928,13 +965,7 @@
           <a:p>
             <a:r>
               <a:rPr lang="en-US" dirty="0"/>
-              <a:t>Now, a lot of prediction research in language has examined prediction in language, however, recent neurocognitive research, for instance, indicates that predictive mechanisms may be shared across cognition. I therefore wanted to explore how language prediction relates to prediction in other non-language skills.</a:t>
-            </a:r>
-          </a:p>
-          <a:p>
-            <a:r>
-              <a:rPr lang="en-US" dirty="0"/>
-              <a:t>Other skills in which predictions are generated are…</a:t>
+              <a:t>The first two studies in my dissertation…</a:t>
             </a:r>
           </a:p>
         </p:txBody>
@@ -956,7 +987,7 @@
           <a:p>
             <a:fld id="{82FB5D43-6794-0847-9F6F-8A7B2FD27330}" type="slidenum">
               <a:rPr lang="en-US" smtClean="0"/>
-              <a:t>12</a:t>
+              <a:t>11</a:t>
             </a:fld>
             <a:endParaRPr lang="en-US"/>
           </a:p>
@@ -965,7 +996,7 @@
     </p:spTree>
     <p:extLst>
       <p:ext uri="{BB962C8B-B14F-4D97-AF65-F5344CB8AC3E}">
-        <p14:creationId xmlns:p14="http://schemas.microsoft.com/office/powerpoint/2010/main" val="2608956757"/>
+        <p14:creationId xmlns:p14="http://schemas.microsoft.com/office/powerpoint/2010/main" val="3091220031"/>
       </p:ext>
     </p:extLst>
   </p:cSld>
@@ -1021,13 +1052,13 @@
           <a:p>
             <a:r>
               <a:rPr lang="en-US" dirty="0"/>
-              <a:t>To avoid possible confounding effects of modality, I decided to investigate prediction in spoken word recognition and (aural modality) and in visuospatial prediction (visual modality).</a:t>
+              <a:t>Now, a lot of prediction research in language has examined prediction in language, however, recent neurocognitive research, for instance, indicates that predictive mechanisms may be shared across cognition. I therefore wanted to explore how language prediction relates to prediction in other non-language skills.</a:t>
             </a:r>
           </a:p>
           <a:p>
             <a:r>
               <a:rPr lang="en-US" dirty="0"/>
-              <a:t>Previous research between these two fields has revealed that language and visuospatial processing may be associated in several ways…</a:t>
+              <a:t>Other skills in which predictions are generated are…</a:t>
             </a:r>
           </a:p>
         </p:txBody>
@@ -1049,7 +1080,7 @@
           <a:p>
             <a:fld id="{82FB5D43-6794-0847-9F6F-8A7B2FD27330}" type="slidenum">
               <a:rPr lang="en-US" smtClean="0"/>
-              <a:t>13</a:t>
+              <a:t>12</a:t>
             </a:fld>
             <a:endParaRPr lang="en-US"/>
           </a:p>
@@ -1058,7 +1089,7 @@
     </p:spTree>
     <p:extLst>
       <p:ext uri="{BB962C8B-B14F-4D97-AF65-F5344CB8AC3E}">
-        <p14:creationId xmlns:p14="http://schemas.microsoft.com/office/powerpoint/2010/main" val="826751088"/>
+        <p14:creationId xmlns:p14="http://schemas.microsoft.com/office/powerpoint/2010/main" val="2608956757"/>
       </p:ext>
     </p:extLst>
   </p:cSld>
@@ -1114,7 +1145,13 @@
           <a:p>
             <a:r>
               <a:rPr lang="en-US" dirty="0"/>
-              <a:t>A group of 30 monolingual speakers of Spanish completed the same eye-tracking task as before to measure their ability in language prediction and a time/movement anticipation task to measure their ability to make trajectory predictions based on speed and distance information…</a:t>
+              <a:t>To avoid possible confounding effects of modality, I decided to investigate prediction in spoken word recognition and (aural modality) and in visuospatial prediction (visual modality).</a:t>
+            </a:r>
+          </a:p>
+          <a:p>
+            <a:r>
+              <a:rPr lang="en-US" dirty="0"/>
+              <a:t>Previous research between these two fields has revealed that language and visuospatial processing may be associated in several ways…</a:t>
             </a:r>
           </a:p>
         </p:txBody>
@@ -1136,7 +1173,7 @@
           <a:p>
             <a:fld id="{82FB5D43-6794-0847-9F6F-8A7B2FD27330}" type="slidenum">
               <a:rPr lang="en-US" smtClean="0"/>
-              <a:t>14</a:t>
+              <a:t>13</a:t>
             </a:fld>
             <a:endParaRPr lang="en-US"/>
           </a:p>
@@ -1145,7 +1182,7 @@
     </p:spTree>
     <p:extLst>
       <p:ext uri="{BB962C8B-B14F-4D97-AF65-F5344CB8AC3E}">
-        <p14:creationId xmlns:p14="http://schemas.microsoft.com/office/powerpoint/2010/main" val="3401142359"/>
+        <p14:creationId xmlns:p14="http://schemas.microsoft.com/office/powerpoint/2010/main" val="826751088"/>
       </p:ext>
     </p:extLst>
   </p:cSld>
@@ -1199,7 +1236,10 @@
           <a:bodyPr/>
           <a:lstStyle/>
           <a:p>
-            <a:endParaRPr lang="en-US" dirty="0"/>
+            <a:r>
+              <a:rPr lang="en-US" dirty="0"/>
+              <a:t>A group of 30 monolingual speakers of Spanish completed the same eye-tracking task as before to measure their ability in language prediction and a time/movement anticipation task to measure their ability to make trajectory predictions based on speed and distance information…</a:t>
+            </a:r>
           </a:p>
         </p:txBody>
       </p:sp>
@@ -1220,7 +1260,7 @@
           <a:p>
             <a:fld id="{82FB5D43-6794-0847-9F6F-8A7B2FD27330}" type="slidenum">
               <a:rPr lang="en-US" smtClean="0"/>
-              <a:t>15</a:t>
+              <a:t>14</a:t>
             </a:fld>
             <a:endParaRPr lang="en-US"/>
           </a:p>
@@ -1229,7 +1269,7 @@
     </p:spTree>
     <p:extLst>
       <p:ext uri="{BB962C8B-B14F-4D97-AF65-F5344CB8AC3E}">
-        <p14:creationId xmlns:p14="http://schemas.microsoft.com/office/powerpoint/2010/main" val="1136467131"/>
+        <p14:creationId xmlns:p14="http://schemas.microsoft.com/office/powerpoint/2010/main" val="3401142359"/>
       </p:ext>
     </p:extLst>
   </p:cSld>
@@ -1293,6 +1333,102 @@
                 <a:ea typeface="+mn-ea"/>
                 <a:cs typeface="+mn-cs"/>
               </a:rPr>
+              <a:t>The data revealed that verbal and visuospatial prediction were associated, such that a shorter deviation time in visuospatial prediction was associated with faster spoken word prediction. </a:t>
+            </a:r>
+            <a:endParaRPr lang="en-US" dirty="0"/>
+          </a:p>
+        </p:txBody>
+      </p:sp>
+      <p:sp>
+        <p:nvSpPr>
+          <p:cNvPr id="4" name="Slide Number Placeholder 3"/>
+          <p:cNvSpPr>
+            <a:spLocks noGrp="1"/>
+          </p:cNvSpPr>
+          <p:nvPr>
+            <p:ph type="sldNum" sz="quarter" idx="5"/>
+          </p:nvPr>
+        </p:nvSpPr>
+        <p:spPr/>
+        <p:txBody>
+          <a:bodyPr/>
+          <a:lstStyle/>
+          <a:p>
+            <a:fld id="{82FB5D43-6794-0847-9F6F-8A7B2FD27330}" type="slidenum">
+              <a:rPr lang="en-US" smtClean="0"/>
+              <a:t>15</a:t>
+            </a:fld>
+            <a:endParaRPr lang="en-US"/>
+          </a:p>
+        </p:txBody>
+      </p:sp>
+    </p:spTree>
+    <p:extLst>
+      <p:ext uri="{BB962C8B-B14F-4D97-AF65-F5344CB8AC3E}">
+        <p14:creationId xmlns:p14="http://schemas.microsoft.com/office/powerpoint/2010/main" val="1136467131"/>
+      </p:ext>
+    </p:extLst>
+  </p:cSld>
+  <p:clrMapOvr>
+    <a:masterClrMapping/>
+  </p:clrMapOvr>
+</p:notes>
+</file>
+
+<file path=ppt/notesSlides/notesSlide16.xml><?xml version="1.0" encoding="utf-8"?>
+<p:notes xmlns:a="http://schemas.openxmlformats.org/drawingml/2006/main" xmlns:r="http://schemas.openxmlformats.org/officeDocument/2006/relationships" xmlns:p="http://schemas.openxmlformats.org/presentationml/2006/main">
+  <p:cSld>
+    <p:spTree>
+      <p:nvGrpSpPr>
+        <p:cNvPr id="1" name=""/>
+        <p:cNvGrpSpPr/>
+        <p:nvPr/>
+      </p:nvGrpSpPr>
+      <p:grpSpPr>
+        <a:xfrm>
+          <a:off x="0" y="0"/>
+          <a:ext cx="0" cy="0"/>
+          <a:chOff x="0" y="0"/>
+          <a:chExt cx="0" cy="0"/>
+        </a:xfrm>
+      </p:grpSpPr>
+      <p:sp>
+        <p:nvSpPr>
+          <p:cNvPr id="2" name="Slide Image Placeholder 1"/>
+          <p:cNvSpPr>
+            <a:spLocks noGrp="1" noRot="1" noChangeAspect="1"/>
+          </p:cNvSpPr>
+          <p:nvPr>
+            <p:ph type="sldImg"/>
+          </p:nvPr>
+        </p:nvSpPr>
+        <p:spPr/>
+      </p:sp>
+      <p:sp>
+        <p:nvSpPr>
+          <p:cNvPr id="3" name="Notes Placeholder 2"/>
+          <p:cNvSpPr>
+            <a:spLocks noGrp="1"/>
+          </p:cNvSpPr>
+          <p:nvPr>
+            <p:ph type="body" idx="1"/>
+          </p:nvPr>
+        </p:nvSpPr>
+        <p:spPr/>
+        <p:txBody>
+          <a:bodyPr/>
+          <a:lstStyle/>
+          <a:p>
+            <a:r>
+              <a:rPr lang="en-US" sz="1200" kern="1200" dirty="0">
+                <a:solidFill>
+                  <a:schemeClr val="tx1"/>
+                </a:solidFill>
+                <a:effectLst/>
+                <a:latin typeface="+mn-lt"/>
+                <a:ea typeface="+mn-ea"/>
+                <a:cs typeface="+mn-cs"/>
+              </a:rPr>
               <a:t>domain-general models for prediction, in which transfer across domains is possible if the domains share common features (Thorndike &amp; Woodworth, 1901) and cognitive elements (Anderson, 1990). However, the finding does not completely support domain-general accounts arguing that the information shared needs to be both perceptual and conceptual (</a:t>
             </a:r>
             <a:r>
@@ -1365,7 +1501,7 @@
 </p:notes>
 </file>
 
-<file path=ppt/notesSlides/notesSlide16.xml><?xml version="1.0" encoding="utf-8"?>
+<file path=ppt/notesSlides/notesSlide17.xml><?xml version="1.0" encoding="utf-8"?>
 <p:notes xmlns:a="http://schemas.openxmlformats.org/drawingml/2006/main" xmlns:r="http://schemas.openxmlformats.org/officeDocument/2006/relationships" xmlns:p="http://schemas.openxmlformats.org/presentationml/2006/main">
   <p:cSld>
     <p:spTree>
@@ -1931,6 +2067,15 @@
           <a:p>
             <a:r>
               <a:rPr lang="en-US" dirty="0"/>
+              <a:t>CAMBIAR POR GIF</a:t>
+            </a:r>
+          </a:p>
+          <a:p>
+            <a:endParaRPr lang="en-US" dirty="0"/>
+          </a:p>
+          <a:p>
+            <a:r>
+              <a:rPr lang="en-US" dirty="0"/>
               <a:t>65 English bilinguals completed a sociolinguistic background questionnaire, a language use survey, a proficiency test and an eye-tracking task. Their results were compared to those of a control group of 30 Spanish speakers.</a:t>
             </a:r>
           </a:p>
@@ -2127,22 +2272,35 @@
           <a:bodyPr/>
           <a:lstStyle/>
           <a:p>
-            <a:r>
-              <a:rPr lang="en-US" dirty="0"/>
-              <a:t>After exploring the effects of L2 experience and determining L2 proficiency and L2 use effects are distinct, I wanted to see whether this difference would hold for different L2 populations and how they may interact with the first language or L1 background of the learners.</a:t>
-            </a:r>
-          </a:p>
-          <a:p>
-            <a:r>
-              <a:rPr lang="en-US" dirty="0"/>
-              <a:t>Previous research on L1 transfer…</a:t>
-            </a:r>
-          </a:p>
-          <a:p>
-            <a:endParaRPr lang="en-US" dirty="0"/>
-          </a:p>
-          <a:p>
-            <a:endParaRPr lang="en-US" dirty="0"/>
+            <a:pPr marL="0" marR="0" lvl="0" indent="0" algn="l" defTabSz="457200" rtl="0" eaLnBrk="1" fontAlgn="auto" latinLnBrk="0" hangingPunct="1">
+              <a:lnSpc>
+                <a:spcPct val="100000"/>
+              </a:lnSpc>
+              <a:spcBef>
+                <a:spcPts val="0"/>
+              </a:spcBef>
+              <a:spcAft>
+                <a:spcPts val="0"/>
+              </a:spcAft>
+              <a:buClrTx/>
+              <a:buSzTx/>
+              <a:buFontTx/>
+              <a:buNone/>
+              <a:tabLst/>
+              <a:defRPr/>
+            </a:pPr>
+            <a:r>
+              <a:rPr lang="en-US" sz="1200" kern="1200" dirty="0">
+                <a:solidFill>
+                  <a:schemeClr val="tx1"/>
+                </a:solidFill>
+                <a:effectLst/>
+                <a:latin typeface="+mn-lt"/>
+                <a:ea typeface="+mn-ea"/>
+                <a:cs typeface="+mn-cs"/>
+              </a:rPr>
+              <a:t>Results show that both groups generated predictions, although L2 learners did so later and generated less target-like predictions than monolinguals. The learners predicted earlier with oxytones than paroxytones, generated more target-like and faster predictions with higher than lower proficiency and predicted later with higher than lower L2 use. Also, with extensive L2 use, higher proficiency learners predicted oxytones later but more and faster than lower proficiency learners. Finally, L2 proficiency and L2 use correlated weakly. </a:t>
+            </a:r>
           </a:p>
         </p:txBody>
       </p:sp>
@@ -2163,7 +2321,7 @@
           <a:p>
             <a:fld id="{82FB5D43-6794-0847-9F6F-8A7B2FD27330}" type="slidenum">
               <a:rPr lang="en-US" smtClean="0"/>
-              <a:t>9</a:t>
+              <a:t>8</a:t>
             </a:fld>
             <a:endParaRPr lang="en-US"/>
           </a:p>
@@ -2172,7 +2330,7 @@
     </p:spTree>
     <p:extLst>
       <p:ext uri="{BB962C8B-B14F-4D97-AF65-F5344CB8AC3E}">
-        <p14:creationId xmlns:p14="http://schemas.microsoft.com/office/powerpoint/2010/main" val="154335001"/>
+        <p14:creationId xmlns:p14="http://schemas.microsoft.com/office/powerpoint/2010/main" val="2441172894"/>
       </p:ext>
     </p:extLst>
   </p:cSld>
@@ -2228,7 +2386,13 @@
           <a:p>
             <a:r>
               <a:rPr lang="en-US" dirty="0"/>
-              <a:t>I collected data for an additional group of Mandarin Chinese native speakers and compared them to the English and the Spanish speakers.</a:t>
+              <a:t>After exploring the effects of L2 experience and determining L2 proficiency and L2 use effects are distinct, I wanted to see whether this difference would hold for different L2 populations and how they may interact with the first language or L1 background of the learners.</a:t>
+            </a:r>
+          </a:p>
+          <a:p>
+            <a:r>
+              <a:rPr lang="en-US" dirty="0"/>
+              <a:t>Previous research on L1 transfer…</a:t>
             </a:r>
           </a:p>
           <a:p>
@@ -2256,7 +2420,7 @@
           <a:p>
             <a:fld id="{82FB5D43-6794-0847-9F6F-8A7B2FD27330}" type="slidenum">
               <a:rPr lang="en-US" smtClean="0"/>
-              <a:t>10</a:t>
+              <a:t>9</a:t>
             </a:fld>
             <a:endParaRPr lang="en-US"/>
           </a:p>
@@ -2265,7 +2429,7 @@
     </p:spTree>
     <p:extLst>
       <p:ext uri="{BB962C8B-B14F-4D97-AF65-F5344CB8AC3E}">
-        <p14:creationId xmlns:p14="http://schemas.microsoft.com/office/powerpoint/2010/main" val="3534766996"/>
+        <p14:creationId xmlns:p14="http://schemas.microsoft.com/office/powerpoint/2010/main" val="154335001"/>
       </p:ext>
     </p:extLst>
   </p:cSld>
@@ -7849,7 +8013,7 @@
         </p:blipFill>
         <p:spPr bwMode="auto">
           <a:xfrm>
-            <a:off x="1649488" y="683045"/>
+            <a:off x="1424900" y="683045"/>
             <a:ext cx="6258359" cy="3910987"/>
           </a:xfrm>
           <a:prstGeom prst="rect">
@@ -8987,14 +9151,6 @@
               <a:t>Association between language and music prediction</a:t>
             </a:r>
           </a:p>
-          <a:p>
-            <a:r>
-              <a:rPr lang="en-US" dirty="0">
-                <a:latin typeface="Seravek" panose="020B0503040000020004" pitchFamily="34" charset="0"/>
-              </a:rPr>
-              <a:t>Training</a:t>
-            </a:r>
-          </a:p>
         </p:txBody>
       </p:sp>
       <p:sp>
@@ -12300,7 +12456,7 @@
           <p:nvPr/>
         </p:nvPicPr>
         <p:blipFill rotWithShape="1">
-          <a:blip r:embed="rId2">
+          <a:blip r:embed="rId3">
             <a:extLst>
               <a:ext uri="{28A0092B-C50C-407E-A947-70E740481C1C}">
                 <a14:useLocalDpi xmlns:a14="http://schemas.microsoft.com/office/drawing/2010/main" val="0"/>

--- a/ru_defense_slides.pptx
+++ b/ru_defense_slides.pptx
@@ -264,7 +264,7 @@
           <a:p>
             <a:fld id="{B4ACAF68-BA44-A64D-98FC-2994B8AF7CCA}" type="datetimeFigureOut">
               <a:rPr lang="en-US" smtClean="0"/>
-              <a:t>1/1/22</a:t>
+              <a:t>1/3/22</a:t>
             </a:fld>
             <a:endParaRPr lang="en-US"/>
           </a:p>
@@ -441,7 +441,7 @@
           <a:p>
             <a:fld id="{21E02A63-8238-CF49-95F6-4E73F04318D6}" type="datetimeFigureOut">
               <a:rPr lang="en-US" smtClean="0"/>
-              <a:t>1/1/22</a:t>
+              <a:t>1/3/22</a:t>
             </a:fld>
             <a:endParaRPr lang="en-US"/>
           </a:p>
@@ -875,10 +875,54 @@
                 <a:ea typeface="+mn-ea"/>
                 <a:cs typeface="+mn-cs"/>
               </a:rPr>
-              <a:t>I found that all populations generated predictions. Stress, L2 proficiency and L2 use were the primary mediators of prediction in L2 speakers. Oxytones were predicted earlier and more target-like than paroxytones, higher proficiency resulted in more target-like and earlier predictions, and more extensive L2 use contributed to faster predictions. These factors interacted with each other as well as with L1 transfer. Proficiency interacted with stress, such that proficiency resulted in more target-like predictions of oxytone, and with L1, such that its positive effects were particularly relevant in Chinese speakers. L2 use interacted with stress, such that speed of prediction increased especially with L2 use especially in paroxytones, and with L1, such that especially the English speakers benefited from more L2 use. L2 proficiency and L2 use also interacted; at a high level of proficiency, prediction became faster as use was more frequent. L2 proficiency and L2 use were positively and moderately correlated.</a:t>
-            </a:r>
-          </a:p>
-          <a:p>
+              <a:t>All populations generated predictions. Stress, L2 proficiency and L2 use were the primary mediators of prediction in L2 speakers. [Oxytones were predicted earlier and more target-like than paroxytones, higher proficiency resulted in more target-like and earlier predictions, and more extensive L2 use contributed to faster predictions.] These factors interacted with each other as well as with L1 transfer. Proficiency interacted with [stress, such that proficiency resulted in more target-like predictions of oxytone, and with] L1, such that its positive effects were particularly relevant in Chinese speakers–more target-like and earlier. L2 use interacted [with stress, such that speed of prediction increased especially with L2 use especially in paroxytones, and] with L1, such that especially the English speakers benefited from more L2 use–faster. L2 proficiency and L2 use also interacted; at a high level of proficiency, prediction became faster as use was more frequent. L2 proficiency and L2 use were positively and moderately correlated.</a:t>
+            </a:r>
+          </a:p>
+          <a:p>
+            <a:endParaRPr lang="en-US" dirty="0"/>
+          </a:p>
+          <a:p>
+            <a:endParaRPr lang="en-US" dirty="0"/>
+          </a:p>
+          <a:p>
+            <a:endParaRPr lang="en-US" dirty="0"/>
+          </a:p>
+          <a:p>
+            <a:r>
+              <a:rPr lang="en-US" dirty="0"/>
+              <a:t>_______________</a:t>
+            </a:r>
+          </a:p>
+          <a:p>
+            <a:pPr marL="0" marR="0" lvl="0" indent="0" algn="l" defTabSz="457200" rtl="0" eaLnBrk="1" fontAlgn="auto" latinLnBrk="0" hangingPunct="1">
+              <a:lnSpc>
+                <a:spcPct val="100000"/>
+              </a:lnSpc>
+              <a:spcBef>
+                <a:spcPts val="0"/>
+              </a:spcBef>
+              <a:spcAft>
+                <a:spcPts val="0"/>
+              </a:spcAft>
+              <a:buClrTx/>
+              <a:buSzTx/>
+              <a:buFontTx/>
+              <a:buNone/>
+              <a:tabLst/>
+              <a:defRPr/>
+            </a:pPr>
+            <a:r>
+              <a:rPr lang="en-US" sz="1200" kern="1200" dirty="0">
+                <a:solidFill>
+                  <a:schemeClr val="tx1"/>
+                </a:solidFill>
+                <a:effectLst/>
+                <a:latin typeface="+mn-lt"/>
+                <a:ea typeface="+mn-ea"/>
+                <a:cs typeface="+mn-cs"/>
+              </a:rPr>
+              <a:t>All populations generated predictions. Stress, L2 proficiency and L2 use were the primary mediators of prediction in L2 speakers. These factors interacted with each other as well as with L1 transfer. Proficiency interacted with L1, such that particularly Chinese speakers predicted more target-like and earlier as proficiency increased. L2 use interacted with L1, such that especially the English speakers predicted faster with more L2 use. </a:t>
+            </a:r>
             <a:endParaRPr lang="en-US" dirty="0"/>
           </a:p>
         </p:txBody>
@@ -1643,7 +1687,7 @@
           <a:p>
             <a:r>
               <a:rPr lang="en-US" dirty="0"/>
-              <a:t>The other three chapters are the three experiments. The first experiment addressed second language or L2 experience factors, namely, proficiency and use.</a:t>
+              <a:t>The other three chapters are the three experiments. The first experiment addressed second L2 experience factors, namely, proficiency and use.</a:t>
             </a:r>
           </a:p>
           <a:p>
@@ -2299,8 +2343,154 @@
                 <a:ea typeface="+mn-ea"/>
                 <a:cs typeface="+mn-cs"/>
               </a:rPr>
-              <a:t>Results show that both groups generated predictions, although L2 learners did so later and generated less target-like predictions than monolinguals. The learners predicted earlier with oxytones than paroxytones, generated more target-like and faster predictions with higher than lower proficiency and predicted later with higher than lower L2 use. Also, with extensive L2 use, higher proficiency learners predicted oxytones later but more and faster than lower proficiency learners. Finally, L2 proficiency and L2 use correlated weakly. </a:t>
-            </a:r>
+              <a:t>Results show that both groups generated predictions, although L2 learners did so later and generated less target-like predictions than monolinguals. The learners generated more target-like and faster predictions with higher than lower proficiency and predicted later with higher than lower L2 use, could be because they were considering more options they had got familiar with through more extensive daily life contact with the language. Also, with extensive L2 use, higher proficiency learners predicted oxytones later but more and faster than lower proficiency learners. Finally, L2 proficiency and L2 use correlated moderately. </a:t>
+            </a:r>
+          </a:p>
+          <a:p>
+            <a:pPr marL="0" marR="0" lvl="0" indent="0" algn="l" defTabSz="457200" rtl="0" eaLnBrk="1" fontAlgn="auto" latinLnBrk="0" hangingPunct="1">
+              <a:lnSpc>
+                <a:spcPct val="100000"/>
+              </a:lnSpc>
+              <a:spcBef>
+                <a:spcPts val="0"/>
+              </a:spcBef>
+              <a:spcAft>
+                <a:spcPts val="0"/>
+              </a:spcAft>
+              <a:buClrTx/>
+              <a:buSzTx/>
+              <a:buFontTx/>
+              <a:buNone/>
+              <a:tabLst/>
+              <a:defRPr/>
+            </a:pPr>
+            <a:endParaRPr lang="en-US" sz="1200" kern="1200" dirty="0">
+              <a:solidFill>
+                <a:schemeClr val="tx1"/>
+              </a:solidFill>
+              <a:effectLst/>
+              <a:latin typeface="+mn-lt"/>
+              <a:ea typeface="+mn-ea"/>
+              <a:cs typeface="+mn-cs"/>
+            </a:endParaRPr>
+          </a:p>
+          <a:p>
+            <a:pPr marL="0" marR="0" lvl="0" indent="0" algn="l" defTabSz="457200" rtl="0" eaLnBrk="1" fontAlgn="auto" latinLnBrk="0" hangingPunct="1">
+              <a:lnSpc>
+                <a:spcPct val="100000"/>
+              </a:lnSpc>
+              <a:spcBef>
+                <a:spcPts val="0"/>
+              </a:spcBef>
+              <a:spcAft>
+                <a:spcPts val="0"/>
+              </a:spcAft>
+              <a:buClrTx/>
+              <a:buSzTx/>
+              <a:buFontTx/>
+              <a:buNone/>
+              <a:tabLst/>
+              <a:defRPr/>
+            </a:pPr>
+            <a:endParaRPr lang="en-US" sz="1200" kern="1200" dirty="0">
+              <a:solidFill>
+                <a:schemeClr val="tx1"/>
+              </a:solidFill>
+              <a:effectLst/>
+              <a:latin typeface="+mn-lt"/>
+              <a:ea typeface="+mn-ea"/>
+              <a:cs typeface="+mn-cs"/>
+            </a:endParaRPr>
+          </a:p>
+          <a:p>
+            <a:pPr marL="0" marR="0" lvl="0" indent="0" algn="l" defTabSz="457200" rtl="0" eaLnBrk="1" fontAlgn="auto" latinLnBrk="0" hangingPunct="1">
+              <a:lnSpc>
+                <a:spcPct val="100000"/>
+              </a:lnSpc>
+              <a:spcBef>
+                <a:spcPts val="0"/>
+              </a:spcBef>
+              <a:spcAft>
+                <a:spcPts val="0"/>
+              </a:spcAft>
+              <a:buClrTx/>
+              <a:buSzTx/>
+              <a:buFontTx/>
+              <a:buNone/>
+              <a:tabLst/>
+              <a:defRPr/>
+            </a:pPr>
+            <a:r>
+              <a:rPr lang="en-US" sz="1200" kern="1200" dirty="0">
+                <a:solidFill>
+                  <a:schemeClr val="tx1"/>
+                </a:solidFill>
+                <a:effectLst/>
+                <a:latin typeface="+mn-lt"/>
+                <a:ea typeface="+mn-ea"/>
+                <a:cs typeface="+mn-cs"/>
+              </a:rPr>
+              <a:t>___________</a:t>
+            </a:r>
+          </a:p>
+          <a:p>
+            <a:pPr marL="0" marR="0" lvl="0" indent="0" algn="l" defTabSz="457200" rtl="0" eaLnBrk="1" fontAlgn="auto" latinLnBrk="0" hangingPunct="1">
+              <a:lnSpc>
+                <a:spcPct val="100000"/>
+              </a:lnSpc>
+              <a:spcBef>
+                <a:spcPts val="0"/>
+              </a:spcBef>
+              <a:spcAft>
+                <a:spcPts val="0"/>
+              </a:spcAft>
+              <a:buClrTx/>
+              <a:buSzTx/>
+              <a:buFontTx/>
+              <a:buNone/>
+              <a:tabLst/>
+              <a:defRPr/>
+            </a:pPr>
+            <a:r>
+              <a:rPr lang="en-US" sz="1200" kern="1200" dirty="0">
+                <a:solidFill>
+                  <a:schemeClr val="tx1"/>
+                </a:solidFill>
+                <a:effectLst/>
+                <a:latin typeface="+mn-lt"/>
+                <a:ea typeface="+mn-ea"/>
+                <a:cs typeface="+mn-cs"/>
+              </a:rPr>
+              <a:t>Results show that both groups generated predictions, although L2 learners did so later and generated less target-like predictions than monolinguals. The learners predicted [earlier with oxytones than paroxytones,] generated more target-like and faster predictions with higher than lower proficiency and predicted later with higher than lower L2 use. Also, with extensive L2 use, higher proficiency learners predicted oxytones later but more and faster than lower proficiency learners. Finally, L2 proficiency and L2 use correlated moderately. </a:t>
+            </a:r>
+          </a:p>
+          <a:p>
+            <a:pPr marL="0" marR="0" lvl="0" indent="0" algn="l" defTabSz="457200" rtl="0" eaLnBrk="1" fontAlgn="auto" latinLnBrk="0" hangingPunct="1">
+              <a:lnSpc>
+                <a:spcPct val="100000"/>
+              </a:lnSpc>
+              <a:spcBef>
+                <a:spcPts val="0"/>
+              </a:spcBef>
+              <a:spcAft>
+                <a:spcPts val="0"/>
+              </a:spcAft>
+              <a:buClrTx/>
+              <a:buSzTx/>
+              <a:buFontTx/>
+              <a:buNone/>
+              <a:tabLst/>
+              <a:defRPr/>
+            </a:pPr>
+            <a:endParaRPr lang="en-US" sz="1200" kern="1200" dirty="0">
+              <a:solidFill>
+                <a:schemeClr val="tx1"/>
+              </a:solidFill>
+              <a:effectLst/>
+              <a:latin typeface="+mn-lt"/>
+              <a:ea typeface="+mn-ea"/>
+              <a:cs typeface="+mn-cs"/>
+            </a:endParaRPr>
           </a:p>
         </p:txBody>
       </p:sp>
@@ -4580,14 +4770,14 @@
           </a:ln>
           <a:extLst>
             <a:ext uri="{909E8E84-426E-40dd-AFC4-6F175D3DCCD1}">
-              <a14:hiddenFill xmlns="" xmlns:a14="http://schemas.microsoft.com/office/drawing/2010/main">
+              <a14:hiddenFill xmlns:a14="http://schemas.microsoft.com/office/drawing/2010/main" xmlns="">
                 <a:solidFill>
                   <a:srgbClr val="FFFFFF"/>
                 </a:solidFill>
               </a14:hiddenFill>
             </a:ext>
             <a:ext uri="{91240B29-F687-4f45-9708-019B960494DF}">
-              <a14:hiddenLine xmlns="" xmlns:a14="http://schemas.microsoft.com/office/drawing/2010/main" w="9525">
+              <a14:hiddenLine xmlns:a14="http://schemas.microsoft.com/office/drawing/2010/main" xmlns="" w="9525">
                 <a:solidFill>
                   <a:srgbClr val="000000"/>
                 </a:solidFill>
@@ -4597,7 +4787,7 @@
               </a14:hiddenLine>
             </a:ext>
             <a:ext uri="{FAA26D3D-D897-4be2-8F04-BA451C77F1D7}">
-              <ma14:placeholderFlag xmlns="" xmlns:ma14="http://schemas.microsoft.com/office/mac/drawingml/2011/main" val="1"/>
+              <ma14:placeholderFlag xmlns:ma14="http://schemas.microsoft.com/office/mac/drawingml/2011/main" xmlns="" val="1"/>
             </a:ext>
           </a:extLst>
         </p:spPr>
@@ -4642,14 +4832,14 @@
           </a:ln>
           <a:extLst>
             <a:ext uri="{909E8E84-426E-40dd-AFC4-6F175D3DCCD1}">
-              <a14:hiddenFill xmlns="" xmlns:a14="http://schemas.microsoft.com/office/drawing/2010/main">
+              <a14:hiddenFill xmlns:a14="http://schemas.microsoft.com/office/drawing/2010/main" xmlns="">
                 <a:solidFill>
                   <a:srgbClr val="FFFFFF"/>
                 </a:solidFill>
               </a14:hiddenFill>
             </a:ext>
             <a:ext uri="{91240B29-F687-4f45-9708-019B960494DF}">
-              <a14:hiddenLine xmlns="" xmlns:a14="http://schemas.microsoft.com/office/drawing/2010/main" w="9525">
+              <a14:hiddenLine xmlns:a14="http://schemas.microsoft.com/office/drawing/2010/main" xmlns="" w="9525">
                 <a:solidFill>
                   <a:srgbClr val="000000"/>
                 </a:solidFill>
@@ -4659,7 +4849,7 @@
               </a14:hiddenLine>
             </a:ext>
             <a:ext uri="{FAA26D3D-D897-4be2-8F04-BA451C77F1D7}">
-              <ma14:placeholderFlag xmlns="" xmlns:ma14="http://schemas.microsoft.com/office/mac/drawingml/2011/main" val="1"/>
+              <ma14:placeholderFlag xmlns:ma14="http://schemas.microsoft.com/office/mac/drawingml/2011/main" xmlns="" val="1"/>
             </a:ext>
           </a:extLst>
         </p:spPr>
@@ -5695,14 +5885,14 @@
           </a:ln>
           <a:extLst>
             <a:ext uri="{909E8E84-426E-40dd-AFC4-6F175D3DCCD1}">
-              <a14:hiddenFill xmlns="" xmlns:a14="http://schemas.microsoft.com/office/drawing/2010/main">
+              <a14:hiddenFill xmlns:a14="http://schemas.microsoft.com/office/drawing/2010/main" xmlns="">
                 <a:solidFill>
                   <a:srgbClr val="FFFFFF"/>
                 </a:solidFill>
               </a14:hiddenFill>
             </a:ext>
             <a:ext uri="{91240B29-F687-4f45-9708-019B960494DF}">
-              <a14:hiddenLine xmlns="" xmlns:a14="http://schemas.microsoft.com/office/drawing/2010/main" w="9525">
+              <a14:hiddenLine xmlns:a14="http://schemas.microsoft.com/office/drawing/2010/main" xmlns="" w="9525">
                 <a:solidFill>
                   <a:srgbClr val="000000"/>
                 </a:solidFill>
@@ -5712,7 +5902,7 @@
               </a14:hiddenLine>
             </a:ext>
             <a:ext uri="{FAA26D3D-D897-4be2-8F04-BA451C77F1D7}">
-              <ma14:placeholderFlag xmlns="" xmlns:ma14="http://schemas.microsoft.com/office/mac/drawingml/2011/main" val="1"/>
+              <ma14:placeholderFlag xmlns:ma14="http://schemas.microsoft.com/office/mac/drawingml/2011/main" xmlns="" val="1"/>
             </a:ext>
           </a:extLst>
         </p:spPr>
@@ -6501,6 +6691,81 @@
               <a:rPr lang="en-US" dirty="0">
                 <a:latin typeface="Seravek" panose="020B0503040000020004" pitchFamily="34" charset="0"/>
               </a:rPr>
+              <a:t>Predictions generated in other domains too:</a:t>
+            </a:r>
+          </a:p>
+          <a:p>
+            <a:pPr lvl="1"/>
+            <a:r>
+              <a:rPr lang="en-US" dirty="0">
+                <a:latin typeface="Seravek" panose="020B0503040000020004" pitchFamily="34" charset="0"/>
+              </a:rPr>
+              <a:t>Sports </a:t>
+            </a:r>
+            <a:r>
+              <a:rPr lang="en-US" sz="1000" dirty="0">
+                <a:latin typeface="Seravek" panose="020B0503040000020004" pitchFamily="34" charset="0"/>
+              </a:rPr>
+              <a:t>(e.g., Bishop et al., 2013; </a:t>
+            </a:r>
+            <a:r>
+              <a:rPr lang="en-US" sz="1000" dirty="0" err="1"/>
+              <a:t>Wimshurst</a:t>
+            </a:r>
+            <a:r>
+              <a:rPr lang="en-US" sz="1000" dirty="0"/>
+              <a:t> et al., 2016</a:t>
+            </a:r>
+            <a:r>
+              <a:rPr lang="en-US" sz="1000" dirty="0">
+                <a:latin typeface="Seravek" panose="020B0503040000020004" pitchFamily="34" charset="0"/>
+              </a:rPr>
+              <a:t>)</a:t>
+            </a:r>
+          </a:p>
+          <a:p>
+            <a:pPr lvl="1"/>
+            <a:r>
+              <a:rPr lang="en-US" dirty="0">
+                <a:latin typeface="Seravek" panose="020B0503040000020004" pitchFamily="34" charset="0"/>
+              </a:rPr>
+              <a:t>Driving </a:t>
+            </a:r>
+            <a:r>
+              <a:rPr lang="en-US" sz="1000" dirty="0">
+                <a:latin typeface="Seravek" panose="020B0503040000020004" pitchFamily="34" charset="0"/>
+              </a:rPr>
+              <a:t>(e.g., Morando et al., 2016; Yamani et al., 2018)</a:t>
+            </a:r>
+          </a:p>
+          <a:p>
+            <a:pPr lvl="1"/>
+            <a:r>
+              <a:rPr lang="en-US" dirty="0">
+                <a:latin typeface="Seravek" panose="020B0503040000020004" pitchFamily="34" charset="0"/>
+              </a:rPr>
+              <a:t>Music </a:t>
+            </a:r>
+            <a:r>
+              <a:rPr lang="en-US" sz="1000" dirty="0">
+                <a:latin typeface="Seravek" panose="020B0503040000020004" pitchFamily="34" charset="0"/>
+              </a:rPr>
+              <a:t>(e.g., Huron, 2016)</a:t>
+            </a:r>
+            <a:endParaRPr lang="en-US" dirty="0">
+              <a:latin typeface="Seravek" panose="020B0503040000020004" pitchFamily="34" charset="0"/>
+            </a:endParaRPr>
+          </a:p>
+          <a:p>
+            <a:endParaRPr lang="en-US" dirty="0">
+              <a:latin typeface="Seravek" panose="020B0503040000020004" pitchFamily="34" charset="0"/>
+            </a:endParaRPr>
+          </a:p>
+          <a:p>
+            <a:r>
+              <a:rPr lang="en-US" dirty="0">
+                <a:latin typeface="Seravek" panose="020B0503040000020004" pitchFamily="34" charset="0"/>
+              </a:rPr>
               <a:t>Domain-specific models of learning </a:t>
             </a:r>
             <a:r>
@@ -6547,74 +6812,6 @@
           </a:p>
           <a:p>
             <a:endParaRPr lang="en-US" dirty="0"/>
-          </a:p>
-          <a:p>
-            <a:r>
-              <a:rPr lang="en-US" dirty="0">
-                <a:latin typeface="Seravek" panose="020B0503040000020004" pitchFamily="34" charset="0"/>
-              </a:rPr>
-              <a:t>Predictions generated in other domains too:</a:t>
-            </a:r>
-          </a:p>
-          <a:p>
-            <a:pPr lvl="1"/>
-            <a:r>
-              <a:rPr lang="en-US" dirty="0">
-                <a:latin typeface="Seravek" panose="020B0503040000020004" pitchFamily="34" charset="0"/>
-              </a:rPr>
-              <a:t>Sports </a:t>
-            </a:r>
-            <a:r>
-              <a:rPr lang="en-US" sz="1000" dirty="0">
-                <a:latin typeface="Seravek" panose="020B0503040000020004" pitchFamily="34" charset="0"/>
-              </a:rPr>
-              <a:t>(e.g., Bishop et al., 2013; </a:t>
-            </a:r>
-            <a:r>
-              <a:rPr lang="en-US" sz="1000" dirty="0" err="1"/>
-              <a:t>Wimshurst</a:t>
-            </a:r>
-            <a:r>
-              <a:rPr lang="en-US" sz="1000" dirty="0"/>
-              <a:t> et al., 2016</a:t>
-            </a:r>
-            <a:r>
-              <a:rPr lang="en-US" sz="1000" dirty="0">
-                <a:latin typeface="Seravek" panose="020B0503040000020004" pitchFamily="34" charset="0"/>
-              </a:rPr>
-              <a:t>)</a:t>
-            </a:r>
-          </a:p>
-          <a:p>
-            <a:pPr lvl="1"/>
-            <a:r>
-              <a:rPr lang="en-US" dirty="0">
-                <a:latin typeface="Seravek" panose="020B0503040000020004" pitchFamily="34" charset="0"/>
-              </a:rPr>
-              <a:t>Driving </a:t>
-            </a:r>
-            <a:r>
-              <a:rPr lang="en-US" sz="1000" dirty="0">
-                <a:latin typeface="Seravek" panose="020B0503040000020004" pitchFamily="34" charset="0"/>
-              </a:rPr>
-              <a:t>(e.g., Morando et al., 2016; Yamani et al., 2018)</a:t>
-            </a:r>
-          </a:p>
-          <a:p>
-            <a:pPr lvl="1"/>
-            <a:r>
-              <a:rPr lang="en-US" dirty="0">
-                <a:latin typeface="Seravek" panose="020B0503040000020004" pitchFamily="34" charset="0"/>
-              </a:rPr>
-              <a:t>Music </a:t>
-            </a:r>
-            <a:r>
-              <a:rPr lang="en-US" sz="1000" dirty="0">
-                <a:latin typeface="Seravek" panose="020B0503040000020004" pitchFamily="34" charset="0"/>
-              </a:rPr>
-              <a:t>(e.g., Huron, 2016)</a:t>
-            </a:r>
-            <a:endParaRPr lang="en-US" sz="1000" dirty="0"/>
           </a:p>
           <a:p>
             <a:endParaRPr lang="en-US" dirty="0">
@@ -6807,178 +7004,6 @@
   <p:clrMapOvr>
     <a:masterClrMapping/>
   </p:clrMapOvr>
-  <p:timing>
-    <p:tnLst>
-      <p:par>
-        <p:cTn id="1" dur="indefinite" restart="never" nodeType="tmRoot">
-          <p:childTnLst>
-            <p:seq concurrent="1" nextAc="seek">
-              <p:cTn id="2" dur="indefinite" nodeType="mainSeq">
-                <p:childTnLst>
-                  <p:par>
-                    <p:cTn id="3" fill="hold">
-                      <p:stCondLst>
-                        <p:cond delay="indefinite"/>
-                      </p:stCondLst>
-                      <p:childTnLst>
-                        <p:par>
-                          <p:cTn id="4" fill="hold">
-                            <p:stCondLst>
-                              <p:cond delay="0"/>
-                            </p:stCondLst>
-                            <p:childTnLst>
-                              <p:par>
-                                <p:cTn id="5" presetID="1" presetClass="entr" presetSubtype="0" fill="hold" nodeType="clickEffect">
-                                  <p:stCondLst>
-                                    <p:cond delay="0"/>
-                                  </p:stCondLst>
-                                  <p:childTnLst>
-                                    <p:set>
-                                      <p:cBhvr>
-                                        <p:cTn id="6" dur="1" fill="hold">
-                                          <p:stCondLst>
-                                            <p:cond delay="0"/>
-                                          </p:stCondLst>
-                                        </p:cTn>
-                                        <p:tgtEl>
-                                          <p:spTgt spid="3">
-                                            <p:txEl>
-                                              <p:pRg st="3" end="3"/>
-                                            </p:txEl>
-                                          </p:spTgt>
-                                        </p:tgtEl>
-                                        <p:attrNameLst>
-                                          <p:attrName>style.visibility</p:attrName>
-                                        </p:attrNameLst>
-                                      </p:cBhvr>
-                                      <p:to>
-                                        <p:strVal val="visible"/>
-                                      </p:to>
-                                    </p:set>
-                                  </p:childTnLst>
-                                </p:cTn>
-                              </p:par>
-                              <p:par>
-                                <p:cTn id="7" presetID="1" presetClass="entr" presetSubtype="0" fill="hold" nodeType="withEffect">
-                                  <p:stCondLst>
-                                    <p:cond delay="0"/>
-                                  </p:stCondLst>
-                                  <p:childTnLst>
-                                    <p:set>
-                                      <p:cBhvr>
-                                        <p:cTn id="8" dur="1" fill="hold">
-                                          <p:stCondLst>
-                                            <p:cond delay="0"/>
-                                          </p:stCondLst>
-                                        </p:cTn>
-                                        <p:tgtEl>
-                                          <p:spTgt spid="3">
-                                            <p:txEl>
-                                              <p:pRg st="4" end="4"/>
-                                            </p:txEl>
-                                          </p:spTgt>
-                                        </p:tgtEl>
-                                        <p:attrNameLst>
-                                          <p:attrName>style.visibility</p:attrName>
-                                        </p:attrNameLst>
-                                      </p:cBhvr>
-                                      <p:to>
-                                        <p:strVal val="visible"/>
-                                      </p:to>
-                                    </p:set>
-                                  </p:childTnLst>
-                                </p:cTn>
-                              </p:par>
-                              <p:par>
-                                <p:cTn id="9" presetID="1" presetClass="entr" presetSubtype="0" fill="hold" nodeType="withEffect">
-                                  <p:stCondLst>
-                                    <p:cond delay="0"/>
-                                  </p:stCondLst>
-                                  <p:childTnLst>
-                                    <p:set>
-                                      <p:cBhvr>
-                                        <p:cTn id="10" dur="1" fill="hold">
-                                          <p:stCondLst>
-                                            <p:cond delay="0"/>
-                                          </p:stCondLst>
-                                        </p:cTn>
-                                        <p:tgtEl>
-                                          <p:spTgt spid="3">
-                                            <p:txEl>
-                                              <p:pRg st="5" end="5"/>
-                                            </p:txEl>
-                                          </p:spTgt>
-                                        </p:tgtEl>
-                                        <p:attrNameLst>
-                                          <p:attrName>style.visibility</p:attrName>
-                                        </p:attrNameLst>
-                                      </p:cBhvr>
-                                      <p:to>
-                                        <p:strVal val="visible"/>
-                                      </p:to>
-                                    </p:set>
-                                  </p:childTnLst>
-                                </p:cTn>
-                              </p:par>
-                              <p:par>
-                                <p:cTn id="11" presetID="1" presetClass="entr" presetSubtype="0" fill="hold" nodeType="withEffect">
-                                  <p:stCondLst>
-                                    <p:cond delay="0"/>
-                                  </p:stCondLst>
-                                  <p:childTnLst>
-                                    <p:set>
-                                      <p:cBhvr>
-                                        <p:cTn id="12" dur="1" fill="hold">
-                                          <p:stCondLst>
-                                            <p:cond delay="0"/>
-                                          </p:stCondLst>
-                                        </p:cTn>
-                                        <p:tgtEl>
-                                          <p:spTgt spid="3">
-                                            <p:txEl>
-                                              <p:pRg st="6" end="6"/>
-                                            </p:txEl>
-                                          </p:spTgt>
-                                        </p:tgtEl>
-                                        <p:attrNameLst>
-                                          <p:attrName>style.visibility</p:attrName>
-                                        </p:attrNameLst>
-                                      </p:cBhvr>
-                                      <p:to>
-                                        <p:strVal val="visible"/>
-                                      </p:to>
-                                    </p:set>
-                                  </p:childTnLst>
-                                </p:cTn>
-                              </p:par>
-                            </p:childTnLst>
-                          </p:cTn>
-                        </p:par>
-                      </p:childTnLst>
-                    </p:cTn>
-                  </p:par>
-                </p:childTnLst>
-              </p:cTn>
-              <p:prevCondLst>
-                <p:cond evt="onPrev" delay="0">
-                  <p:tgtEl>
-                    <p:sldTgt/>
-                  </p:tgtEl>
-                </p:cond>
-              </p:prevCondLst>
-              <p:nextCondLst>
-                <p:cond evt="onNext" delay="0">
-                  <p:tgtEl>
-                    <p:sldTgt/>
-                  </p:tgtEl>
-                </p:cond>
-              </p:nextCondLst>
-            </p:seq>
-          </p:childTnLst>
-        </p:cTn>
-      </p:par>
-    </p:tnLst>
-  </p:timing>
 </p:sld>
 </file>
 
@@ -7071,48 +7096,88 @@
             <a:pPr lvl="1"/>
             <a:r>
               <a:rPr lang="en-US" dirty="0">
+                <a:solidFill>
+                  <a:schemeClr val="bg1">
+                    <a:lumMod val="75000"/>
+                  </a:schemeClr>
+                </a:solidFill>
                 <a:latin typeface="Seravek" panose="020B0503040000020004" pitchFamily="34" charset="0"/>
               </a:rPr>
               <a:t>Reading abilities </a:t>
             </a:r>
             <a:r>
               <a:rPr lang="en-US" sz="1000" dirty="0">
+                <a:solidFill>
+                  <a:schemeClr val="bg1">
+                    <a:lumMod val="75000"/>
+                  </a:schemeClr>
+                </a:solidFill>
                 <a:latin typeface="Seravek" panose="020B0503040000020004" pitchFamily="34" charset="0"/>
               </a:rPr>
               <a:t>(</a:t>
             </a:r>
             <a:r>
               <a:rPr lang="en-US" sz="1000" dirty="0" err="1">
+                <a:solidFill>
+                  <a:schemeClr val="bg1">
+                    <a:lumMod val="75000"/>
+                  </a:schemeClr>
+                </a:solidFill>
                 <a:latin typeface="Seravek" panose="020B0503040000020004" pitchFamily="34" charset="0"/>
               </a:rPr>
               <a:t>Helland</a:t>
             </a:r>
             <a:r>
               <a:rPr lang="en-US" sz="1000" dirty="0">
+                <a:solidFill>
+                  <a:schemeClr val="bg1">
+                    <a:lumMod val="75000"/>
+                  </a:schemeClr>
+                </a:solidFill>
                 <a:latin typeface="Seravek" panose="020B0503040000020004" pitchFamily="34" charset="0"/>
               </a:rPr>
               <a:t> &amp; </a:t>
             </a:r>
             <a:r>
               <a:rPr lang="en-US" sz="1000" dirty="0" err="1">
+                <a:solidFill>
+                  <a:schemeClr val="bg1">
+                    <a:lumMod val="75000"/>
+                  </a:schemeClr>
+                </a:solidFill>
                 <a:latin typeface="Seravek" panose="020B0503040000020004" pitchFamily="34" charset="0"/>
               </a:rPr>
               <a:t>Morken</a:t>
             </a:r>
             <a:r>
               <a:rPr lang="en-US" sz="1000" dirty="0">
+                <a:solidFill>
+                  <a:schemeClr val="bg1">
+                    <a:lumMod val="75000"/>
+                  </a:schemeClr>
+                </a:solidFill>
                 <a:latin typeface="Seravek" panose="020B0503040000020004" pitchFamily="34" charset="0"/>
               </a:rPr>
               <a:t>, 2016; Estes &amp; </a:t>
             </a:r>
             <a:r>
               <a:rPr lang="en-US" sz="1000" dirty="0" err="1">
+                <a:solidFill>
+                  <a:schemeClr val="bg1">
+                    <a:lumMod val="75000"/>
+                  </a:schemeClr>
+                </a:solidFill>
                 <a:latin typeface="Seravek" panose="020B0503040000020004" pitchFamily="34" charset="0"/>
               </a:rPr>
               <a:t>Barsalou</a:t>
             </a:r>
             <a:r>
               <a:rPr lang="en-US" sz="1000" dirty="0">
+                <a:solidFill>
+                  <a:schemeClr val="bg1">
+                    <a:lumMod val="75000"/>
+                  </a:schemeClr>
+                </a:solidFill>
                 <a:latin typeface="Seravek" panose="020B0503040000020004" pitchFamily="34" charset="0"/>
               </a:rPr>
               <a:t>, 2018)</a:t>
@@ -7122,12 +7187,22 @@
             <a:pPr lvl="1"/>
             <a:r>
               <a:rPr lang="en-US" dirty="0">
+                <a:solidFill>
+                  <a:schemeClr val="bg1">
+                    <a:lumMod val="75000"/>
+                  </a:schemeClr>
+                </a:solidFill>
                 <a:latin typeface="Seravek" panose="020B0503040000020004" pitchFamily="34" charset="0"/>
               </a:rPr>
               <a:t>Space organization and expressions to talk about it </a:t>
             </a:r>
             <a:r>
               <a:rPr lang="en-US" sz="1000" dirty="0">
+                <a:solidFill>
+                  <a:schemeClr val="bg1">
+                    <a:lumMod val="75000"/>
+                  </a:schemeClr>
+                </a:solidFill>
                 <a:latin typeface="Seravek" panose="020B0503040000020004" pitchFamily="34" charset="0"/>
               </a:rPr>
               <a:t>(Crawford et al., 2000)</a:t>
@@ -7897,14 +7972,14 @@
           </a:ln>
           <a:extLst>
             <a:ext uri="{909E8E84-426E-40dd-AFC4-6F175D3DCCD1}">
-              <a14:hiddenFill xmlns="" xmlns:a14="http://schemas.microsoft.com/office/drawing/2010/main">
+              <a14:hiddenFill xmlns:a14="http://schemas.microsoft.com/office/drawing/2010/main" xmlns="">
                 <a:solidFill>
                   <a:srgbClr val="FFFFFF"/>
                 </a:solidFill>
               </a14:hiddenFill>
             </a:ext>
             <a:ext uri="{91240B29-F687-4f45-9708-019B960494DF}">
-              <a14:hiddenLine xmlns="" xmlns:a14="http://schemas.microsoft.com/office/drawing/2010/main" w="9525">
+              <a14:hiddenLine xmlns:a14="http://schemas.microsoft.com/office/drawing/2010/main" xmlns="" w="9525">
                 <a:solidFill>
                   <a:srgbClr val="000000"/>
                 </a:solidFill>
@@ -7914,7 +7989,7 @@
               </a14:hiddenLine>
             </a:ext>
             <a:ext uri="{FAA26D3D-D897-4be2-8F04-BA451C77F1D7}">
-              <ma14:placeholderFlag xmlns="" xmlns:ma14="http://schemas.microsoft.com/office/mac/drawingml/2011/main" val="1"/>
+              <ma14:placeholderFlag xmlns:ma14="http://schemas.microsoft.com/office/mac/drawingml/2011/main" xmlns="" val="1"/>
             </a:ext>
           </a:extLst>
         </p:spPr>
@@ -7961,14 +8036,14 @@
           </a:ln>
           <a:extLst>
             <a:ext uri="{909E8E84-426E-40dd-AFC4-6F175D3DCCD1}">
-              <a14:hiddenFill xmlns="" xmlns:a14="http://schemas.microsoft.com/office/drawing/2010/main">
+              <a14:hiddenFill xmlns:a14="http://schemas.microsoft.com/office/drawing/2010/main" xmlns="">
                 <a:solidFill>
                   <a:srgbClr val="FFFFFF"/>
                 </a:solidFill>
               </a14:hiddenFill>
             </a:ext>
             <a:ext uri="{91240B29-F687-4f45-9708-019B960494DF}">
-              <a14:hiddenLine xmlns="" xmlns:a14="http://schemas.microsoft.com/office/drawing/2010/main" w="9525">
+              <a14:hiddenLine xmlns:a14="http://schemas.microsoft.com/office/drawing/2010/main" xmlns="" w="9525">
                 <a:solidFill>
                   <a:srgbClr val="000000"/>
                 </a:solidFill>
@@ -7978,7 +8053,7 @@
               </a14:hiddenLine>
             </a:ext>
             <a:ext uri="{FAA26D3D-D897-4be2-8F04-BA451C77F1D7}">
-              <ma14:placeholderFlag xmlns="" xmlns:ma14="http://schemas.microsoft.com/office/mac/drawingml/2011/main" val="1"/>
+              <ma14:placeholderFlag xmlns:ma14="http://schemas.microsoft.com/office/mac/drawingml/2011/main" xmlns="" val="1"/>
             </a:ext>
           </a:extLst>
         </p:spPr>
@@ -8025,14 +8100,14 @@
           </a:ln>
           <a:extLst>
             <a:ext uri="{909E8E84-426E-40dd-AFC4-6F175D3DCCD1}">
-              <a14:hiddenFill xmlns="" xmlns:a14="http://schemas.microsoft.com/office/drawing/2010/main">
+              <a14:hiddenFill xmlns:a14="http://schemas.microsoft.com/office/drawing/2010/main" xmlns="">
                 <a:solidFill>
                   <a:srgbClr val="FFFFFF"/>
                 </a:solidFill>
               </a14:hiddenFill>
             </a:ext>
             <a:ext uri="{91240B29-F687-4f45-9708-019B960494DF}">
-              <a14:hiddenLine xmlns="" xmlns:a14="http://schemas.microsoft.com/office/drawing/2010/main" w="9525">
+              <a14:hiddenLine xmlns:a14="http://schemas.microsoft.com/office/drawing/2010/main" xmlns="" w="9525">
                 <a:solidFill>
                   <a:srgbClr val="000000"/>
                 </a:solidFill>
@@ -8042,7 +8117,7 @@
               </a14:hiddenLine>
             </a:ext>
             <a:ext uri="{FAA26D3D-D897-4be2-8F04-BA451C77F1D7}">
-              <ma14:placeholderFlag xmlns="" xmlns:ma14="http://schemas.microsoft.com/office/mac/drawingml/2011/main" val="1"/>
+              <ma14:placeholderFlag xmlns:ma14="http://schemas.microsoft.com/office/mac/drawingml/2011/main" xmlns="" val="1"/>
             </a:ext>
           </a:extLst>
         </p:spPr>
@@ -8981,7 +9056,7 @@
               <a:rPr lang="en-US" dirty="0">
                 <a:latin typeface="Seravek" panose="020B0503040000020004" pitchFamily="34" charset="0"/>
               </a:rPr>
-              <a:t>Domain-general models of learning</a:t>
+              <a:t>Domain-general models of learning (for more general mechanisms)</a:t>
             </a:r>
           </a:p>
           <a:p>
@@ -10751,8 +10826,23 @@
               <a:rPr lang="en-US" dirty="0">
                 <a:latin typeface="Seravek" panose="020B0503040000020004" pitchFamily="34" charset="0"/>
               </a:rPr>
-              <a:t>Mandarin Chinese: tones (ma)</a:t>
-            </a:r>
+              <a:t>Mandarin Chinese: tones	mother </a:t>
+            </a:r>
+            <a:r>
+              <a:rPr lang="ja-JP" altLang="en-US"/>
+              <a:t>妈</a:t>
+            </a:r>
+            <a:r>
+              <a:rPr lang="en-US" altLang="ja-JP" dirty="0"/>
+              <a:t> vs. horse </a:t>
+            </a:r>
+            <a:r>
+              <a:rPr lang="ja-JP" altLang="en-US"/>
+              <a:t>马</a:t>
+            </a:r>
+            <a:endParaRPr lang="en-US" dirty="0">
+              <a:latin typeface="Seravek" panose="020B0503040000020004" pitchFamily="34" charset="0"/>
+            </a:endParaRPr>
           </a:p>
         </p:txBody>
       </p:sp>
@@ -10925,6 +11015,82 @@
           </a:p>
         </p:txBody>
       </p:sp>
+      <p:pic>
+        <p:nvPicPr>
+          <p:cNvPr id="7" name="1.mp3" descr="1.mp3">
+            <a:hlinkClick r:id="" action="ppaction://media"/>
+            <a:extLst>
+              <a:ext uri="{FF2B5EF4-FFF2-40B4-BE49-F238E27FC236}">
+                <a16:creationId xmlns:a16="http://schemas.microsoft.com/office/drawing/2014/main" id="{D7C8529A-6A01-704C-8F5B-87C6A9B4263E}"/>
+              </a:ext>
+            </a:extLst>
+          </p:cNvPr>
+          <p:cNvPicPr>
+            <a:picLocks noChangeAspect="1"/>
+          </p:cNvPicPr>
+          <p:nvPr>
+            <a:audioFile r:link="rId2"/>
+            <p:extLst>
+              <p:ext uri="{DAA4B4D4-6D71-4841-9C94-3DE7FCFB9230}">
+                <p14:media xmlns:p14="http://schemas.microsoft.com/office/powerpoint/2010/main" r:embed="rId1"/>
+              </p:ext>
+            </p:extLst>
+          </p:nvPr>
+        </p:nvPicPr>
+        <p:blipFill>
+          <a:blip r:embed="rId7"/>
+          <a:stretch>
+            <a:fillRect/>
+          </a:stretch>
+        </p:blipFill>
+        <p:spPr>
+          <a:xfrm>
+            <a:off x="4474072" y="3338112"/>
+            <a:ext cx="378169" cy="378169"/>
+          </a:xfrm>
+          <a:prstGeom prst="rect">
+            <a:avLst/>
+          </a:prstGeom>
+        </p:spPr>
+      </p:pic>
+      <p:pic>
+        <p:nvPicPr>
+          <p:cNvPr id="10" name="3.mp3" descr="3.mp3">
+            <a:hlinkClick r:id="" action="ppaction://media"/>
+            <a:extLst>
+              <a:ext uri="{FF2B5EF4-FFF2-40B4-BE49-F238E27FC236}">
+                <a16:creationId xmlns:a16="http://schemas.microsoft.com/office/drawing/2014/main" id="{40F44421-91A8-1D4A-8813-C26378162E4D}"/>
+              </a:ext>
+            </a:extLst>
+          </p:cNvPr>
+          <p:cNvPicPr>
+            <a:picLocks noChangeAspect="1"/>
+          </p:cNvPicPr>
+          <p:nvPr>
+            <a:audioFile r:link="rId4"/>
+            <p:extLst>
+              <p:ext uri="{DAA4B4D4-6D71-4841-9C94-3DE7FCFB9230}">
+                <p14:media xmlns:p14="http://schemas.microsoft.com/office/powerpoint/2010/main" r:embed="rId3"/>
+              </p:ext>
+            </p:extLst>
+          </p:nvPr>
+        </p:nvPicPr>
+        <p:blipFill>
+          <a:blip r:embed="rId7"/>
+          <a:stretch>
+            <a:fillRect/>
+          </a:stretch>
+        </p:blipFill>
+        <p:spPr>
+          <a:xfrm>
+            <a:off x="6214737" y="3349128"/>
+            <a:ext cx="345118" cy="345118"/>
+          </a:xfrm>
+          <a:prstGeom prst="rect">
+            <a:avLst/>
+          </a:prstGeom>
+        </p:spPr>
+      </p:pic>
     </p:spTree>
     <p:extLst>
       <p:ext uri="{BB962C8B-B14F-4D97-AF65-F5344CB8AC3E}">
@@ -11090,6 +11256,76 @@
                       </p:childTnLst>
                     </p:cTn>
                   </p:par>
+                  <p:par>
+                    <p:cTn id="15" fill="hold">
+                      <p:stCondLst>
+                        <p:cond delay="indefinite"/>
+                      </p:stCondLst>
+                      <p:childTnLst>
+                        <p:par>
+                          <p:cTn id="16" fill="hold">
+                            <p:stCondLst>
+                              <p:cond delay="0"/>
+                            </p:stCondLst>
+                            <p:childTnLst>
+                              <p:par>
+                                <p:cTn id="17" presetID="1" presetClass="mediacall" presetSubtype="0" fill="hold" nodeType="clickEffect">
+                                  <p:stCondLst>
+                                    <p:cond delay="0"/>
+                                  </p:stCondLst>
+                                  <p:childTnLst>
+                                    <p:cmd type="call" cmd="playFrom(0.0)">
+                                      <p:cBhvr>
+                                        <p:cTn id="18" dur="653" fill="hold"/>
+                                        <p:tgtEl>
+                                          <p:spTgt spid="7"/>
+                                        </p:tgtEl>
+                                      </p:cBhvr>
+                                    </p:cmd>
+                                  </p:childTnLst>
+                                </p:cTn>
+                              </p:par>
+                            </p:childTnLst>
+                          </p:cTn>
+                        </p:par>
+                      </p:childTnLst>
+                    </p:cTn>
+                  </p:par>
+                  <p:par>
+                    <p:cTn id="19" fill="hold">
+                      <p:stCondLst>
+                        <p:cond delay="indefinite"/>
+                      </p:stCondLst>
+                      <p:childTnLst>
+                        <p:par>
+                          <p:cTn id="20" fill="hold">
+                            <p:stCondLst>
+                              <p:cond delay="0"/>
+                            </p:stCondLst>
+                            <p:childTnLst>
+                              <p:par>
+                                <p:cTn id="21" presetID="1" presetClass="mediacall" presetSubtype="0" fill="hold" nodeType="clickEffect">
+                                  <p:stCondLst>
+                                    <p:cond delay="0"/>
+                                  </p:stCondLst>
+                                  <p:childTnLst>
+                                    <p:cmd type="call" cmd="playFrom(0.0)">
+                                      <p:cBhvr>
+                                        <p:cTn id="22" dur="731" fill="hold"/>
+                                        <p:tgtEl>
+                                          <p:spTgt spid="10"/>
+                                        </p:tgtEl>
+                                      </p:cBhvr>
+                                    </p:cmd>
+                                  </p:childTnLst>
+                                </p:cTn>
+                              </p:par>
+                            </p:childTnLst>
+                          </p:cTn>
+                        </p:par>
+                      </p:childTnLst>
+                    </p:cTn>
+                  </p:par>
                 </p:childTnLst>
               </p:cTn>
               <p:prevCondLst>
@@ -11107,6 +11343,44 @@
                 </p:cond>
               </p:nextCondLst>
             </p:seq>
+            <p:audio>
+              <p:cMediaNode vol="100000">
+                <p:cTn id="23" fill="hold" display="0">
+                  <p:stCondLst>
+                    <p:cond delay="indefinite"/>
+                  </p:stCondLst>
+                  <p:endCondLst>
+                    <p:cond evt="onStopAudio" delay="0">
+                      <p:tgtEl>
+                        <p:sldTgt/>
+                      </p:tgtEl>
+                    </p:cond>
+                  </p:endCondLst>
+                </p:cTn>
+                <p:tgtEl>
+                  <p:spTgt spid="7"/>
+                </p:tgtEl>
+              </p:cMediaNode>
+            </p:audio>
+            <p:audio>
+              <p:cMediaNode vol="100000">
+                <p:cTn id="24" fill="hold" display="0">
+                  <p:stCondLst>
+                    <p:cond delay="indefinite"/>
+                  </p:stCondLst>
+                  <p:endCondLst>
+                    <p:cond evt="onStopAudio" delay="0">
+                      <p:tgtEl>
+                        <p:sldTgt/>
+                      </p:tgtEl>
+                    </p:cond>
+                  </p:endCondLst>
+                </p:cTn>
+                <p:tgtEl>
+                  <p:spTgt spid="10"/>
+                </p:tgtEl>
+              </p:cMediaNode>
+            </p:audio>
           </p:childTnLst>
         </p:cTn>
       </p:par>
@@ -12277,6 +12551,192 @@
           </a:p>
         </p:txBody>
       </p:sp>
+      <p:sp>
+        <p:nvSpPr>
+          <p:cNvPr id="9" name="TextBox 8">
+            <a:extLst>
+              <a:ext uri="{FF2B5EF4-FFF2-40B4-BE49-F238E27FC236}">
+                <a16:creationId xmlns:a16="http://schemas.microsoft.com/office/drawing/2014/main" id="{0C073080-8C49-9448-89F1-28C63CD7A1DB}"/>
+              </a:ext>
+            </a:extLst>
+          </p:cNvPr>
+          <p:cNvSpPr txBox="1"/>
+          <p:nvPr/>
+        </p:nvSpPr>
+        <p:spPr>
+          <a:xfrm>
+            <a:off x="5277081" y="198302"/>
+            <a:ext cx="920445" cy="461665"/>
+          </a:xfrm>
+          <a:prstGeom prst="rect">
+            <a:avLst/>
+          </a:prstGeom>
+          <a:noFill/>
+        </p:spPr>
+        <p:txBody>
+          <a:bodyPr wrap="none" rtlCol="0">
+            <a:spAutoFit/>
+          </a:bodyPr>
+          <a:lstStyle/>
+          <a:p>
+            <a:r>
+              <a:rPr lang="en-US" dirty="0" err="1">
+                <a:latin typeface="Seravek" panose="020B0503040000020004" pitchFamily="34" charset="0"/>
+              </a:rPr>
+              <a:t>sal.ta</a:t>
+            </a:r>
+            <a:endParaRPr lang="en-US" dirty="0">
+              <a:latin typeface="Seravek" panose="020B0503040000020004" pitchFamily="34" charset="0"/>
+            </a:endParaRPr>
+          </a:p>
+        </p:txBody>
+      </p:sp>
+      <p:sp>
+        <p:nvSpPr>
+          <p:cNvPr id="5" name="Rectangle 4">
+            <a:extLst>
+              <a:ext uri="{FF2B5EF4-FFF2-40B4-BE49-F238E27FC236}">
+                <a16:creationId xmlns:a16="http://schemas.microsoft.com/office/drawing/2014/main" id="{AC2F7D58-4FF2-174A-960B-87F5A77CB508}"/>
+              </a:ext>
+            </a:extLst>
+          </p:cNvPr>
+          <p:cNvSpPr/>
+          <p:nvPr/>
+        </p:nvSpPr>
+        <p:spPr>
+          <a:xfrm>
+            <a:off x="7293166" y="4472848"/>
+            <a:ext cx="209320" cy="176270"/>
+          </a:xfrm>
+          <a:prstGeom prst="rect">
+            <a:avLst/>
+          </a:prstGeom>
+          <a:ln>
+            <a:solidFill>
+              <a:schemeClr val="bg1"/>
+            </a:solidFill>
+          </a:ln>
+        </p:spPr>
+        <p:style>
+          <a:lnRef idx="2">
+            <a:schemeClr val="accent6"/>
+          </a:lnRef>
+          <a:fillRef idx="1">
+            <a:schemeClr val="lt1"/>
+          </a:fillRef>
+          <a:effectRef idx="0">
+            <a:schemeClr val="accent6"/>
+          </a:effectRef>
+          <a:fontRef idx="minor">
+            <a:schemeClr val="dk1"/>
+          </a:fontRef>
+        </p:style>
+        <p:txBody>
+          <a:bodyPr rtlCol="0" anchor="ctr"/>
+          <a:lstStyle/>
+          <a:p>
+            <a:pPr algn="ctr"/>
+            <a:endParaRPr lang="en-US"/>
+          </a:p>
+        </p:txBody>
+      </p:sp>
+      <p:sp>
+        <p:nvSpPr>
+          <p:cNvPr id="11" name="TextBox 10">
+            <a:extLst>
+              <a:ext uri="{FF2B5EF4-FFF2-40B4-BE49-F238E27FC236}">
+                <a16:creationId xmlns:a16="http://schemas.microsoft.com/office/drawing/2014/main" id="{EBD860EF-1512-A24B-882D-DBDB2DCA908C}"/>
+              </a:ext>
+            </a:extLst>
+          </p:cNvPr>
+          <p:cNvSpPr txBox="1"/>
+          <p:nvPr/>
+        </p:nvSpPr>
+        <p:spPr>
+          <a:xfrm>
+            <a:off x="5453349" y="4296579"/>
+            <a:ext cx="969485" cy="461665"/>
+          </a:xfrm>
+          <a:prstGeom prst="rect">
+            <a:avLst/>
+          </a:prstGeom>
+          <a:solidFill>
+            <a:schemeClr val="bg1"/>
+          </a:solidFill>
+        </p:spPr>
+        <p:txBody>
+          <a:bodyPr wrap="square" rtlCol="0">
+            <a:spAutoFit/>
+          </a:bodyPr>
+          <a:lstStyle/>
+          <a:p>
+            <a:r>
+              <a:rPr lang="en-US" sz="1200" dirty="0">
+                <a:latin typeface="Seravek" panose="020B0503040000020004" pitchFamily="34" charset="0"/>
+              </a:rPr>
+              <a:t>Salta</a:t>
+            </a:r>
+          </a:p>
+          <a:p>
+            <a:r>
+              <a:rPr lang="en-US" sz="1200" dirty="0">
+                <a:latin typeface="Seravek" panose="020B0503040000020004" pitchFamily="34" charset="0"/>
+              </a:rPr>
+              <a:t>paroxytone</a:t>
+            </a:r>
+          </a:p>
+        </p:txBody>
+      </p:sp>
+      <p:sp>
+        <p:nvSpPr>
+          <p:cNvPr id="12" name="TextBox 11">
+            <a:extLst>
+              <a:ext uri="{FF2B5EF4-FFF2-40B4-BE49-F238E27FC236}">
+                <a16:creationId xmlns:a16="http://schemas.microsoft.com/office/drawing/2014/main" id="{2F05943B-B564-6543-A534-B2A22E61BDE7}"/>
+              </a:ext>
+            </a:extLst>
+          </p:cNvPr>
+          <p:cNvSpPr txBox="1"/>
+          <p:nvPr/>
+        </p:nvSpPr>
+        <p:spPr>
+          <a:xfrm>
+            <a:off x="6577068" y="4296581"/>
+            <a:ext cx="716030" cy="461665"/>
+          </a:xfrm>
+          <a:prstGeom prst="rect">
+            <a:avLst/>
+          </a:prstGeom>
+          <a:solidFill>
+            <a:schemeClr val="bg1"/>
+          </a:solidFill>
+        </p:spPr>
+        <p:txBody>
+          <a:bodyPr wrap="none" rtlCol="0">
+            <a:spAutoFit/>
+          </a:bodyPr>
+          <a:lstStyle/>
+          <a:p>
+            <a:r>
+              <a:rPr lang="en-US" sz="1200" dirty="0" err="1">
+                <a:latin typeface="Seravek" panose="020B0503040000020004" pitchFamily="34" charset="0"/>
+              </a:rPr>
+              <a:t>Saltó</a:t>
+            </a:r>
+            <a:endParaRPr lang="en-US" sz="1200" dirty="0">
+              <a:latin typeface="Seravek" panose="020B0503040000020004" pitchFamily="34" charset="0"/>
+            </a:endParaRPr>
+          </a:p>
+          <a:p>
+            <a:r>
+              <a:rPr lang="en-US" sz="1200" dirty="0">
+                <a:latin typeface="Seravek" panose="020B0503040000020004" pitchFamily="34" charset="0"/>
+              </a:rPr>
+              <a:t>oxytone</a:t>
+            </a:r>
+          </a:p>
+        </p:txBody>
+      </p:sp>
     </p:spTree>
     <p:extLst>
       <p:ext uri="{BB962C8B-B14F-4D97-AF65-F5344CB8AC3E}">
@@ -12480,14 +12940,14 @@
           </a:ln>
           <a:extLst>
             <a:ext uri="{909E8E84-426E-40dd-AFC4-6F175D3DCCD1}">
-              <a14:hiddenFill xmlns="" xmlns:a14="http://schemas.microsoft.com/office/drawing/2010/main">
+              <a14:hiddenFill xmlns:a14="http://schemas.microsoft.com/office/drawing/2010/main" xmlns="">
                 <a:solidFill>
                   <a:srgbClr val="FFFFFF"/>
                 </a:solidFill>
               </a14:hiddenFill>
             </a:ext>
             <a:ext uri="{91240B29-F687-4f45-9708-019B960494DF}">
-              <a14:hiddenLine xmlns="" xmlns:a14="http://schemas.microsoft.com/office/drawing/2010/main" w="9525">
+              <a14:hiddenLine xmlns:a14="http://schemas.microsoft.com/office/drawing/2010/main" xmlns="" w="9525">
                 <a:solidFill>
                   <a:srgbClr val="000000"/>
                 </a:solidFill>
@@ -12497,7 +12957,7 @@
               </a14:hiddenLine>
             </a:ext>
             <a:ext uri="{FAA26D3D-D897-4be2-8F04-BA451C77F1D7}">
-              <ma14:placeholderFlag xmlns="" xmlns:ma14="http://schemas.microsoft.com/office/mac/drawingml/2011/main" val="1"/>
+              <ma14:placeholderFlag xmlns:ma14="http://schemas.microsoft.com/office/mac/drawingml/2011/main" xmlns="" val="1"/>
             </a:ext>
           </a:extLst>
         </p:spPr>
@@ -12530,14 +12990,14 @@
           </a:ln>
           <a:extLst>
             <a:ext uri="{909E8E84-426E-40dd-AFC4-6F175D3DCCD1}">
-              <a14:hiddenFill xmlns="" xmlns:a14="http://schemas.microsoft.com/office/drawing/2010/main">
+              <a14:hiddenFill xmlns:a14="http://schemas.microsoft.com/office/drawing/2010/main" xmlns="">
                 <a:solidFill>
                   <a:srgbClr val="FFFFFF"/>
                 </a:solidFill>
               </a14:hiddenFill>
             </a:ext>
             <a:ext uri="{91240B29-F687-4f45-9708-019B960494DF}">
-              <a14:hiddenLine xmlns="" xmlns:a14="http://schemas.microsoft.com/office/drawing/2010/main" w="9525">
+              <a14:hiddenLine xmlns:a14="http://schemas.microsoft.com/office/drawing/2010/main" xmlns="" w="9525">
                 <a:solidFill>
                   <a:srgbClr val="000000"/>
                 </a:solidFill>
@@ -12547,7 +13007,7 @@
               </a14:hiddenLine>
             </a:ext>
             <a:ext uri="{FAA26D3D-D897-4be2-8F04-BA451C77F1D7}">
-              <ma14:placeholderFlag xmlns="" xmlns:ma14="http://schemas.microsoft.com/office/mac/drawingml/2011/main" val="1"/>
+              <ma14:placeholderFlag xmlns:ma14="http://schemas.microsoft.com/office/mac/drawingml/2011/main" xmlns="" val="1"/>
             </a:ext>
           </a:extLst>
         </p:spPr>
@@ -12751,6 +13211,50 @@
               <a:rPr lang="en-US" sz="1200" dirty="0"/>
               <a:t>8</a:t>
             </a:r>
+          </a:p>
+        </p:txBody>
+      </p:sp>
+      <p:sp>
+        <p:nvSpPr>
+          <p:cNvPr id="7" name="TextBox 6">
+            <a:extLst>
+              <a:ext uri="{FF2B5EF4-FFF2-40B4-BE49-F238E27FC236}">
+                <a16:creationId xmlns:a16="http://schemas.microsoft.com/office/drawing/2014/main" id="{73181FE9-096D-AC48-9CDF-79BA2AC64DBF}"/>
+              </a:ext>
+            </a:extLst>
+          </p:cNvPr>
+          <p:cNvSpPr txBox="1"/>
+          <p:nvPr/>
+        </p:nvSpPr>
+        <p:spPr>
+          <a:xfrm>
+            <a:off x="4902506" y="4715222"/>
+            <a:ext cx="1561646" cy="276999"/>
+          </a:xfrm>
+          <a:prstGeom prst="rect">
+            <a:avLst/>
+          </a:prstGeom>
+          <a:noFill/>
+        </p:spPr>
+        <p:txBody>
+          <a:bodyPr wrap="none" rtlCol="0">
+            <a:spAutoFit/>
+          </a:bodyPr>
+          <a:lstStyle/>
+          <a:p>
+            <a:r>
+              <a:rPr lang="en-US" sz="1200" dirty="0" err="1"/>
+              <a:t>salta</a:t>
+            </a:r>
+            <a:r>
+              <a:rPr lang="en-US" sz="1200" dirty="0"/>
+              <a:t>	  </a:t>
+            </a:r>
+            <a:r>
+              <a:rPr lang="en-US" sz="1200" dirty="0" err="1"/>
+              <a:t>saltó</a:t>
+            </a:r>
+            <a:endParaRPr lang="en-US" sz="1200" dirty="0"/>
           </a:p>
         </p:txBody>
       </p:sp>

--- a/ru_defense_slides.pptx
+++ b/ru_defense_slides.pptx
@@ -264,7 +264,7 @@
           <a:p>
             <a:fld id="{B4ACAF68-BA44-A64D-98FC-2994B8AF7CCA}" type="datetimeFigureOut">
               <a:rPr lang="en-US" smtClean="0"/>
-              <a:t>1/3/22</a:t>
+              <a:t>1/5/22</a:t>
             </a:fld>
             <a:endParaRPr lang="en-US"/>
           </a:p>
@@ -441,7 +441,7 @@
           <a:p>
             <a:fld id="{21E02A63-8238-CF49-95F6-4E73F04318D6}" type="datetimeFigureOut">
               <a:rPr lang="en-US" smtClean="0"/>
-              <a:t>1/3/22</a:t>
+              <a:t>1/5/22</a:t>
             </a:fld>
             <a:endParaRPr lang="en-US"/>
           </a:p>
@@ -754,7 +754,7 @@
           <a:p>
             <a:r>
               <a:rPr lang="en-US" dirty="0"/>
-              <a:t>Hello everyone. Thank you all for attending my dissertation defense. In my dissertation project I have address several issues in L1 and L2 morphophonological prediction. Specifically, the role of language experience factors and the association of morphophonological prediction with non-linguistic visuospatial prediction.</a:t>
+              <a:t>Hello everyone. Thank you all for attending my dissertation defense. In my dissertation project I have addressed several issues in L1 and L2 morphophonological prediction. Specifically, the role of language experience factors and the association of morphophonological prediction with non-linguistic visuospatial prediction.</a:t>
             </a:r>
           </a:p>
         </p:txBody>
@@ -875,8 +875,12 @@
                 <a:ea typeface="+mn-ea"/>
                 <a:cs typeface="+mn-cs"/>
               </a:rPr>
-              <a:t>All populations generated predictions. Stress, L2 proficiency and L2 use were the primary mediators of prediction in L2 speakers. [Oxytones were predicted earlier and more target-like than paroxytones, higher proficiency resulted in more target-like and earlier predictions, and more extensive L2 use contributed to faster predictions.] These factors interacted with each other as well as with L1 transfer. Proficiency interacted with [stress, such that proficiency resulted in more target-like predictions of oxytone, and with] L1, such that its positive effects were particularly relevant in Chinese speakers–more target-like and earlier. L2 use interacted [with stress, such that speed of prediction increased especially with L2 use especially in paroxytones, and] with L1, such that especially the English speakers benefited from more L2 use–faster. L2 proficiency and L2 use also interacted; at a high level of proficiency, prediction became faster as use was more frequent. L2 proficiency and L2 use were positively and moderately correlated.</a:t>
-            </a:r>
+              <a:t>All populations generated predictions. Stress patterns, L2 proficiency and L2 use were the primary mediators of prediction in L2 speakers. These factors interacted with each other as well as with L1 transfer. Proficiency interacted with L1, such that particularly Chinese speakers predicted more target-like and earlier as proficiency increased. L2 use interacted with L1, such that especially the English speakers predicted faster with more L2 use. </a:t>
+            </a:r>
+            <a:endParaRPr lang="en-US" dirty="0"/>
+          </a:p>
+          <a:p>
+            <a:endParaRPr lang="en-US" dirty="0"/>
           </a:p>
           <a:p>
             <a:endParaRPr lang="en-US" dirty="0"/>
@@ -921,8 +925,10 @@
                 <a:ea typeface="+mn-ea"/>
                 <a:cs typeface="+mn-cs"/>
               </a:rPr>
-              <a:t>All populations generated predictions. Stress, L2 proficiency and L2 use were the primary mediators of prediction in L2 speakers. These factors interacted with each other as well as with L1 transfer. Proficiency interacted with L1, such that particularly Chinese speakers predicted more target-like and earlier as proficiency increased. L2 use interacted with L1, such that especially the English speakers predicted faster with more L2 use. </a:t>
-            </a:r>
+              <a:t>All populations generated predictions. Stress pattern, L2 proficiency and L2 use were the primary mediators of prediction in L2 speakers. [Oxytones were predicted earlier and more target-like than paroxytones, higher proficiency resulted in more target-like and earlier predictions, and more extensive L2 use contributed to faster predictions.] These factors interacted with each other as well as with L1 transfer. Proficiency interacted with [stress, such that proficiency resulted in more target-like predictions of oxytone, and with] L1, such that its positive effects were particularly relevant in Chinese speakers–more target-like and earlier. L2 use interacted [with stress, such that speed of prediction increased especially with L2 use especially in paroxytones, and] with L1, such that especially the English speakers benefited from more L2 use–faster. L2 proficiency and L2 use also interacted; at a high level of proficiency, prediction became faster as use was more frequent. L2 proficiency and L2 use were positively and moderately correlated.</a:t>
+            </a:r>
+          </a:p>
+          <a:p>
             <a:endParaRPr lang="en-US" dirty="0"/>
           </a:p>
         </p:txBody>
@@ -1105,6 +1111,34 @@
               <a:t>Other skills in which predictions are generated are…</a:t>
             </a:r>
           </a:p>
+          <a:p>
+            <a:endParaRPr lang="en-US" dirty="0"/>
+          </a:p>
+          <a:p>
+            <a:r>
+              <a:rPr lang="en-US" dirty="0"/>
+              <a:t>Domain-specific no transfer because skills too specific</a:t>
+            </a:r>
+          </a:p>
+          <a:p>
+            <a:r>
+              <a:rPr lang="en-US" dirty="0"/>
+              <a:t>Domain general transfer </a:t>
+            </a:r>
+            <a:r>
+              <a:rPr lang="en-US" sz="1200" kern="1200" dirty="0">
+                <a:solidFill>
+                  <a:schemeClr val="tx1"/>
+                </a:solidFill>
+                <a:effectLst/>
+                <a:latin typeface="+mn-lt"/>
+                <a:ea typeface="+mn-ea"/>
+                <a:cs typeface="+mn-cs"/>
+              </a:rPr>
+              <a:t>across domains is possible if the domains share common features (Thorndike &amp; Woodworth, 1901) and cognitive elements (Anderson, 1990).</a:t>
+            </a:r>
+            <a:endParaRPr lang="en-US" dirty="0"/>
+          </a:p>
         </p:txBody>
       </p:sp>
       <p:sp>
@@ -1473,7 +1507,7 @@
                 <a:ea typeface="+mn-ea"/>
                 <a:cs typeface="+mn-cs"/>
               </a:rPr>
-              <a:t>domain-general models for prediction, in which transfer across domains is possible if the domains share common features (Thorndike &amp; Woodworth, 1901) and cognitive elements (Anderson, 1990). However, the finding does not completely support domain-general accounts arguing that the information shared needs to be both perceptual and conceptual (</a:t>
+              <a:t>domain-general models for prediction, However, the finding does not completely support domain-general accounts arguing that the information shared needs to be both perceptual and conceptual (</a:t>
             </a:r>
             <a:r>
               <a:rPr lang="en-US" sz="1200" kern="1200" dirty="0" err="1">
@@ -1810,7 +1844,7 @@
             </a:pPr>
             <a:r>
               <a:rPr lang="en-US" dirty="0"/>
-              <a:t>Sometimes explicitly learned, oftentimes not</a:t>
+              <a:t>Based on probabilistic associations that Sometimes explicitly learned, oftentimes not</a:t>
             </a:r>
           </a:p>
           <a:p>
@@ -2343,7 +2377,7 @@
                 <a:ea typeface="+mn-ea"/>
                 <a:cs typeface="+mn-cs"/>
               </a:rPr>
-              <a:t>Results show that both groups generated predictions, although L2 learners did so later and generated less target-like predictions than monolinguals. The learners generated more target-like and faster predictions with higher than lower proficiency and predicted later with higher than lower L2 use, could be because they were considering more options they had got familiar with through more extensive daily life contact with the language. Also, with extensive L2 use, higher proficiency learners predicted oxytones later but more and faster than lower proficiency learners. Finally, L2 proficiency and L2 use correlated moderately. </a:t>
+              <a:t>Results show that both groups generated predictions, although L2 learners did so later and generated less target-like predictions than monolinguals. The learners generated more target-like and faster predictions with higher than lower proficiency and predicted later with higher than lower L2 use, could be because they were considering more options they had got familiar with through more extensive daily life contact with the language. Finally, L2 proficiency and L2 use correlated moderately. </a:t>
             </a:r>
           </a:p>
           <a:p>
@@ -4770,14 +4804,14 @@
           </a:ln>
           <a:extLst>
             <a:ext uri="{909E8E84-426E-40dd-AFC4-6F175D3DCCD1}">
-              <a14:hiddenFill xmlns:a14="http://schemas.microsoft.com/office/drawing/2010/main" xmlns="">
+              <a14:hiddenFill xmlns="" xmlns:a14="http://schemas.microsoft.com/office/drawing/2010/main">
                 <a:solidFill>
                   <a:srgbClr val="FFFFFF"/>
                 </a:solidFill>
               </a14:hiddenFill>
             </a:ext>
             <a:ext uri="{91240B29-F687-4f45-9708-019B960494DF}">
-              <a14:hiddenLine xmlns:a14="http://schemas.microsoft.com/office/drawing/2010/main" xmlns="" w="9525">
+              <a14:hiddenLine xmlns="" xmlns:a14="http://schemas.microsoft.com/office/drawing/2010/main" w="9525">
                 <a:solidFill>
                   <a:srgbClr val="000000"/>
                 </a:solidFill>
@@ -4787,7 +4821,7 @@
               </a14:hiddenLine>
             </a:ext>
             <a:ext uri="{FAA26D3D-D897-4be2-8F04-BA451C77F1D7}">
-              <ma14:placeholderFlag xmlns:ma14="http://schemas.microsoft.com/office/mac/drawingml/2011/main" xmlns="" val="1"/>
+              <ma14:placeholderFlag xmlns="" xmlns:ma14="http://schemas.microsoft.com/office/mac/drawingml/2011/main" val="1"/>
             </a:ext>
           </a:extLst>
         </p:spPr>
@@ -4832,14 +4866,14 @@
           </a:ln>
           <a:extLst>
             <a:ext uri="{909E8E84-426E-40dd-AFC4-6F175D3DCCD1}">
-              <a14:hiddenFill xmlns:a14="http://schemas.microsoft.com/office/drawing/2010/main" xmlns="">
+              <a14:hiddenFill xmlns="" xmlns:a14="http://schemas.microsoft.com/office/drawing/2010/main">
                 <a:solidFill>
                   <a:srgbClr val="FFFFFF"/>
                 </a:solidFill>
               </a14:hiddenFill>
             </a:ext>
             <a:ext uri="{91240B29-F687-4f45-9708-019B960494DF}">
-              <a14:hiddenLine xmlns:a14="http://schemas.microsoft.com/office/drawing/2010/main" xmlns="" w="9525">
+              <a14:hiddenLine xmlns="" xmlns:a14="http://schemas.microsoft.com/office/drawing/2010/main" w="9525">
                 <a:solidFill>
                   <a:srgbClr val="000000"/>
                 </a:solidFill>
@@ -4849,7 +4883,7 @@
               </a14:hiddenLine>
             </a:ext>
             <a:ext uri="{FAA26D3D-D897-4be2-8F04-BA451C77F1D7}">
-              <ma14:placeholderFlag xmlns:ma14="http://schemas.microsoft.com/office/mac/drawingml/2011/main" xmlns="" val="1"/>
+              <ma14:placeholderFlag xmlns="" xmlns:ma14="http://schemas.microsoft.com/office/mac/drawingml/2011/main" val="1"/>
             </a:ext>
           </a:extLst>
         </p:spPr>
@@ -5885,14 +5919,14 @@
           </a:ln>
           <a:extLst>
             <a:ext uri="{909E8E84-426E-40dd-AFC4-6F175D3DCCD1}">
-              <a14:hiddenFill xmlns:a14="http://schemas.microsoft.com/office/drawing/2010/main" xmlns="">
+              <a14:hiddenFill xmlns="" xmlns:a14="http://schemas.microsoft.com/office/drawing/2010/main">
                 <a:solidFill>
                   <a:srgbClr val="FFFFFF"/>
                 </a:solidFill>
               </a14:hiddenFill>
             </a:ext>
             <a:ext uri="{91240B29-F687-4f45-9708-019B960494DF}">
-              <a14:hiddenLine xmlns:a14="http://schemas.microsoft.com/office/drawing/2010/main" xmlns="" w="9525">
+              <a14:hiddenLine xmlns="" xmlns:a14="http://schemas.microsoft.com/office/drawing/2010/main" w="9525">
                 <a:solidFill>
                   <a:srgbClr val="000000"/>
                 </a:solidFill>
@@ -5902,7 +5936,7 @@
               </a14:hiddenLine>
             </a:ext>
             <a:ext uri="{FAA26D3D-D897-4be2-8F04-BA451C77F1D7}">
-              <ma14:placeholderFlag xmlns:ma14="http://schemas.microsoft.com/office/mac/drawingml/2011/main" xmlns="" val="1"/>
+              <ma14:placeholderFlag xmlns="" xmlns:ma14="http://schemas.microsoft.com/office/mac/drawingml/2011/main" val="1"/>
             </a:ext>
           </a:extLst>
         </p:spPr>
@@ -7972,14 +8006,14 @@
           </a:ln>
           <a:extLst>
             <a:ext uri="{909E8E84-426E-40dd-AFC4-6F175D3DCCD1}">
-              <a14:hiddenFill xmlns:a14="http://schemas.microsoft.com/office/drawing/2010/main" xmlns="">
+              <a14:hiddenFill xmlns="" xmlns:a14="http://schemas.microsoft.com/office/drawing/2010/main">
                 <a:solidFill>
                   <a:srgbClr val="FFFFFF"/>
                 </a:solidFill>
               </a14:hiddenFill>
             </a:ext>
             <a:ext uri="{91240B29-F687-4f45-9708-019B960494DF}">
-              <a14:hiddenLine xmlns:a14="http://schemas.microsoft.com/office/drawing/2010/main" xmlns="" w="9525">
+              <a14:hiddenLine xmlns="" xmlns:a14="http://schemas.microsoft.com/office/drawing/2010/main" w="9525">
                 <a:solidFill>
                   <a:srgbClr val="000000"/>
                 </a:solidFill>
@@ -7989,7 +8023,7 @@
               </a14:hiddenLine>
             </a:ext>
             <a:ext uri="{FAA26D3D-D897-4be2-8F04-BA451C77F1D7}">
-              <ma14:placeholderFlag xmlns:ma14="http://schemas.microsoft.com/office/mac/drawingml/2011/main" xmlns="" val="1"/>
+              <ma14:placeholderFlag xmlns="" xmlns:ma14="http://schemas.microsoft.com/office/mac/drawingml/2011/main" val="1"/>
             </a:ext>
           </a:extLst>
         </p:spPr>
@@ -8036,14 +8070,14 @@
           </a:ln>
           <a:extLst>
             <a:ext uri="{909E8E84-426E-40dd-AFC4-6F175D3DCCD1}">
-              <a14:hiddenFill xmlns:a14="http://schemas.microsoft.com/office/drawing/2010/main" xmlns="">
+              <a14:hiddenFill xmlns="" xmlns:a14="http://schemas.microsoft.com/office/drawing/2010/main">
                 <a:solidFill>
                   <a:srgbClr val="FFFFFF"/>
                 </a:solidFill>
               </a14:hiddenFill>
             </a:ext>
             <a:ext uri="{91240B29-F687-4f45-9708-019B960494DF}">
-              <a14:hiddenLine xmlns:a14="http://schemas.microsoft.com/office/drawing/2010/main" xmlns="" w="9525">
+              <a14:hiddenLine xmlns="" xmlns:a14="http://schemas.microsoft.com/office/drawing/2010/main" w="9525">
                 <a:solidFill>
                   <a:srgbClr val="000000"/>
                 </a:solidFill>
@@ -8053,7 +8087,7 @@
               </a14:hiddenLine>
             </a:ext>
             <a:ext uri="{FAA26D3D-D897-4be2-8F04-BA451C77F1D7}">
-              <ma14:placeholderFlag xmlns:ma14="http://schemas.microsoft.com/office/mac/drawingml/2011/main" xmlns="" val="1"/>
+              <ma14:placeholderFlag xmlns="" xmlns:ma14="http://schemas.microsoft.com/office/mac/drawingml/2011/main" val="1"/>
             </a:ext>
           </a:extLst>
         </p:spPr>
@@ -8100,14 +8134,14 @@
           </a:ln>
           <a:extLst>
             <a:ext uri="{909E8E84-426E-40dd-AFC4-6F175D3DCCD1}">
-              <a14:hiddenFill xmlns:a14="http://schemas.microsoft.com/office/drawing/2010/main" xmlns="">
+              <a14:hiddenFill xmlns="" xmlns:a14="http://schemas.microsoft.com/office/drawing/2010/main">
                 <a:solidFill>
                   <a:srgbClr val="FFFFFF"/>
                 </a:solidFill>
               </a14:hiddenFill>
             </a:ext>
             <a:ext uri="{91240B29-F687-4f45-9708-019B960494DF}">
-              <a14:hiddenLine xmlns:a14="http://schemas.microsoft.com/office/drawing/2010/main" xmlns="" w="9525">
+              <a14:hiddenLine xmlns="" xmlns:a14="http://schemas.microsoft.com/office/drawing/2010/main" w="9525">
                 <a:solidFill>
                   <a:srgbClr val="000000"/>
                 </a:solidFill>
@@ -8117,7 +8151,7 @@
               </a14:hiddenLine>
             </a:ext>
             <a:ext uri="{FAA26D3D-D897-4be2-8F04-BA451C77F1D7}">
-              <ma14:placeholderFlag xmlns:ma14="http://schemas.microsoft.com/office/mac/drawingml/2011/main" xmlns="" val="1"/>
+              <ma14:placeholderFlag xmlns="" xmlns:ma14="http://schemas.microsoft.com/office/mac/drawingml/2011/main" val="1"/>
             </a:ext>
           </a:extLst>
         </p:spPr>
@@ -8837,6 +8871,132 @@
           </a:p>
         </p:txBody>
       </p:sp>
+      <p:sp>
+        <p:nvSpPr>
+          <p:cNvPr id="6" name="TextBox 5">
+            <a:extLst>
+              <a:ext uri="{FF2B5EF4-FFF2-40B4-BE49-F238E27FC236}">
+                <a16:creationId xmlns:a16="http://schemas.microsoft.com/office/drawing/2014/main" id="{627B123A-EC37-0E4F-82B9-A8A3936A4BC1}"/>
+              </a:ext>
+            </a:extLst>
+          </p:cNvPr>
+          <p:cNvSpPr txBox="1"/>
+          <p:nvPr/>
+        </p:nvSpPr>
+        <p:spPr>
+          <a:xfrm>
+            <a:off x="5453349" y="4417766"/>
+            <a:ext cx="969485" cy="276999"/>
+          </a:xfrm>
+          <a:prstGeom prst="rect">
+            <a:avLst/>
+          </a:prstGeom>
+          <a:solidFill>
+            <a:schemeClr val="bg1"/>
+          </a:solidFill>
+        </p:spPr>
+        <p:txBody>
+          <a:bodyPr wrap="square" rtlCol="0">
+            <a:spAutoFit/>
+          </a:bodyPr>
+          <a:lstStyle/>
+          <a:p>
+            <a:r>
+              <a:rPr lang="en-US" sz="1200" dirty="0">
+                <a:latin typeface="Seravek" panose="020B0503040000020004" pitchFamily="34" charset="0"/>
+              </a:rPr>
+              <a:t>Salta</a:t>
+            </a:r>
+          </a:p>
+        </p:txBody>
+      </p:sp>
+      <p:sp>
+        <p:nvSpPr>
+          <p:cNvPr id="7" name="TextBox 6">
+            <a:extLst>
+              <a:ext uri="{FF2B5EF4-FFF2-40B4-BE49-F238E27FC236}">
+                <a16:creationId xmlns:a16="http://schemas.microsoft.com/office/drawing/2014/main" id="{826EDA74-DA27-A54C-AE05-E96DFDA5C231}"/>
+              </a:ext>
+            </a:extLst>
+          </p:cNvPr>
+          <p:cNvSpPr txBox="1"/>
+          <p:nvPr/>
+        </p:nvSpPr>
+        <p:spPr>
+          <a:xfrm>
+            <a:off x="3316077" y="44068"/>
+            <a:ext cx="1134737" cy="276999"/>
+          </a:xfrm>
+          <a:prstGeom prst="rect">
+            <a:avLst/>
+          </a:prstGeom>
+          <a:solidFill>
+            <a:schemeClr val="bg1">
+              <a:lumMod val="85000"/>
+            </a:schemeClr>
+          </a:solidFill>
+        </p:spPr>
+        <p:txBody>
+          <a:bodyPr wrap="square" rtlCol="0">
+            <a:spAutoFit/>
+          </a:bodyPr>
+          <a:lstStyle/>
+          <a:p>
+            <a:pPr algn="ctr"/>
+            <a:r>
+              <a:rPr lang="en-US" sz="1200" dirty="0">
+                <a:latin typeface="Seravek" panose="020B0503040000020004" pitchFamily="34" charset="0"/>
+              </a:rPr>
+              <a:t>Salta</a:t>
+            </a:r>
+          </a:p>
+        </p:txBody>
+      </p:sp>
+      <p:sp>
+        <p:nvSpPr>
+          <p:cNvPr id="13" name="TextBox 12">
+            <a:extLst>
+              <a:ext uri="{FF2B5EF4-FFF2-40B4-BE49-F238E27FC236}">
+                <a16:creationId xmlns:a16="http://schemas.microsoft.com/office/drawing/2014/main" id="{0AD69EEC-AB0C-9140-9BBA-DBECFB5ADA9F}"/>
+              </a:ext>
+            </a:extLst>
+          </p:cNvPr>
+          <p:cNvSpPr txBox="1"/>
+          <p:nvPr/>
+        </p:nvSpPr>
+        <p:spPr>
+          <a:xfrm>
+            <a:off x="6806589" y="42234"/>
+            <a:ext cx="1134737" cy="276999"/>
+          </a:xfrm>
+          <a:prstGeom prst="rect">
+            <a:avLst/>
+          </a:prstGeom>
+          <a:solidFill>
+            <a:schemeClr val="bg1">
+              <a:lumMod val="85000"/>
+            </a:schemeClr>
+          </a:solidFill>
+        </p:spPr>
+        <p:txBody>
+          <a:bodyPr wrap="square" rtlCol="0">
+            <a:spAutoFit/>
+          </a:bodyPr>
+          <a:lstStyle/>
+          <a:p>
+            <a:pPr algn="ctr"/>
+            <a:r>
+              <a:rPr lang="en-US" sz="1200" dirty="0" err="1">
+                <a:latin typeface="Seravek" panose="020B0503040000020004" pitchFamily="34" charset="0"/>
+              </a:rPr>
+              <a:t>Saltó</a:t>
+            </a:r>
+            <a:endParaRPr lang="en-US" sz="1200" dirty="0">
+              <a:latin typeface="Seravek" panose="020B0503040000020004" pitchFamily="34" charset="0"/>
+            </a:endParaRPr>
+          </a:p>
+        </p:txBody>
+      </p:sp>
     </p:spTree>
     <p:extLst>
       <p:ext uri="{BB962C8B-B14F-4D97-AF65-F5344CB8AC3E}">
@@ -10732,7 +10892,7 @@
               <a:rPr lang="en-US" i="1" dirty="0" err="1">
                 <a:latin typeface="Seravek" panose="020B0503040000020004" pitchFamily="34" charset="0"/>
               </a:rPr>
-              <a:t>CANta</a:t>
+              <a:t>CANto</a:t>
             </a:r>
             <a:r>
               <a:rPr lang="en-US" dirty="0">
@@ -10744,7 +10904,7 @@
               <a:rPr lang="en-US" sz="1600" dirty="0">
                 <a:latin typeface="Seravek" panose="020B0503040000020004" pitchFamily="34" charset="0"/>
               </a:rPr>
-              <a:t>(s/he sings)</a:t>
+              <a:t>(I sing)</a:t>
             </a:r>
             <a:r>
               <a:rPr lang="en-US" dirty="0">
@@ -12654,8 +12814,8 @@
         </p:nvSpPr>
         <p:spPr>
           <a:xfrm>
-            <a:off x="5453349" y="4296579"/>
-            <a:ext cx="969485" cy="461665"/>
+            <a:off x="5453349" y="4417766"/>
+            <a:ext cx="969485" cy="276999"/>
           </a:xfrm>
           <a:prstGeom prst="rect">
             <a:avLst/>
@@ -12675,14 +12835,6 @@
                 <a:latin typeface="Seravek" panose="020B0503040000020004" pitchFamily="34" charset="0"/>
               </a:rPr>
               <a:t>Salta</a:t>
-            </a:r>
-          </a:p>
-          <a:p>
-            <a:r>
-              <a:rPr lang="en-US" sz="1200" dirty="0">
-                <a:latin typeface="Seravek" panose="020B0503040000020004" pitchFamily="34" charset="0"/>
-              </a:rPr>
-              <a:t>paroxytone</a:t>
             </a:r>
           </a:p>
         </p:txBody>
@@ -12701,8 +12853,8 @@
         </p:nvSpPr>
         <p:spPr>
           <a:xfrm>
-            <a:off x="6577068" y="4296581"/>
-            <a:ext cx="716030" cy="461665"/>
+            <a:off x="6577068" y="4417768"/>
+            <a:ext cx="914402" cy="276999"/>
           </a:xfrm>
           <a:prstGeom prst="rect">
             <a:avLst/>
@@ -12712,7 +12864,7 @@
           </a:solidFill>
         </p:spPr>
         <p:txBody>
-          <a:bodyPr wrap="none" rtlCol="0">
+          <a:bodyPr wrap="square" rtlCol="0">
             <a:spAutoFit/>
           </a:bodyPr>
           <a:lstStyle/>
@@ -12726,14 +12878,6 @@
             <a:endParaRPr lang="en-US" sz="1200" dirty="0">
               <a:latin typeface="Seravek" panose="020B0503040000020004" pitchFamily="34" charset="0"/>
             </a:endParaRPr>
-          </a:p>
-          <a:p>
-            <a:r>
-              <a:rPr lang="en-US" sz="1200" dirty="0">
-                <a:latin typeface="Seravek" panose="020B0503040000020004" pitchFamily="34" charset="0"/>
-              </a:rPr>
-              <a:t>oxytone</a:t>
-            </a:r>
           </a:p>
         </p:txBody>
       </p:sp>
@@ -12940,14 +13084,14 @@
           </a:ln>
           <a:extLst>
             <a:ext uri="{909E8E84-426E-40dd-AFC4-6F175D3DCCD1}">
-              <a14:hiddenFill xmlns:a14="http://schemas.microsoft.com/office/drawing/2010/main" xmlns="">
+              <a14:hiddenFill xmlns="" xmlns:a14="http://schemas.microsoft.com/office/drawing/2010/main">
                 <a:solidFill>
                   <a:srgbClr val="FFFFFF"/>
                 </a:solidFill>
               </a14:hiddenFill>
             </a:ext>
             <a:ext uri="{91240B29-F687-4f45-9708-019B960494DF}">
-              <a14:hiddenLine xmlns:a14="http://schemas.microsoft.com/office/drawing/2010/main" xmlns="" w="9525">
+              <a14:hiddenLine xmlns="" xmlns:a14="http://schemas.microsoft.com/office/drawing/2010/main" w="9525">
                 <a:solidFill>
                   <a:srgbClr val="000000"/>
                 </a:solidFill>
@@ -12957,7 +13101,7 @@
               </a14:hiddenLine>
             </a:ext>
             <a:ext uri="{FAA26D3D-D897-4be2-8F04-BA451C77F1D7}">
-              <ma14:placeholderFlag xmlns:ma14="http://schemas.microsoft.com/office/mac/drawingml/2011/main" xmlns="" val="1"/>
+              <ma14:placeholderFlag xmlns="" xmlns:ma14="http://schemas.microsoft.com/office/mac/drawingml/2011/main" val="1"/>
             </a:ext>
           </a:extLst>
         </p:spPr>
@@ -12990,14 +13134,14 @@
           </a:ln>
           <a:extLst>
             <a:ext uri="{909E8E84-426E-40dd-AFC4-6F175D3DCCD1}">
-              <a14:hiddenFill xmlns:a14="http://schemas.microsoft.com/office/drawing/2010/main" xmlns="">
+              <a14:hiddenFill xmlns="" xmlns:a14="http://schemas.microsoft.com/office/drawing/2010/main">
                 <a:solidFill>
                   <a:srgbClr val="FFFFFF"/>
                 </a:solidFill>
               </a14:hiddenFill>
             </a:ext>
             <a:ext uri="{91240B29-F687-4f45-9708-019B960494DF}">
-              <a14:hiddenLine xmlns:a14="http://schemas.microsoft.com/office/drawing/2010/main" xmlns="" w="9525">
+              <a14:hiddenLine xmlns="" xmlns:a14="http://schemas.microsoft.com/office/drawing/2010/main" w="9525">
                 <a:solidFill>
                   <a:srgbClr val="000000"/>
                 </a:solidFill>
@@ -13007,7 +13151,7 @@
               </a14:hiddenLine>
             </a:ext>
             <a:ext uri="{FAA26D3D-D897-4be2-8F04-BA451C77F1D7}">
-              <ma14:placeholderFlag xmlns:ma14="http://schemas.microsoft.com/office/mac/drawingml/2011/main" xmlns="" val="1"/>
+              <ma14:placeholderFlag xmlns="" xmlns:ma14="http://schemas.microsoft.com/office/mac/drawingml/2011/main" val="1"/>
             </a:ext>
           </a:extLst>
         </p:spPr>
@@ -13216,10 +13360,10 @@
       </p:sp>
       <p:sp>
         <p:nvSpPr>
-          <p:cNvPr id="7" name="TextBox 6">
+          <p:cNvPr id="8" name="TextBox 7">
             <a:extLst>
               <a:ext uri="{FF2B5EF4-FFF2-40B4-BE49-F238E27FC236}">
-                <a16:creationId xmlns:a16="http://schemas.microsoft.com/office/drawing/2014/main" id="{73181FE9-096D-AC48-9CDF-79BA2AC64DBF}"/>
+                <a16:creationId xmlns:a16="http://schemas.microsoft.com/office/drawing/2014/main" id="{A2352449-6871-9945-AA14-2FD770261F3D}"/>
               </a:ext>
             </a:extLst>
           </p:cNvPr>
@@ -13228,16 +13372,18 @@
         </p:nvSpPr>
         <p:spPr>
           <a:xfrm>
-            <a:off x="4902506" y="4715222"/>
-            <a:ext cx="1561646" cy="276999"/>
+            <a:off x="4825387" y="4880477"/>
+            <a:ext cx="683047" cy="276999"/>
           </a:xfrm>
           <a:prstGeom prst="rect">
             <a:avLst/>
           </a:prstGeom>
-          <a:noFill/>
+          <a:solidFill>
+            <a:schemeClr val="bg1"/>
+          </a:solidFill>
         </p:spPr>
         <p:txBody>
-          <a:bodyPr wrap="none" rtlCol="0">
+          <a:bodyPr wrap="square" rtlCol="0">
             <a:spAutoFit/>
           </a:bodyPr>
           <a:lstStyle/>
@@ -13246,10 +13392,40 @@
               <a:rPr lang="en-US" sz="1200" dirty="0" err="1"/>
               <a:t>salta</a:t>
             </a:r>
-            <a:r>
-              <a:rPr lang="en-US" sz="1200" dirty="0"/>
-              <a:t>	  </a:t>
-            </a:r>
+            <a:endParaRPr lang="en-US" sz="1200" dirty="0"/>
+          </a:p>
+        </p:txBody>
+      </p:sp>
+      <p:sp>
+        <p:nvSpPr>
+          <p:cNvPr id="10" name="TextBox 9">
+            <a:extLst>
+              <a:ext uri="{FF2B5EF4-FFF2-40B4-BE49-F238E27FC236}">
+                <a16:creationId xmlns:a16="http://schemas.microsoft.com/office/drawing/2014/main" id="{139402CF-DED0-A245-A539-E05ED6522EDF}"/>
+              </a:ext>
+            </a:extLst>
+          </p:cNvPr>
+          <p:cNvSpPr txBox="1"/>
+          <p:nvPr/>
+        </p:nvSpPr>
+        <p:spPr>
+          <a:xfrm>
+            <a:off x="5871989" y="4880477"/>
+            <a:ext cx="572878" cy="276999"/>
+          </a:xfrm>
+          <a:prstGeom prst="rect">
+            <a:avLst/>
+          </a:prstGeom>
+          <a:solidFill>
+            <a:schemeClr val="bg1"/>
+          </a:solidFill>
+        </p:spPr>
+        <p:txBody>
+          <a:bodyPr wrap="square" rtlCol="0">
+            <a:spAutoFit/>
+          </a:bodyPr>
+          <a:lstStyle/>
+          <a:p>
             <a:r>
               <a:rPr lang="en-US" sz="1200" dirty="0" err="1"/>
               <a:t>saltó</a:t>

--- a/ru_defense_slides.pptx
+++ b/ru_defense_slides.pptx
@@ -264,7 +264,7 @@
           <a:p>
             <a:fld id="{B4ACAF68-BA44-A64D-98FC-2994B8AF7CCA}" type="datetimeFigureOut">
               <a:rPr lang="en-US" smtClean="0"/>
-              <a:t>1/5/22</a:t>
+              <a:t>1/7/22</a:t>
             </a:fld>
             <a:endParaRPr lang="en-US"/>
           </a:p>
@@ -441,7 +441,7 @@
           <a:p>
             <a:fld id="{21E02A63-8238-CF49-95F6-4E73F04318D6}" type="datetimeFigureOut">
               <a:rPr lang="en-US" smtClean="0"/>
-              <a:t>1/5/22</a:t>
+              <a:t>1/7/22</a:t>
             </a:fld>
             <a:endParaRPr lang="en-US"/>
           </a:p>
@@ -1102,13 +1102,16 @@
           <a:p>
             <a:r>
               <a:rPr lang="en-US" dirty="0"/>
-              <a:t>Now, a lot of prediction research in language has examined prediction in language, however, recent neurocognitive research, for instance, indicates that predictive mechanisms may be shared across cognition. I therefore wanted to explore how language prediction relates to prediction in other non-language skills.</a:t>
-            </a:r>
+              <a:t>With the third study we switch gears a little.</a:t>
+            </a:r>
+          </a:p>
+          <a:p>
+            <a:endParaRPr lang="en-US" dirty="0"/>
           </a:p>
           <a:p>
             <a:r>
               <a:rPr lang="en-US" dirty="0"/>
-              <a:t>Other skills in which predictions are generated are…</a:t>
+              <a:t>A lot of prediction research in language has examined prediction in language, however, recent neurocognitive research, for instance, indicates that predictive mechanisms may be shared across cognition. I therefore wanted to explore how language prediction relates to prediction in other non-language skills.</a:t>
             </a:r>
           </a:p>
           <a:p>
@@ -1136,6 +1139,55 @@
                 <a:cs typeface="+mn-cs"/>
               </a:rPr>
               <a:t>across domains is possible if the domains share common features (Thorndike &amp; Woodworth, 1901) and cognitive elements (Anderson, 1990).</a:t>
+            </a:r>
+          </a:p>
+          <a:p>
+            <a:endParaRPr lang="en-US" sz="1200" kern="1200" dirty="0">
+              <a:solidFill>
+                <a:schemeClr val="tx1"/>
+              </a:solidFill>
+              <a:effectLst/>
+              <a:latin typeface="+mn-lt"/>
+              <a:ea typeface="+mn-ea"/>
+              <a:cs typeface="+mn-cs"/>
+            </a:endParaRPr>
+          </a:p>
+          <a:p>
+            <a:r>
+              <a:rPr lang="en-US" sz="1200" kern="1200" dirty="0">
+                <a:solidFill>
+                  <a:schemeClr val="tx1"/>
+                </a:solidFill>
+                <a:effectLst/>
+                <a:latin typeface="+mn-lt"/>
+                <a:ea typeface="+mn-ea"/>
+                <a:cs typeface="+mn-cs"/>
+              </a:rPr>
+              <a:t>Most previous research on e.g., chess or playing videogames suggest no transfer </a:t>
+            </a:r>
+            <a:r>
+              <a:rPr lang="en-US" sz="1200" kern="1200" dirty="0" err="1">
+                <a:solidFill>
+                  <a:schemeClr val="tx1"/>
+                </a:solidFill>
+                <a:effectLst/>
+                <a:latin typeface="+mn-lt"/>
+                <a:ea typeface="+mn-ea"/>
+                <a:cs typeface="+mn-cs"/>
+              </a:rPr>
+              <a:t>bc</a:t>
+            </a:r>
+            <a:r>
+              <a:rPr lang="en-US" sz="1200" kern="1200" dirty="0">
+                <a:solidFill>
+                  <a:schemeClr val="tx1"/>
+                </a:solidFill>
+                <a:effectLst/>
+                <a:latin typeface="+mn-lt"/>
+                <a:ea typeface="+mn-ea"/>
+                <a:cs typeface="+mn-cs"/>
+              </a:rPr>
+              <a:t> skills too specific. However, prediction is a more general mechanism that is used in more than one cognitive domain/skill. </a:t>
             </a:r>
             <a:endParaRPr lang="en-US" dirty="0"/>
           </a:p>
@@ -1231,6 +1283,140 @@
               <a:rPr lang="en-US" dirty="0"/>
               <a:t>Previous research between these two fields has revealed that language and visuospatial processing may be associated in several ways…</a:t>
             </a:r>
+          </a:p>
+          <a:p>
+            <a:endParaRPr lang="en-US" dirty="0"/>
+          </a:p>
+          <a:p>
+            <a:endParaRPr lang="en-US" dirty="0"/>
+          </a:p>
+          <a:p>
+            <a:endParaRPr lang="en-US" dirty="0"/>
+          </a:p>
+          <a:p>
+            <a:r>
+              <a:rPr lang="en-US" dirty="0"/>
+              <a:t>______</a:t>
+            </a:r>
+          </a:p>
+          <a:p>
+            <a:pPr lvl="1"/>
+            <a:r>
+              <a:rPr lang="en-US" dirty="0">
+                <a:solidFill>
+                  <a:schemeClr val="bg1">
+                    <a:lumMod val="75000"/>
+                  </a:schemeClr>
+                </a:solidFill>
+                <a:latin typeface="Seravek" panose="020B0503040000020004" pitchFamily="34" charset="0"/>
+              </a:rPr>
+              <a:t>Reading abilities </a:t>
+            </a:r>
+            <a:r>
+              <a:rPr lang="en-US" sz="1000" dirty="0">
+                <a:solidFill>
+                  <a:schemeClr val="bg1">
+                    <a:lumMod val="75000"/>
+                  </a:schemeClr>
+                </a:solidFill>
+                <a:latin typeface="Seravek" panose="020B0503040000020004" pitchFamily="34" charset="0"/>
+              </a:rPr>
+              <a:t>(</a:t>
+            </a:r>
+            <a:r>
+              <a:rPr lang="en-US" sz="1000" dirty="0" err="1">
+                <a:solidFill>
+                  <a:schemeClr val="bg1">
+                    <a:lumMod val="75000"/>
+                  </a:schemeClr>
+                </a:solidFill>
+                <a:latin typeface="Seravek" panose="020B0503040000020004" pitchFamily="34" charset="0"/>
+              </a:rPr>
+              <a:t>Helland</a:t>
+            </a:r>
+            <a:r>
+              <a:rPr lang="en-US" sz="1000" dirty="0">
+                <a:solidFill>
+                  <a:schemeClr val="bg1">
+                    <a:lumMod val="75000"/>
+                  </a:schemeClr>
+                </a:solidFill>
+                <a:latin typeface="Seravek" panose="020B0503040000020004" pitchFamily="34" charset="0"/>
+              </a:rPr>
+              <a:t> &amp; </a:t>
+            </a:r>
+            <a:r>
+              <a:rPr lang="en-US" sz="1000" dirty="0" err="1">
+                <a:solidFill>
+                  <a:schemeClr val="bg1">
+                    <a:lumMod val="75000"/>
+                  </a:schemeClr>
+                </a:solidFill>
+                <a:latin typeface="Seravek" panose="020B0503040000020004" pitchFamily="34" charset="0"/>
+              </a:rPr>
+              <a:t>Morken</a:t>
+            </a:r>
+            <a:r>
+              <a:rPr lang="en-US" sz="1000" dirty="0">
+                <a:solidFill>
+                  <a:schemeClr val="bg1">
+                    <a:lumMod val="75000"/>
+                  </a:schemeClr>
+                </a:solidFill>
+                <a:latin typeface="Seravek" panose="020B0503040000020004" pitchFamily="34" charset="0"/>
+              </a:rPr>
+              <a:t>, 2016; Estes &amp; </a:t>
+            </a:r>
+            <a:r>
+              <a:rPr lang="en-US" sz="1000" dirty="0" err="1">
+                <a:solidFill>
+                  <a:schemeClr val="bg1">
+                    <a:lumMod val="75000"/>
+                  </a:schemeClr>
+                </a:solidFill>
+                <a:latin typeface="Seravek" panose="020B0503040000020004" pitchFamily="34" charset="0"/>
+              </a:rPr>
+              <a:t>Barsalou</a:t>
+            </a:r>
+            <a:r>
+              <a:rPr lang="en-US" sz="1000" dirty="0">
+                <a:solidFill>
+                  <a:schemeClr val="bg1">
+                    <a:lumMod val="75000"/>
+                  </a:schemeClr>
+                </a:solidFill>
+                <a:latin typeface="Seravek" panose="020B0503040000020004" pitchFamily="34" charset="0"/>
+              </a:rPr>
+              <a:t>, 2018)</a:t>
+            </a:r>
+          </a:p>
+          <a:p>
+            <a:pPr lvl="1"/>
+            <a:r>
+              <a:rPr lang="en-US" dirty="0">
+                <a:solidFill>
+                  <a:schemeClr val="bg1">
+                    <a:lumMod val="75000"/>
+                  </a:schemeClr>
+                </a:solidFill>
+                <a:latin typeface="Seravek" panose="020B0503040000020004" pitchFamily="34" charset="0"/>
+              </a:rPr>
+              <a:t>Space organization and expressions to talk about it </a:t>
+            </a:r>
+            <a:r>
+              <a:rPr lang="en-US" sz="1000" dirty="0">
+                <a:solidFill>
+                  <a:schemeClr val="bg1">
+                    <a:lumMod val="75000"/>
+                  </a:schemeClr>
+                </a:solidFill>
+                <a:latin typeface="Seravek" panose="020B0503040000020004" pitchFamily="34" charset="0"/>
+              </a:rPr>
+              <a:t>(Crawford et al., 2000)</a:t>
+            </a:r>
+          </a:p>
+          <a:p>
+            <a:endParaRPr lang="en-US" dirty="0"/>
           </a:p>
         </p:txBody>
       </p:sp>
@@ -4804,14 +4990,14 @@
           </a:ln>
           <a:extLst>
             <a:ext uri="{909E8E84-426E-40dd-AFC4-6F175D3DCCD1}">
-              <a14:hiddenFill xmlns="" xmlns:a14="http://schemas.microsoft.com/office/drawing/2010/main">
+              <a14:hiddenFill xmlns:a14="http://schemas.microsoft.com/office/drawing/2010/main" xmlns="">
                 <a:solidFill>
                   <a:srgbClr val="FFFFFF"/>
                 </a:solidFill>
               </a14:hiddenFill>
             </a:ext>
             <a:ext uri="{91240B29-F687-4f45-9708-019B960494DF}">
-              <a14:hiddenLine xmlns="" xmlns:a14="http://schemas.microsoft.com/office/drawing/2010/main" w="9525">
+              <a14:hiddenLine xmlns:a14="http://schemas.microsoft.com/office/drawing/2010/main" xmlns="" w="9525">
                 <a:solidFill>
                   <a:srgbClr val="000000"/>
                 </a:solidFill>
@@ -4821,7 +5007,7 @@
               </a14:hiddenLine>
             </a:ext>
             <a:ext uri="{FAA26D3D-D897-4be2-8F04-BA451C77F1D7}">
-              <ma14:placeholderFlag xmlns="" xmlns:ma14="http://schemas.microsoft.com/office/mac/drawingml/2011/main" val="1"/>
+              <ma14:placeholderFlag xmlns:ma14="http://schemas.microsoft.com/office/mac/drawingml/2011/main" xmlns="" val="1"/>
             </a:ext>
           </a:extLst>
         </p:spPr>
@@ -4866,14 +5052,14 @@
           </a:ln>
           <a:extLst>
             <a:ext uri="{909E8E84-426E-40dd-AFC4-6F175D3DCCD1}">
-              <a14:hiddenFill xmlns="" xmlns:a14="http://schemas.microsoft.com/office/drawing/2010/main">
+              <a14:hiddenFill xmlns:a14="http://schemas.microsoft.com/office/drawing/2010/main" xmlns="">
                 <a:solidFill>
                   <a:srgbClr val="FFFFFF"/>
                 </a:solidFill>
               </a14:hiddenFill>
             </a:ext>
             <a:ext uri="{91240B29-F687-4f45-9708-019B960494DF}">
-              <a14:hiddenLine xmlns="" xmlns:a14="http://schemas.microsoft.com/office/drawing/2010/main" w="9525">
+              <a14:hiddenLine xmlns:a14="http://schemas.microsoft.com/office/drawing/2010/main" xmlns="" w="9525">
                 <a:solidFill>
                   <a:srgbClr val="000000"/>
                 </a:solidFill>
@@ -4883,7 +5069,7 @@
               </a14:hiddenLine>
             </a:ext>
             <a:ext uri="{FAA26D3D-D897-4be2-8F04-BA451C77F1D7}">
-              <ma14:placeholderFlag xmlns="" xmlns:ma14="http://schemas.microsoft.com/office/mac/drawingml/2011/main" val="1"/>
+              <ma14:placeholderFlag xmlns:ma14="http://schemas.microsoft.com/office/mac/drawingml/2011/main" xmlns="" val="1"/>
             </a:ext>
           </a:extLst>
         </p:spPr>
@@ -5919,14 +6105,14 @@
           </a:ln>
           <a:extLst>
             <a:ext uri="{909E8E84-426E-40dd-AFC4-6F175D3DCCD1}">
-              <a14:hiddenFill xmlns="" xmlns:a14="http://schemas.microsoft.com/office/drawing/2010/main">
+              <a14:hiddenFill xmlns:a14="http://schemas.microsoft.com/office/drawing/2010/main" xmlns="">
                 <a:solidFill>
                   <a:srgbClr val="FFFFFF"/>
                 </a:solidFill>
               </a14:hiddenFill>
             </a:ext>
             <a:ext uri="{91240B29-F687-4f45-9708-019B960494DF}">
-              <a14:hiddenLine xmlns="" xmlns:a14="http://schemas.microsoft.com/office/drawing/2010/main" w="9525">
+              <a14:hiddenLine xmlns:a14="http://schemas.microsoft.com/office/drawing/2010/main" xmlns="" w="9525">
                 <a:solidFill>
                   <a:srgbClr val="000000"/>
                 </a:solidFill>
@@ -5936,7 +6122,7 @@
               </a14:hiddenLine>
             </a:ext>
             <a:ext uri="{FAA26D3D-D897-4be2-8F04-BA451C77F1D7}">
-              <ma14:placeholderFlag xmlns="" xmlns:ma14="http://schemas.microsoft.com/office/mac/drawingml/2011/main" val="1"/>
+              <ma14:placeholderFlag xmlns:ma14="http://schemas.microsoft.com/office/mac/drawingml/2011/main" xmlns="" val="1"/>
             </a:ext>
           </a:extLst>
         </p:spPr>
@@ -6725,81 +6911,6 @@
               <a:rPr lang="en-US" dirty="0">
                 <a:latin typeface="Seravek" panose="020B0503040000020004" pitchFamily="34" charset="0"/>
               </a:rPr>
-              <a:t>Predictions generated in other domains too:</a:t>
-            </a:r>
-          </a:p>
-          <a:p>
-            <a:pPr lvl="1"/>
-            <a:r>
-              <a:rPr lang="en-US" dirty="0">
-                <a:latin typeface="Seravek" panose="020B0503040000020004" pitchFamily="34" charset="0"/>
-              </a:rPr>
-              <a:t>Sports </a:t>
-            </a:r>
-            <a:r>
-              <a:rPr lang="en-US" sz="1000" dirty="0">
-                <a:latin typeface="Seravek" panose="020B0503040000020004" pitchFamily="34" charset="0"/>
-              </a:rPr>
-              <a:t>(e.g., Bishop et al., 2013; </a:t>
-            </a:r>
-            <a:r>
-              <a:rPr lang="en-US" sz="1000" dirty="0" err="1"/>
-              <a:t>Wimshurst</a:t>
-            </a:r>
-            <a:r>
-              <a:rPr lang="en-US" sz="1000" dirty="0"/>
-              <a:t> et al., 2016</a:t>
-            </a:r>
-            <a:r>
-              <a:rPr lang="en-US" sz="1000" dirty="0">
-                <a:latin typeface="Seravek" panose="020B0503040000020004" pitchFamily="34" charset="0"/>
-              </a:rPr>
-              <a:t>)</a:t>
-            </a:r>
-          </a:p>
-          <a:p>
-            <a:pPr lvl="1"/>
-            <a:r>
-              <a:rPr lang="en-US" dirty="0">
-                <a:latin typeface="Seravek" panose="020B0503040000020004" pitchFamily="34" charset="0"/>
-              </a:rPr>
-              <a:t>Driving </a:t>
-            </a:r>
-            <a:r>
-              <a:rPr lang="en-US" sz="1000" dirty="0">
-                <a:latin typeface="Seravek" panose="020B0503040000020004" pitchFamily="34" charset="0"/>
-              </a:rPr>
-              <a:t>(e.g., Morando et al., 2016; Yamani et al., 2018)</a:t>
-            </a:r>
-          </a:p>
-          <a:p>
-            <a:pPr lvl="1"/>
-            <a:r>
-              <a:rPr lang="en-US" dirty="0">
-                <a:latin typeface="Seravek" panose="020B0503040000020004" pitchFamily="34" charset="0"/>
-              </a:rPr>
-              <a:t>Music </a:t>
-            </a:r>
-            <a:r>
-              <a:rPr lang="en-US" sz="1000" dirty="0">
-                <a:latin typeface="Seravek" panose="020B0503040000020004" pitchFamily="34" charset="0"/>
-              </a:rPr>
-              <a:t>(e.g., Huron, 2016)</a:t>
-            </a:r>
-            <a:endParaRPr lang="en-US" dirty="0">
-              <a:latin typeface="Seravek" panose="020B0503040000020004" pitchFamily="34" charset="0"/>
-            </a:endParaRPr>
-          </a:p>
-          <a:p>
-            <a:endParaRPr lang="en-US" dirty="0">
-              <a:latin typeface="Seravek" panose="020B0503040000020004" pitchFamily="34" charset="0"/>
-            </a:endParaRPr>
-          </a:p>
-          <a:p>
-            <a:r>
-              <a:rPr lang="en-US" dirty="0">
-                <a:latin typeface="Seravek" panose="020B0503040000020004" pitchFamily="34" charset="0"/>
-              </a:rPr>
               <a:t>Domain-specific models of learning </a:t>
             </a:r>
             <a:r>
@@ -6843,6 +6954,83 @@
               <a:rPr lang="en-US" sz="1000" dirty="0"/>
               <a:t>(Anderson, 1990; Thorndike &amp; Woodworth, 1901)</a:t>
             </a:r>
+          </a:p>
+          <a:p>
+            <a:endParaRPr lang="en-US" sz="1000" dirty="0"/>
+          </a:p>
+          <a:p>
+            <a:endParaRPr lang="en-US" sz="1000" dirty="0"/>
+          </a:p>
+          <a:p>
+            <a:endParaRPr lang="en-US" sz="1000" dirty="0"/>
+          </a:p>
+          <a:p>
+            <a:r>
+              <a:rPr lang="en-US" dirty="0">
+                <a:latin typeface="Seravek" panose="020B0503040000020004" pitchFamily="34" charset="0"/>
+              </a:rPr>
+              <a:t>Predictions generated in other domains too:</a:t>
+            </a:r>
+          </a:p>
+          <a:p>
+            <a:pPr lvl="1"/>
+            <a:r>
+              <a:rPr lang="en-US" dirty="0">
+                <a:latin typeface="Seravek" panose="020B0503040000020004" pitchFamily="34" charset="0"/>
+              </a:rPr>
+              <a:t>Sports </a:t>
+            </a:r>
+            <a:r>
+              <a:rPr lang="en-US" sz="1000" dirty="0">
+                <a:latin typeface="Seravek" panose="020B0503040000020004" pitchFamily="34" charset="0"/>
+              </a:rPr>
+              <a:t>(e.g., Bishop et al., 2013; </a:t>
+            </a:r>
+            <a:r>
+              <a:rPr lang="en-US" sz="1000" dirty="0" err="1"/>
+              <a:t>Wimshurst</a:t>
+            </a:r>
+            <a:r>
+              <a:rPr lang="en-US" sz="1000" dirty="0"/>
+              <a:t> et al., 2016</a:t>
+            </a:r>
+            <a:r>
+              <a:rPr lang="en-US" sz="1000" dirty="0">
+                <a:latin typeface="Seravek" panose="020B0503040000020004" pitchFamily="34" charset="0"/>
+              </a:rPr>
+              <a:t>)</a:t>
+            </a:r>
+          </a:p>
+          <a:p>
+            <a:pPr lvl="1"/>
+            <a:r>
+              <a:rPr lang="en-US" dirty="0">
+                <a:latin typeface="Seravek" panose="020B0503040000020004" pitchFamily="34" charset="0"/>
+              </a:rPr>
+              <a:t>Driving </a:t>
+            </a:r>
+            <a:r>
+              <a:rPr lang="en-US" sz="1000" dirty="0">
+                <a:latin typeface="Seravek" panose="020B0503040000020004" pitchFamily="34" charset="0"/>
+              </a:rPr>
+              <a:t>(e.g., Morando et al., 2016; Yamani et al., 2018)</a:t>
+            </a:r>
+          </a:p>
+          <a:p>
+            <a:pPr lvl="1"/>
+            <a:r>
+              <a:rPr lang="en-US" dirty="0">
+                <a:latin typeface="Seravek" panose="020B0503040000020004" pitchFamily="34" charset="0"/>
+              </a:rPr>
+              <a:t>Music </a:t>
+            </a:r>
+            <a:r>
+              <a:rPr lang="en-US" sz="1000" dirty="0">
+                <a:latin typeface="Seravek" panose="020B0503040000020004" pitchFamily="34" charset="0"/>
+              </a:rPr>
+              <a:t>(e.g., Huron, 2016)</a:t>
+            </a:r>
+            <a:endParaRPr lang="en-US" sz="1000" dirty="0"/>
           </a:p>
           <a:p>
             <a:endParaRPr lang="en-US" dirty="0"/>
@@ -7038,6 +7226,178 @@
   <p:clrMapOvr>
     <a:masterClrMapping/>
   </p:clrMapOvr>
+  <p:timing>
+    <p:tnLst>
+      <p:par>
+        <p:cTn id="1" dur="indefinite" restart="never" nodeType="tmRoot">
+          <p:childTnLst>
+            <p:seq concurrent="1" nextAc="seek">
+              <p:cTn id="2" dur="indefinite" nodeType="mainSeq">
+                <p:childTnLst>
+                  <p:par>
+                    <p:cTn id="3" fill="hold">
+                      <p:stCondLst>
+                        <p:cond delay="indefinite"/>
+                      </p:stCondLst>
+                      <p:childTnLst>
+                        <p:par>
+                          <p:cTn id="4" fill="hold">
+                            <p:stCondLst>
+                              <p:cond delay="0"/>
+                            </p:stCondLst>
+                            <p:childTnLst>
+                              <p:par>
+                                <p:cTn id="5" presetID="1" presetClass="entr" presetSubtype="0" fill="hold" nodeType="clickEffect">
+                                  <p:stCondLst>
+                                    <p:cond delay="0"/>
+                                  </p:stCondLst>
+                                  <p:childTnLst>
+                                    <p:set>
+                                      <p:cBhvr>
+                                        <p:cTn id="6" dur="1" fill="hold">
+                                          <p:stCondLst>
+                                            <p:cond delay="0"/>
+                                          </p:stCondLst>
+                                        </p:cTn>
+                                        <p:tgtEl>
+                                          <p:spTgt spid="3">
+                                            <p:txEl>
+                                              <p:pRg st="5" end="5"/>
+                                            </p:txEl>
+                                          </p:spTgt>
+                                        </p:tgtEl>
+                                        <p:attrNameLst>
+                                          <p:attrName>style.visibility</p:attrName>
+                                        </p:attrNameLst>
+                                      </p:cBhvr>
+                                      <p:to>
+                                        <p:strVal val="visible"/>
+                                      </p:to>
+                                    </p:set>
+                                  </p:childTnLst>
+                                </p:cTn>
+                              </p:par>
+                              <p:par>
+                                <p:cTn id="7" presetID="1" presetClass="entr" presetSubtype="0" fill="hold" nodeType="withEffect">
+                                  <p:stCondLst>
+                                    <p:cond delay="0"/>
+                                  </p:stCondLst>
+                                  <p:childTnLst>
+                                    <p:set>
+                                      <p:cBhvr>
+                                        <p:cTn id="8" dur="1" fill="hold">
+                                          <p:stCondLst>
+                                            <p:cond delay="0"/>
+                                          </p:stCondLst>
+                                        </p:cTn>
+                                        <p:tgtEl>
+                                          <p:spTgt spid="3">
+                                            <p:txEl>
+                                              <p:pRg st="6" end="6"/>
+                                            </p:txEl>
+                                          </p:spTgt>
+                                        </p:tgtEl>
+                                        <p:attrNameLst>
+                                          <p:attrName>style.visibility</p:attrName>
+                                        </p:attrNameLst>
+                                      </p:cBhvr>
+                                      <p:to>
+                                        <p:strVal val="visible"/>
+                                      </p:to>
+                                    </p:set>
+                                  </p:childTnLst>
+                                </p:cTn>
+                              </p:par>
+                              <p:par>
+                                <p:cTn id="9" presetID="1" presetClass="entr" presetSubtype="0" fill="hold" nodeType="withEffect">
+                                  <p:stCondLst>
+                                    <p:cond delay="0"/>
+                                  </p:stCondLst>
+                                  <p:childTnLst>
+                                    <p:set>
+                                      <p:cBhvr>
+                                        <p:cTn id="10" dur="1" fill="hold">
+                                          <p:stCondLst>
+                                            <p:cond delay="0"/>
+                                          </p:stCondLst>
+                                        </p:cTn>
+                                        <p:tgtEl>
+                                          <p:spTgt spid="3">
+                                            <p:txEl>
+                                              <p:pRg st="7" end="7"/>
+                                            </p:txEl>
+                                          </p:spTgt>
+                                        </p:tgtEl>
+                                        <p:attrNameLst>
+                                          <p:attrName>style.visibility</p:attrName>
+                                        </p:attrNameLst>
+                                      </p:cBhvr>
+                                      <p:to>
+                                        <p:strVal val="visible"/>
+                                      </p:to>
+                                    </p:set>
+                                  </p:childTnLst>
+                                </p:cTn>
+                              </p:par>
+                              <p:par>
+                                <p:cTn id="11" presetID="1" presetClass="entr" presetSubtype="0" fill="hold" nodeType="withEffect">
+                                  <p:stCondLst>
+                                    <p:cond delay="0"/>
+                                  </p:stCondLst>
+                                  <p:childTnLst>
+                                    <p:set>
+                                      <p:cBhvr>
+                                        <p:cTn id="12" dur="1" fill="hold">
+                                          <p:stCondLst>
+                                            <p:cond delay="0"/>
+                                          </p:stCondLst>
+                                        </p:cTn>
+                                        <p:tgtEl>
+                                          <p:spTgt spid="3">
+                                            <p:txEl>
+                                              <p:pRg st="8" end="8"/>
+                                            </p:txEl>
+                                          </p:spTgt>
+                                        </p:tgtEl>
+                                        <p:attrNameLst>
+                                          <p:attrName>style.visibility</p:attrName>
+                                        </p:attrNameLst>
+                                      </p:cBhvr>
+                                      <p:to>
+                                        <p:strVal val="visible"/>
+                                      </p:to>
+                                    </p:set>
+                                  </p:childTnLst>
+                                </p:cTn>
+                              </p:par>
+                            </p:childTnLst>
+                          </p:cTn>
+                        </p:par>
+                      </p:childTnLst>
+                    </p:cTn>
+                  </p:par>
+                </p:childTnLst>
+              </p:cTn>
+              <p:prevCondLst>
+                <p:cond evt="onPrev" delay="0">
+                  <p:tgtEl>
+                    <p:sldTgt/>
+                  </p:tgtEl>
+                </p:cond>
+              </p:prevCondLst>
+              <p:nextCondLst>
+                <p:cond evt="onNext" delay="0">
+                  <p:tgtEl>
+                    <p:sldTgt/>
+                  </p:tgtEl>
+                </p:cond>
+              </p:nextCondLst>
+            </p:seq>
+          </p:childTnLst>
+        </p:cTn>
+      </p:par>
+    </p:tnLst>
+  </p:timing>
 </p:sld>
 </file>
 
@@ -7124,122 +7484,6 @@
                 <a:latin typeface="Seravek" panose="020B0503040000020004" pitchFamily="34" charset="0"/>
               </a:rPr>
               <a:t>Vision/space ~ Language:</a:t>
-            </a:r>
-          </a:p>
-          <a:p>
-            <a:pPr lvl="1"/>
-            <a:r>
-              <a:rPr lang="en-US" dirty="0">
-                <a:solidFill>
-                  <a:schemeClr val="bg1">
-                    <a:lumMod val="75000"/>
-                  </a:schemeClr>
-                </a:solidFill>
-                <a:latin typeface="Seravek" panose="020B0503040000020004" pitchFamily="34" charset="0"/>
-              </a:rPr>
-              <a:t>Reading abilities </a:t>
-            </a:r>
-            <a:r>
-              <a:rPr lang="en-US" sz="1000" dirty="0">
-                <a:solidFill>
-                  <a:schemeClr val="bg1">
-                    <a:lumMod val="75000"/>
-                  </a:schemeClr>
-                </a:solidFill>
-                <a:latin typeface="Seravek" panose="020B0503040000020004" pitchFamily="34" charset="0"/>
-              </a:rPr>
-              <a:t>(</a:t>
-            </a:r>
-            <a:r>
-              <a:rPr lang="en-US" sz="1000" dirty="0" err="1">
-                <a:solidFill>
-                  <a:schemeClr val="bg1">
-                    <a:lumMod val="75000"/>
-                  </a:schemeClr>
-                </a:solidFill>
-                <a:latin typeface="Seravek" panose="020B0503040000020004" pitchFamily="34" charset="0"/>
-              </a:rPr>
-              <a:t>Helland</a:t>
-            </a:r>
-            <a:r>
-              <a:rPr lang="en-US" sz="1000" dirty="0">
-                <a:solidFill>
-                  <a:schemeClr val="bg1">
-                    <a:lumMod val="75000"/>
-                  </a:schemeClr>
-                </a:solidFill>
-                <a:latin typeface="Seravek" panose="020B0503040000020004" pitchFamily="34" charset="0"/>
-              </a:rPr>
-              <a:t> &amp; </a:t>
-            </a:r>
-            <a:r>
-              <a:rPr lang="en-US" sz="1000" dirty="0" err="1">
-                <a:solidFill>
-                  <a:schemeClr val="bg1">
-                    <a:lumMod val="75000"/>
-                  </a:schemeClr>
-                </a:solidFill>
-                <a:latin typeface="Seravek" panose="020B0503040000020004" pitchFamily="34" charset="0"/>
-              </a:rPr>
-              <a:t>Morken</a:t>
-            </a:r>
-            <a:r>
-              <a:rPr lang="en-US" sz="1000" dirty="0">
-                <a:solidFill>
-                  <a:schemeClr val="bg1">
-                    <a:lumMod val="75000"/>
-                  </a:schemeClr>
-                </a:solidFill>
-                <a:latin typeface="Seravek" panose="020B0503040000020004" pitchFamily="34" charset="0"/>
-              </a:rPr>
-              <a:t>, 2016; Estes &amp; </a:t>
-            </a:r>
-            <a:r>
-              <a:rPr lang="en-US" sz="1000" dirty="0" err="1">
-                <a:solidFill>
-                  <a:schemeClr val="bg1">
-                    <a:lumMod val="75000"/>
-                  </a:schemeClr>
-                </a:solidFill>
-                <a:latin typeface="Seravek" panose="020B0503040000020004" pitchFamily="34" charset="0"/>
-              </a:rPr>
-              <a:t>Barsalou</a:t>
-            </a:r>
-            <a:r>
-              <a:rPr lang="en-US" sz="1000" dirty="0">
-                <a:solidFill>
-                  <a:schemeClr val="bg1">
-                    <a:lumMod val="75000"/>
-                  </a:schemeClr>
-                </a:solidFill>
-                <a:latin typeface="Seravek" panose="020B0503040000020004" pitchFamily="34" charset="0"/>
-              </a:rPr>
-              <a:t>, 2018)</a:t>
-            </a:r>
-          </a:p>
-          <a:p>
-            <a:pPr lvl="1"/>
-            <a:r>
-              <a:rPr lang="en-US" dirty="0">
-                <a:solidFill>
-                  <a:schemeClr val="bg1">
-                    <a:lumMod val="75000"/>
-                  </a:schemeClr>
-                </a:solidFill>
-                <a:latin typeface="Seravek" panose="020B0503040000020004" pitchFamily="34" charset="0"/>
-              </a:rPr>
-              <a:t>Space organization and expressions to talk about it </a:t>
-            </a:r>
-            <a:r>
-              <a:rPr lang="en-US" sz="1000" dirty="0">
-                <a:solidFill>
-                  <a:schemeClr val="bg1">
-                    <a:lumMod val="75000"/>
-                  </a:schemeClr>
-                </a:solidFill>
-                <a:latin typeface="Seravek" panose="020B0503040000020004" pitchFamily="34" charset="0"/>
-              </a:rPr>
-              <a:t>(Crawford et al., 2000)</a:t>
             </a:r>
           </a:p>
           <a:p>
@@ -7516,7 +7760,7 @@
                                         <p:tgtEl>
                                           <p:spTgt spid="3">
                                             <p:txEl>
-                                              <p:pRg st="2" end="2"/>
+                                              <p:pRg st="4" end="4"/>
                                             </p:txEl>
                                           </p:spTgt>
                                         </p:tgtEl>
@@ -7534,178 +7778,7 @@
                                         <p:tgtEl>
                                           <p:spTgt spid="3">
                                             <p:txEl>
-                                              <p:pRg st="2" end="2"/>
-                                            </p:txEl>
-                                          </p:spTgt>
-                                        </p:tgtEl>
-                                      </p:cBhvr>
-                                    </p:animEffect>
-                                  </p:childTnLst>
-                                </p:cTn>
-                              </p:par>
-                            </p:childTnLst>
-                          </p:cTn>
-                        </p:par>
-                      </p:childTnLst>
-                    </p:cTn>
-                  </p:par>
-                  <p:par>
-                    <p:cTn id="8" fill="hold">
-                      <p:stCondLst>
-                        <p:cond delay="indefinite"/>
-                      </p:stCondLst>
-                      <p:childTnLst>
-                        <p:par>
-                          <p:cTn id="9" fill="hold">
-                            <p:stCondLst>
-                              <p:cond delay="0"/>
-                            </p:stCondLst>
-                            <p:childTnLst>
-                              <p:par>
-                                <p:cTn id="10" presetID="9" presetClass="emph" presetSubtype="0" nodeType="clickEffect">
-                                  <p:stCondLst>
-                                    <p:cond delay="0"/>
-                                  </p:stCondLst>
-                                  <p:childTnLst>
-                                    <p:set>
-                                      <p:cBhvr>
-                                        <p:cTn id="11" dur="indefinite"/>
-                                        <p:tgtEl>
-                                          <p:spTgt spid="3">
-                                            <p:txEl>
-                                              <p:pRg st="3" end="3"/>
-                                            </p:txEl>
-                                          </p:spTgt>
-                                        </p:tgtEl>
-                                        <p:attrNameLst>
-                                          <p:attrName>style.opacity</p:attrName>
-                                        </p:attrNameLst>
-                                      </p:cBhvr>
-                                      <p:to>
-                                        <p:strVal val="0.5"/>
-                                      </p:to>
-                                    </p:set>
-                                    <p:animEffect filter="image" prLst="opacity: 0.5">
-                                      <p:cBhvr rctx="IE">
-                                        <p:cTn id="12" dur="indefinite"/>
-                                        <p:tgtEl>
-                                          <p:spTgt spid="3">
-                                            <p:txEl>
-                                              <p:pRg st="3" end="3"/>
-                                            </p:txEl>
-                                          </p:spTgt>
-                                        </p:tgtEl>
-                                      </p:cBhvr>
-                                    </p:animEffect>
-                                  </p:childTnLst>
-                                </p:cTn>
-                              </p:par>
-                            </p:childTnLst>
-                          </p:cTn>
-                        </p:par>
-                      </p:childTnLst>
-                    </p:cTn>
-                  </p:par>
-                  <p:par>
-                    <p:cTn id="13" fill="hold">
-                      <p:stCondLst>
-                        <p:cond delay="indefinite"/>
-                      </p:stCondLst>
-                      <p:childTnLst>
-                        <p:par>
-                          <p:cTn id="14" fill="hold">
-                            <p:stCondLst>
-                              <p:cond delay="0"/>
-                            </p:stCondLst>
-                            <p:childTnLst>
-                              <p:par>
-                                <p:cTn id="15" presetID="9" presetClass="emph" presetSubtype="0" nodeType="clickEffect">
-                                  <p:stCondLst>
-                                    <p:cond delay="0"/>
-                                  </p:stCondLst>
-                                  <p:childTnLst>
-                                    <p:set>
-                                      <p:cBhvr>
-                                        <p:cTn id="16" dur="indefinite"/>
-                                        <p:tgtEl>
-                                          <p:spTgt spid="3">
-                                            <p:txEl>
                                               <p:pRg st="4" end="4"/>
-                                            </p:txEl>
-                                          </p:spTgt>
-                                        </p:tgtEl>
-                                        <p:attrNameLst>
-                                          <p:attrName>style.opacity</p:attrName>
-                                        </p:attrNameLst>
-                                      </p:cBhvr>
-                                      <p:to>
-                                        <p:strVal val="0.5"/>
-                                      </p:to>
-                                    </p:set>
-                                    <p:animEffect filter="image" prLst="opacity: 0.5">
-                                      <p:cBhvr rctx="IE">
-                                        <p:cTn id="17" dur="indefinite"/>
-                                        <p:tgtEl>
-                                          <p:spTgt spid="3">
-                                            <p:txEl>
-                                              <p:pRg st="4" end="4"/>
-                                            </p:txEl>
-                                          </p:spTgt>
-                                        </p:tgtEl>
-                                      </p:cBhvr>
-                                    </p:animEffect>
-                                  </p:childTnLst>
-                                </p:cTn>
-                              </p:par>
-                            </p:childTnLst>
-                          </p:cTn>
-                        </p:par>
-                      </p:childTnLst>
-                    </p:cTn>
-                  </p:par>
-                  <p:par>
-                    <p:cTn id="18" fill="hold">
-                      <p:stCondLst>
-                        <p:cond delay="indefinite"/>
-                      </p:stCondLst>
-                      <p:childTnLst>
-                        <p:par>
-                          <p:cTn id="19" fill="hold">
-                            <p:stCondLst>
-                              <p:cond delay="0"/>
-                            </p:stCondLst>
-                            <p:childTnLst>
-                              <p:par>
-                                <p:cTn id="20" presetID="9" presetClass="emph" presetSubtype="0" nodeType="clickEffect">
-                                  <p:stCondLst>
-                                    <p:cond delay="0"/>
-                                  </p:stCondLst>
-                                  <p:childTnLst>
-                                    <p:set>
-                                      <p:cBhvr>
-                                        <p:cTn id="21" dur="indefinite"/>
-                                        <p:tgtEl>
-                                          <p:spTgt spid="3">
-                                            <p:txEl>
-                                              <p:pRg st="6" end="6"/>
-                                            </p:txEl>
-                                          </p:spTgt>
-                                        </p:tgtEl>
-                                        <p:attrNameLst>
-                                          <p:attrName>style.opacity</p:attrName>
-                                        </p:attrNameLst>
-                                      </p:cBhvr>
-                                      <p:to>
-                                        <p:strVal val="0.5"/>
-                                      </p:to>
-                                    </p:set>
-                                    <p:animEffect filter="image" prLst="opacity: 0.5">
-                                      <p:cBhvr rctx="IE">
-                                        <p:cTn id="22" dur="indefinite"/>
-                                        <p:tgtEl>
-                                          <p:spTgt spid="3">
-                                            <p:txEl>
-                                              <p:pRg st="6" end="6"/>
                                             </p:txEl>
                                           </p:spTgt>
                                         </p:tgtEl>
@@ -8006,14 +8079,14 @@
           </a:ln>
           <a:extLst>
             <a:ext uri="{909E8E84-426E-40dd-AFC4-6F175D3DCCD1}">
-              <a14:hiddenFill xmlns="" xmlns:a14="http://schemas.microsoft.com/office/drawing/2010/main">
+              <a14:hiddenFill xmlns:a14="http://schemas.microsoft.com/office/drawing/2010/main" xmlns="">
                 <a:solidFill>
                   <a:srgbClr val="FFFFFF"/>
                 </a:solidFill>
               </a14:hiddenFill>
             </a:ext>
             <a:ext uri="{91240B29-F687-4f45-9708-019B960494DF}">
-              <a14:hiddenLine xmlns="" xmlns:a14="http://schemas.microsoft.com/office/drawing/2010/main" w="9525">
+              <a14:hiddenLine xmlns:a14="http://schemas.microsoft.com/office/drawing/2010/main" xmlns="" w="9525">
                 <a:solidFill>
                   <a:srgbClr val="000000"/>
                 </a:solidFill>
@@ -8023,7 +8096,7 @@
               </a14:hiddenLine>
             </a:ext>
             <a:ext uri="{FAA26D3D-D897-4be2-8F04-BA451C77F1D7}">
-              <ma14:placeholderFlag xmlns="" xmlns:ma14="http://schemas.microsoft.com/office/mac/drawingml/2011/main" val="1"/>
+              <ma14:placeholderFlag xmlns:ma14="http://schemas.microsoft.com/office/mac/drawingml/2011/main" xmlns="" val="1"/>
             </a:ext>
           </a:extLst>
         </p:spPr>
@@ -8070,14 +8143,14 @@
           </a:ln>
           <a:extLst>
             <a:ext uri="{909E8E84-426E-40dd-AFC4-6F175D3DCCD1}">
-              <a14:hiddenFill xmlns="" xmlns:a14="http://schemas.microsoft.com/office/drawing/2010/main">
+              <a14:hiddenFill xmlns:a14="http://schemas.microsoft.com/office/drawing/2010/main" xmlns="">
                 <a:solidFill>
                   <a:srgbClr val="FFFFFF"/>
                 </a:solidFill>
               </a14:hiddenFill>
             </a:ext>
             <a:ext uri="{91240B29-F687-4f45-9708-019B960494DF}">
-              <a14:hiddenLine xmlns="" xmlns:a14="http://schemas.microsoft.com/office/drawing/2010/main" w="9525">
+              <a14:hiddenLine xmlns:a14="http://schemas.microsoft.com/office/drawing/2010/main" xmlns="" w="9525">
                 <a:solidFill>
                   <a:srgbClr val="000000"/>
                 </a:solidFill>
@@ -8087,7 +8160,7 @@
               </a14:hiddenLine>
             </a:ext>
             <a:ext uri="{FAA26D3D-D897-4be2-8F04-BA451C77F1D7}">
-              <ma14:placeholderFlag xmlns="" xmlns:ma14="http://schemas.microsoft.com/office/mac/drawingml/2011/main" val="1"/>
+              <ma14:placeholderFlag xmlns:ma14="http://schemas.microsoft.com/office/mac/drawingml/2011/main" xmlns="" val="1"/>
             </a:ext>
           </a:extLst>
         </p:spPr>
@@ -8134,14 +8207,14 @@
           </a:ln>
           <a:extLst>
             <a:ext uri="{909E8E84-426E-40dd-AFC4-6F175D3DCCD1}">
-              <a14:hiddenFill xmlns="" xmlns:a14="http://schemas.microsoft.com/office/drawing/2010/main">
+              <a14:hiddenFill xmlns:a14="http://schemas.microsoft.com/office/drawing/2010/main" xmlns="">
                 <a:solidFill>
                   <a:srgbClr val="FFFFFF"/>
                 </a:solidFill>
               </a14:hiddenFill>
             </a:ext>
             <a:ext uri="{91240B29-F687-4f45-9708-019B960494DF}">
-              <a14:hiddenLine xmlns="" xmlns:a14="http://schemas.microsoft.com/office/drawing/2010/main" w="9525">
+              <a14:hiddenLine xmlns:a14="http://schemas.microsoft.com/office/drawing/2010/main" xmlns="" w="9525">
                 <a:solidFill>
                   <a:srgbClr val="000000"/>
                 </a:solidFill>
@@ -8151,7 +8224,7 @@
               </a14:hiddenLine>
             </a:ext>
             <a:ext uri="{FAA26D3D-D897-4be2-8F04-BA451C77F1D7}">
-              <ma14:placeholderFlag xmlns="" xmlns:ma14="http://schemas.microsoft.com/office/mac/drawingml/2011/main" val="1"/>
+              <ma14:placeholderFlag xmlns:ma14="http://schemas.microsoft.com/office/mac/drawingml/2011/main" xmlns="" val="1"/>
             </a:ext>
           </a:extLst>
         </p:spPr>
@@ -13084,14 +13157,14 @@
           </a:ln>
           <a:extLst>
             <a:ext uri="{909E8E84-426E-40dd-AFC4-6F175D3DCCD1}">
-              <a14:hiddenFill xmlns="" xmlns:a14="http://schemas.microsoft.com/office/drawing/2010/main">
+              <a14:hiddenFill xmlns:a14="http://schemas.microsoft.com/office/drawing/2010/main" xmlns="">
                 <a:solidFill>
                   <a:srgbClr val="FFFFFF"/>
                 </a:solidFill>
               </a14:hiddenFill>
             </a:ext>
             <a:ext uri="{91240B29-F687-4f45-9708-019B960494DF}">
-              <a14:hiddenLine xmlns="" xmlns:a14="http://schemas.microsoft.com/office/drawing/2010/main" w="9525">
+              <a14:hiddenLine xmlns:a14="http://schemas.microsoft.com/office/drawing/2010/main" xmlns="" w="9525">
                 <a:solidFill>
                   <a:srgbClr val="000000"/>
                 </a:solidFill>
@@ -13101,7 +13174,7 @@
               </a14:hiddenLine>
             </a:ext>
             <a:ext uri="{FAA26D3D-D897-4be2-8F04-BA451C77F1D7}">
-              <ma14:placeholderFlag xmlns="" xmlns:ma14="http://schemas.microsoft.com/office/mac/drawingml/2011/main" val="1"/>
+              <ma14:placeholderFlag xmlns:ma14="http://schemas.microsoft.com/office/mac/drawingml/2011/main" xmlns="" val="1"/>
             </a:ext>
           </a:extLst>
         </p:spPr>
@@ -13134,14 +13207,14 @@
           </a:ln>
           <a:extLst>
             <a:ext uri="{909E8E84-426E-40dd-AFC4-6F175D3DCCD1}">
-              <a14:hiddenFill xmlns="" xmlns:a14="http://schemas.microsoft.com/office/drawing/2010/main">
+              <a14:hiddenFill xmlns:a14="http://schemas.microsoft.com/office/drawing/2010/main" xmlns="">
                 <a:solidFill>
                   <a:srgbClr val="FFFFFF"/>
                 </a:solidFill>
               </a14:hiddenFill>
             </a:ext>
             <a:ext uri="{91240B29-F687-4f45-9708-019B960494DF}">
-              <a14:hiddenLine xmlns="" xmlns:a14="http://schemas.microsoft.com/office/drawing/2010/main" w="9525">
+              <a14:hiddenLine xmlns:a14="http://schemas.microsoft.com/office/drawing/2010/main" xmlns="" w="9525">
                 <a:solidFill>
                   <a:srgbClr val="000000"/>
                 </a:solidFill>
@@ -13151,7 +13224,7 @@
               </a14:hiddenLine>
             </a:ext>
             <a:ext uri="{FAA26D3D-D897-4be2-8F04-BA451C77F1D7}">
-              <ma14:placeholderFlag xmlns="" xmlns:ma14="http://schemas.microsoft.com/office/mac/drawingml/2011/main" val="1"/>
+              <ma14:placeholderFlag xmlns:ma14="http://schemas.microsoft.com/office/mac/drawingml/2011/main" xmlns="" val="1"/>
             </a:ext>
           </a:extLst>
         </p:spPr>
